--- a/images/theory_analysis/Kubernetes_Service_Network/Kubernetes_Service_Network.pptx
+++ b/images/theory_analysis/Kubernetes_Service_Network/Kubernetes_Service_Network.pptx
@@ -5,11 +5,13 @@
     <p:sldMasterId id="2147483648" r:id="rId1"/>
   </p:sldMasterIdLst>
   <p:notesMasterIdLst>
-    <p:notesMasterId r:id="rId4"/>
+    <p:notesMasterId r:id="rId6"/>
   </p:notesMasterIdLst>
   <p:sldIdLst>
-    <p:sldId id="361" r:id="rId2"/>
-    <p:sldId id="360" r:id="rId3"/>
+    <p:sldId id="362" r:id="rId2"/>
+    <p:sldId id="363" r:id="rId3"/>
+    <p:sldId id="361" r:id="rId4"/>
+    <p:sldId id="360" r:id="rId5"/>
   </p:sldIdLst>
   <p:sldSz cx="9144000" cy="5143500" type="screen16x9"/>
   <p:notesSz cx="6858000" cy="9144000"/>
@@ -214,7 +216,7 @@
           <a:p>
             <a:fld id="{6CD5550B-26C4-49A9-A5BA-636EF7BE6CE9}" type="datetimeFigureOut">
               <a:rPr lang="ko-KR" altLang="en-US" smtClean="0"/>
-              <a:t>2019-04-04</a:t>
+              <a:t>2019-05-08</a:t>
             </a:fld>
             <a:endParaRPr lang="ko-KR" altLang="en-US"/>
           </a:p>
@@ -555,7 +557,7 @@
     </p:spTree>
     <p:extLst>
       <p:ext uri="{BB962C8B-B14F-4D97-AF65-F5344CB8AC3E}">
-        <p14:creationId xmlns:p14="http://schemas.microsoft.com/office/powerpoint/2010/main" val="143985425"/>
+        <p14:creationId xmlns:p14="http://schemas.microsoft.com/office/powerpoint/2010/main" val="812539306"/>
       </p:ext>
     </p:extLst>
   </p:cSld>
@@ -631,6 +633,174 @@
             <a:fld id="{BA5DFA43-8D57-47FB-BC46-057616015C3B}" type="slidenum">
               <a:rPr lang="ko-KR" altLang="en-US" smtClean="0"/>
               <a:t>2</a:t>
+            </a:fld>
+            <a:endParaRPr lang="ko-KR" altLang="en-US"/>
+          </a:p>
+        </p:txBody>
+      </p:sp>
+    </p:spTree>
+    <p:extLst>
+      <p:ext uri="{BB962C8B-B14F-4D97-AF65-F5344CB8AC3E}">
+        <p14:creationId xmlns:p14="http://schemas.microsoft.com/office/powerpoint/2010/main" val="4155216883"/>
+      </p:ext>
+    </p:extLst>
+  </p:cSld>
+  <p:clrMapOvr>
+    <a:masterClrMapping/>
+  </p:clrMapOvr>
+</p:notes>
+</file>
+
+<file path=ppt/notesSlides/notesSlide3.xml><?xml version="1.0" encoding="utf-8"?>
+<p:notes xmlns:a="http://schemas.openxmlformats.org/drawingml/2006/main" xmlns:r="http://schemas.openxmlformats.org/officeDocument/2006/relationships" xmlns:p="http://schemas.openxmlformats.org/presentationml/2006/main">
+  <p:cSld>
+    <p:spTree>
+      <p:nvGrpSpPr>
+        <p:cNvPr id="1" name=""/>
+        <p:cNvGrpSpPr/>
+        <p:nvPr/>
+      </p:nvGrpSpPr>
+      <p:grpSpPr>
+        <a:xfrm>
+          <a:off x="0" y="0"/>
+          <a:ext cx="0" cy="0"/>
+          <a:chOff x="0" y="0"/>
+          <a:chExt cx="0" cy="0"/>
+        </a:xfrm>
+      </p:grpSpPr>
+      <p:sp>
+        <p:nvSpPr>
+          <p:cNvPr id="2" name="슬라이드 이미지 개체 틀 1"/>
+          <p:cNvSpPr>
+            <a:spLocks noGrp="1" noRot="1" noChangeAspect="1"/>
+          </p:cNvSpPr>
+          <p:nvPr>
+            <p:ph type="sldImg"/>
+          </p:nvPr>
+        </p:nvSpPr>
+        <p:spPr/>
+      </p:sp>
+      <p:sp>
+        <p:nvSpPr>
+          <p:cNvPr id="3" name="슬라이드 노트 개체 틀 2"/>
+          <p:cNvSpPr>
+            <a:spLocks noGrp="1"/>
+          </p:cNvSpPr>
+          <p:nvPr>
+            <p:ph type="body" idx="1"/>
+          </p:nvPr>
+        </p:nvSpPr>
+        <p:spPr/>
+        <p:txBody>
+          <a:bodyPr/>
+          <a:lstStyle/>
+          <a:p>
+            <a:endParaRPr lang="ko-KR" altLang="en-US" dirty="0"/>
+          </a:p>
+        </p:txBody>
+      </p:sp>
+      <p:sp>
+        <p:nvSpPr>
+          <p:cNvPr id="4" name="슬라이드 번호 개체 틀 3"/>
+          <p:cNvSpPr>
+            <a:spLocks noGrp="1"/>
+          </p:cNvSpPr>
+          <p:nvPr>
+            <p:ph type="sldNum" sz="quarter" idx="10"/>
+          </p:nvPr>
+        </p:nvSpPr>
+        <p:spPr/>
+        <p:txBody>
+          <a:bodyPr/>
+          <a:lstStyle/>
+          <a:p>
+            <a:fld id="{BA5DFA43-8D57-47FB-BC46-057616015C3B}" type="slidenum">
+              <a:rPr lang="ko-KR" altLang="en-US" smtClean="0"/>
+              <a:t>3</a:t>
+            </a:fld>
+            <a:endParaRPr lang="ko-KR" altLang="en-US"/>
+          </a:p>
+        </p:txBody>
+      </p:sp>
+    </p:spTree>
+    <p:extLst>
+      <p:ext uri="{BB962C8B-B14F-4D97-AF65-F5344CB8AC3E}">
+        <p14:creationId xmlns:p14="http://schemas.microsoft.com/office/powerpoint/2010/main" val="143985425"/>
+      </p:ext>
+    </p:extLst>
+  </p:cSld>
+  <p:clrMapOvr>
+    <a:masterClrMapping/>
+  </p:clrMapOvr>
+</p:notes>
+</file>
+
+<file path=ppt/notesSlides/notesSlide4.xml><?xml version="1.0" encoding="utf-8"?>
+<p:notes xmlns:a="http://schemas.openxmlformats.org/drawingml/2006/main" xmlns:r="http://schemas.openxmlformats.org/officeDocument/2006/relationships" xmlns:p="http://schemas.openxmlformats.org/presentationml/2006/main">
+  <p:cSld>
+    <p:spTree>
+      <p:nvGrpSpPr>
+        <p:cNvPr id="1" name=""/>
+        <p:cNvGrpSpPr/>
+        <p:nvPr/>
+      </p:nvGrpSpPr>
+      <p:grpSpPr>
+        <a:xfrm>
+          <a:off x="0" y="0"/>
+          <a:ext cx="0" cy="0"/>
+          <a:chOff x="0" y="0"/>
+          <a:chExt cx="0" cy="0"/>
+        </a:xfrm>
+      </p:grpSpPr>
+      <p:sp>
+        <p:nvSpPr>
+          <p:cNvPr id="2" name="슬라이드 이미지 개체 틀 1"/>
+          <p:cNvSpPr>
+            <a:spLocks noGrp="1" noRot="1" noChangeAspect="1"/>
+          </p:cNvSpPr>
+          <p:nvPr>
+            <p:ph type="sldImg"/>
+          </p:nvPr>
+        </p:nvSpPr>
+        <p:spPr/>
+      </p:sp>
+      <p:sp>
+        <p:nvSpPr>
+          <p:cNvPr id="3" name="슬라이드 노트 개체 틀 2"/>
+          <p:cNvSpPr>
+            <a:spLocks noGrp="1"/>
+          </p:cNvSpPr>
+          <p:nvPr>
+            <p:ph type="body" idx="1"/>
+          </p:nvPr>
+        </p:nvSpPr>
+        <p:spPr/>
+        <p:txBody>
+          <a:bodyPr/>
+          <a:lstStyle/>
+          <a:p>
+            <a:endParaRPr lang="ko-KR" altLang="en-US" dirty="0"/>
+          </a:p>
+        </p:txBody>
+      </p:sp>
+      <p:sp>
+        <p:nvSpPr>
+          <p:cNvPr id="4" name="슬라이드 번호 개체 틀 3"/>
+          <p:cNvSpPr>
+            <a:spLocks noGrp="1"/>
+          </p:cNvSpPr>
+          <p:nvPr>
+            <p:ph type="sldNum" sz="quarter" idx="10"/>
+          </p:nvPr>
+        </p:nvSpPr>
+        <p:spPr/>
+        <p:txBody>
+          <a:bodyPr/>
+          <a:lstStyle/>
+          <a:p>
+            <a:fld id="{BA5DFA43-8D57-47FB-BC46-057616015C3B}" type="slidenum">
+              <a:rPr lang="ko-KR" altLang="en-US" smtClean="0"/>
+              <a:t>4</a:t>
             </a:fld>
             <a:endParaRPr lang="ko-KR" altLang="en-US"/>
           </a:p>
@@ -828,7 +998,7 @@
           <a:p>
             <a:fld id="{FB30EDBD-1C2D-4C1E-B459-B60219FAB484}" type="datetimeFigureOut">
               <a:rPr lang="ko-KR" altLang="en-US" smtClean="0"/>
-              <a:t>2019-04-04</a:t>
+              <a:t>2019-05-08</a:t>
             </a:fld>
             <a:endParaRPr lang="ko-KR" altLang="en-US"/>
           </a:p>
@@ -991,7 +1161,7 @@
           <a:p>
             <a:fld id="{FB30EDBD-1C2D-4C1E-B459-B60219FAB484}" type="datetimeFigureOut">
               <a:rPr lang="ko-KR" altLang="en-US" smtClean="0"/>
-              <a:t>2019-04-04</a:t>
+              <a:t>2019-05-08</a:t>
             </a:fld>
             <a:endParaRPr lang="ko-KR" altLang="en-US"/>
           </a:p>
@@ -1164,7 +1334,7 @@
           <a:p>
             <a:fld id="{FB30EDBD-1C2D-4C1E-B459-B60219FAB484}" type="datetimeFigureOut">
               <a:rPr lang="ko-KR" altLang="en-US" smtClean="0"/>
-              <a:t>2019-04-04</a:t>
+              <a:t>2019-05-08</a:t>
             </a:fld>
             <a:endParaRPr lang="ko-KR" altLang="en-US"/>
           </a:p>
@@ -1327,7 +1497,7 @@
           <a:p>
             <a:fld id="{FB30EDBD-1C2D-4C1E-B459-B60219FAB484}" type="datetimeFigureOut">
               <a:rPr lang="ko-KR" altLang="en-US" smtClean="0"/>
-              <a:t>2019-04-04</a:t>
+              <a:t>2019-05-08</a:t>
             </a:fld>
             <a:endParaRPr lang="ko-KR" altLang="en-US"/>
           </a:p>
@@ -1567,7 +1737,7 @@
           <a:p>
             <a:fld id="{FB30EDBD-1C2D-4C1E-B459-B60219FAB484}" type="datetimeFigureOut">
               <a:rPr lang="ko-KR" altLang="en-US" smtClean="0"/>
-              <a:t>2019-04-04</a:t>
+              <a:t>2019-05-08</a:t>
             </a:fld>
             <a:endParaRPr lang="ko-KR" altLang="en-US"/>
           </a:p>
@@ -1847,7 +2017,7 @@
           <a:p>
             <a:fld id="{FB30EDBD-1C2D-4C1E-B459-B60219FAB484}" type="datetimeFigureOut">
               <a:rPr lang="ko-KR" altLang="en-US" smtClean="0"/>
-              <a:t>2019-04-04</a:t>
+              <a:t>2019-05-08</a:t>
             </a:fld>
             <a:endParaRPr lang="ko-KR" altLang="en-US"/>
           </a:p>
@@ -2261,7 +2431,7 @@
           <a:p>
             <a:fld id="{FB30EDBD-1C2D-4C1E-B459-B60219FAB484}" type="datetimeFigureOut">
               <a:rPr lang="ko-KR" altLang="en-US" smtClean="0"/>
-              <a:t>2019-04-04</a:t>
+              <a:t>2019-05-08</a:t>
             </a:fld>
             <a:endParaRPr lang="ko-KR" altLang="en-US"/>
           </a:p>
@@ -2373,7 +2543,7 @@
           <a:p>
             <a:fld id="{FB30EDBD-1C2D-4C1E-B459-B60219FAB484}" type="datetimeFigureOut">
               <a:rPr lang="ko-KR" altLang="en-US" smtClean="0"/>
-              <a:t>2019-04-04</a:t>
+              <a:t>2019-05-08</a:t>
             </a:fld>
             <a:endParaRPr lang="ko-KR" altLang="en-US"/>
           </a:p>
@@ -2463,7 +2633,7 @@
           <a:p>
             <a:fld id="{FB30EDBD-1C2D-4C1E-B459-B60219FAB484}" type="datetimeFigureOut">
               <a:rPr lang="ko-KR" altLang="en-US" smtClean="0"/>
-              <a:t>2019-04-04</a:t>
+              <a:t>2019-05-08</a:t>
             </a:fld>
             <a:endParaRPr lang="ko-KR" altLang="en-US"/>
           </a:p>
@@ -2733,7 +2903,7 @@
           <a:p>
             <a:fld id="{FB30EDBD-1C2D-4C1E-B459-B60219FAB484}" type="datetimeFigureOut">
               <a:rPr lang="ko-KR" altLang="en-US" smtClean="0"/>
-              <a:t>2019-04-04</a:t>
+              <a:t>2019-05-08</a:t>
             </a:fld>
             <a:endParaRPr lang="ko-KR" altLang="en-US"/>
           </a:p>
@@ -2980,7 +3150,7 @@
           <a:p>
             <a:fld id="{FB30EDBD-1C2D-4C1E-B459-B60219FAB484}" type="datetimeFigureOut">
               <a:rPr lang="ko-KR" altLang="en-US" smtClean="0"/>
-              <a:t>2019-04-04</a:t>
+              <a:t>2019-05-08</a:t>
             </a:fld>
             <a:endParaRPr lang="ko-KR" altLang="en-US"/>
           </a:p>
@@ -3186,7 +3356,7 @@
           <a:p>
             <a:fld id="{FB30EDBD-1C2D-4C1E-B459-B60219FAB484}" type="datetimeFigureOut">
               <a:rPr lang="ko-KR" altLang="en-US" smtClean="0"/>
-              <a:t>2019-04-04</a:t>
+              <a:t>2019-05-08</a:t>
             </a:fld>
             <a:endParaRPr lang="ko-KR" altLang="en-US"/>
           </a:p>
@@ -3574,7 +3744,7 @@
         </p:nvCxnSpPr>
         <p:spPr>
           <a:xfrm>
-            <a:off x="4389990" y="1167007"/>
+            <a:off x="3455661" y="1167007"/>
             <a:ext cx="0" cy="427429"/>
           </a:xfrm>
           <a:prstGeom prst="straightConnector1">
@@ -3602,54 +3772,6 @@
           </a:fontRef>
         </p:style>
       </p:cxnSp>
-      <p:sp>
-        <p:nvSpPr>
-          <p:cNvPr id="66" name="구름 65">
-            <a:extLst>
-              <a:ext uri="{FF2B5EF4-FFF2-40B4-BE49-F238E27FC236}">
-                <a16:creationId xmlns:a16="http://schemas.microsoft.com/office/drawing/2014/main" id="{351A9F8D-662B-423F-B892-238E035AE8AB}"/>
-              </a:ext>
-            </a:extLst>
-          </p:cNvPr>
-          <p:cNvSpPr/>
-          <p:nvPr/>
-        </p:nvSpPr>
-        <p:spPr>
-          <a:xfrm>
-            <a:off x="1547144" y="632631"/>
-            <a:ext cx="1506582" cy="709388"/>
-          </a:xfrm>
-          <a:prstGeom prst="cloud">
-            <a:avLst/>
-          </a:prstGeom>
-        </p:spPr>
-        <p:style>
-          <a:lnRef idx="2">
-            <a:schemeClr val="dk1"/>
-          </a:lnRef>
-          <a:fillRef idx="1">
-            <a:schemeClr val="lt1"/>
-          </a:fillRef>
-          <a:effectRef idx="0">
-            <a:schemeClr val="dk1"/>
-          </a:effectRef>
-          <a:fontRef idx="minor">
-            <a:schemeClr val="dk1"/>
-          </a:fontRef>
-        </p:style>
-        <p:txBody>
-          <a:bodyPr rtlCol="0" anchor="ctr"/>
-          <a:lstStyle/>
-          <a:p>
-            <a:pPr algn="ctr"/>
-            <a:r>
-              <a:rPr lang="en-US" altLang="ko-KR" sz="1200" dirty="0"/>
-              <a:t>Network</a:t>
-            </a:r>
-            <a:endParaRPr lang="ko-KR" altLang="en-US" sz="1200" dirty="0"/>
-          </a:p>
-        </p:txBody>
-      </p:sp>
       <p:sp>
         <p:nvSpPr>
           <p:cNvPr id="69" name="모서리가 둥근 직사각형 18">
@@ -3664,7 +3786,7 @@
         </p:nvSpPr>
         <p:spPr>
           <a:xfrm>
-            <a:off x="3345212" y="1594436"/>
+            <a:off x="2410883" y="1594436"/>
             <a:ext cx="2089556" cy="359364"/>
           </a:xfrm>
           <a:prstGeom prst="roundRect">
@@ -3727,7 +3849,7 @@
         </p:nvSpPr>
         <p:spPr>
           <a:xfrm>
-            <a:off x="3345212" y="807643"/>
+            <a:off x="2410883" y="807643"/>
             <a:ext cx="2089556" cy="359364"/>
           </a:xfrm>
           <a:prstGeom prst="roundRect">
@@ -3774,14 +3896,13 @@
           </p:cNvPr>
           <p:cNvCxnSpPr>
             <a:cxnSpLocks/>
-            <a:stCxn id="66" idx="0"/>
             <a:endCxn id="73" idx="1"/>
           </p:cNvCxnSpPr>
           <p:nvPr/>
         </p:nvCxnSpPr>
         <p:spPr>
           <a:xfrm>
-            <a:off x="3052471" y="987325"/>
+            <a:off x="2118142" y="987325"/>
             <a:ext cx="292741" cy="0"/>
           </a:xfrm>
           <a:prstGeom prst="straightConnector1">
@@ -3823,7 +3944,7 @@
         </p:nvSpPr>
         <p:spPr>
           <a:xfrm>
-            <a:off x="3345212" y="2381229"/>
+            <a:off x="2410883" y="2381229"/>
             <a:ext cx="2089556" cy="359364"/>
           </a:xfrm>
           <a:prstGeom prst="roundRect">
@@ -3873,7 +3994,7 @@
         </p:nvSpPr>
         <p:spPr>
           <a:xfrm>
-            <a:off x="3345212" y="3168022"/>
+            <a:off x="2410883" y="3168022"/>
             <a:ext cx="2089556" cy="359364"/>
           </a:xfrm>
           <a:prstGeom prst="roundRect">
@@ -3919,54 +4040,6 @@
                 <a:schemeClr val="tx2"/>
               </a:solidFill>
             </a:endParaRPr>
-          </a:p>
-        </p:txBody>
-      </p:sp>
-      <p:sp>
-        <p:nvSpPr>
-          <p:cNvPr id="93" name="구름 92">
-            <a:extLst>
-              <a:ext uri="{FF2B5EF4-FFF2-40B4-BE49-F238E27FC236}">
-                <a16:creationId xmlns:a16="http://schemas.microsoft.com/office/drawing/2014/main" id="{6C041A3F-A351-4FA5-BE08-F31D0D253275}"/>
-              </a:ext>
-            </a:extLst>
-          </p:cNvPr>
-          <p:cNvSpPr/>
-          <p:nvPr/>
-        </p:nvSpPr>
-        <p:spPr>
-          <a:xfrm>
-            <a:off x="1545889" y="3776438"/>
-            <a:ext cx="1506582" cy="709388"/>
-          </a:xfrm>
-          <a:prstGeom prst="cloud">
-            <a:avLst/>
-          </a:prstGeom>
-        </p:spPr>
-        <p:style>
-          <a:lnRef idx="2">
-            <a:schemeClr val="dk1"/>
-          </a:lnRef>
-          <a:fillRef idx="1">
-            <a:schemeClr val="lt1"/>
-          </a:fillRef>
-          <a:effectRef idx="0">
-            <a:schemeClr val="dk1"/>
-          </a:effectRef>
-          <a:fontRef idx="minor">
-            <a:schemeClr val="dk1"/>
-          </a:fontRef>
-        </p:style>
-        <p:txBody>
-          <a:bodyPr rtlCol="0" anchor="ctr"/>
-          <a:lstStyle/>
-          <a:p>
-            <a:pPr algn="ctr"/>
-            <a:r>
-              <a:rPr lang="en-US" altLang="ko-KR" sz="1200" dirty="0"/>
-              <a:t>Network</a:t>
-            </a:r>
-            <a:endParaRPr lang="ko-KR" altLang="en-US" sz="1200" dirty="0"/>
           </a:p>
         </p:txBody>
       </p:sp>
@@ -3988,7 +4061,7 @@
         </p:nvCxnSpPr>
         <p:spPr>
           <a:xfrm>
-            <a:off x="4389990" y="1953800"/>
+            <a:off x="3455661" y="1953800"/>
             <a:ext cx="0" cy="427429"/>
           </a:xfrm>
           <a:prstGeom prst="straightConnector1">
@@ -4034,7 +4107,7 @@
         </p:nvCxnSpPr>
         <p:spPr>
           <a:xfrm>
-            <a:off x="4389990" y="2740593"/>
+            <a:off x="3455661" y="2740593"/>
             <a:ext cx="0" cy="427429"/>
           </a:xfrm>
           <a:prstGeom prst="straightConnector1">
@@ -4080,7 +4153,7 @@
         </p:nvCxnSpPr>
         <p:spPr>
           <a:xfrm>
-            <a:off x="4389990" y="3527386"/>
+            <a:off x="3455661" y="3527386"/>
             <a:ext cx="0" cy="424064"/>
           </a:xfrm>
           <a:prstGeom prst="straightConnector1">
@@ -4122,7 +4195,7 @@
         </p:nvSpPr>
         <p:spPr>
           <a:xfrm>
-            <a:off x="6082844" y="1594436"/>
+            <a:off x="5148515" y="1594436"/>
             <a:ext cx="2089556" cy="359364"/>
           </a:xfrm>
           <a:prstGeom prst="roundRect">
@@ -4172,7 +4245,7 @@
         </p:nvSpPr>
         <p:spPr>
           <a:xfrm>
-            <a:off x="6082844" y="3168022"/>
+            <a:off x="5148515" y="3168022"/>
             <a:ext cx="2089556" cy="359364"/>
           </a:xfrm>
           <a:prstGeom prst="roundRect">
@@ -4226,7 +4299,7 @@
         </p:nvCxnSpPr>
         <p:spPr>
           <a:xfrm>
-            <a:off x="5434768" y="1774118"/>
+            <a:off x="4500439" y="1774118"/>
             <a:ext cx="648076" cy="0"/>
           </a:xfrm>
           <a:prstGeom prst="straightConnector1">
@@ -4272,7 +4345,7 @@
         </p:nvCxnSpPr>
         <p:spPr>
           <a:xfrm flipH="1">
-            <a:off x="5434768" y="3347704"/>
+            <a:off x="4500439" y="3347704"/>
             <a:ext cx="648076" cy="0"/>
           </a:xfrm>
           <a:prstGeom prst="straightConnector1">
@@ -4314,7 +4387,7 @@
         </p:nvSpPr>
         <p:spPr>
           <a:xfrm>
-            <a:off x="6082844" y="2381229"/>
+            <a:off x="5148515" y="2381229"/>
             <a:ext cx="2089556" cy="359364"/>
           </a:xfrm>
           <a:prstGeom prst="roundRect">
@@ -4381,7 +4454,7 @@
         </p:nvCxnSpPr>
         <p:spPr>
           <a:xfrm>
-            <a:off x="7127622" y="1953800"/>
+            <a:off x="6193293" y="1953800"/>
             <a:ext cx="0" cy="427429"/>
           </a:xfrm>
           <a:prstGeom prst="straightConnector1">
@@ -4427,6 +4500,1110 @@
         </p:nvCxnSpPr>
         <p:spPr>
           <a:xfrm>
+            <a:off x="6193293" y="2740593"/>
+            <a:ext cx="0" cy="427429"/>
+          </a:xfrm>
+          <a:prstGeom prst="straightConnector1">
+            <a:avLst/>
+          </a:prstGeom>
+          <a:ln w="19050">
+            <a:solidFill>
+              <a:schemeClr val="tx1"/>
+            </a:solidFill>
+            <a:tailEnd type="arrow"/>
+          </a:ln>
+        </p:spPr>
+        <p:style>
+          <a:lnRef idx="1">
+            <a:schemeClr val="accent1"/>
+          </a:lnRef>
+          <a:fillRef idx="0">
+            <a:schemeClr val="accent1"/>
+          </a:fillRef>
+          <a:effectRef idx="0">
+            <a:schemeClr val="accent1"/>
+          </a:effectRef>
+          <a:fontRef idx="minor">
+            <a:schemeClr val="tx1"/>
+          </a:fontRef>
+        </p:style>
+      </p:cxnSp>
+      <p:sp>
+        <p:nvSpPr>
+          <p:cNvPr id="133" name="모서리가 둥근 직사각형 13">
+            <a:extLst>
+              <a:ext uri="{FF2B5EF4-FFF2-40B4-BE49-F238E27FC236}">
+                <a16:creationId xmlns:a16="http://schemas.microsoft.com/office/drawing/2014/main" id="{60E1B928-2586-491F-B39A-DC34A0E794A2}"/>
+              </a:ext>
+            </a:extLst>
+          </p:cNvPr>
+          <p:cNvSpPr/>
+          <p:nvPr/>
+        </p:nvSpPr>
+        <p:spPr>
+          <a:xfrm>
+            <a:off x="2410883" y="3951450"/>
+            <a:ext cx="2089556" cy="359364"/>
+          </a:xfrm>
+          <a:prstGeom prst="roundRect">
+            <a:avLst>
+              <a:gd name="adj" fmla="val 10708"/>
+            </a:avLst>
+          </a:prstGeom>
+        </p:spPr>
+        <p:style>
+          <a:lnRef idx="2">
+            <a:schemeClr val="dk1"/>
+          </a:lnRef>
+          <a:fillRef idx="1">
+            <a:schemeClr val="lt1"/>
+          </a:fillRef>
+          <a:effectRef idx="0">
+            <a:schemeClr val="dk1"/>
+          </a:effectRef>
+          <a:fontRef idx="minor">
+            <a:schemeClr val="dk1"/>
+          </a:fontRef>
+        </p:style>
+        <p:txBody>
+          <a:bodyPr rtlCol="0" anchor="ctr"/>
+          <a:lstStyle/>
+          <a:p>
+            <a:pPr algn="ctr"/>
+            <a:r>
+              <a:rPr lang="en-US" altLang="ko-KR" sz="1200" b="1"/>
+              <a:t>NF_IP_POST_ROUTING </a:t>
+            </a:r>
+            <a:endParaRPr lang="ko-KR" altLang="en-US" sz="1200" b="1" dirty="0"/>
+          </a:p>
+        </p:txBody>
+      </p:sp>
+      <p:cxnSp>
+        <p:nvCxnSpPr>
+          <p:cNvPr id="135" name="직선 화살표 연결선 134">
+            <a:extLst>
+              <a:ext uri="{FF2B5EF4-FFF2-40B4-BE49-F238E27FC236}">
+                <a16:creationId xmlns:a16="http://schemas.microsoft.com/office/drawing/2014/main" id="{7ED36CD1-6854-4613-B5FB-14EF7DFF466E}"/>
+              </a:ext>
+            </a:extLst>
+          </p:cNvPr>
+          <p:cNvCxnSpPr>
+            <a:cxnSpLocks/>
+            <a:stCxn id="133" idx="1"/>
+          </p:cNvCxnSpPr>
+          <p:nvPr/>
+        </p:nvCxnSpPr>
+        <p:spPr>
+          <a:xfrm flipH="1">
+            <a:off x="2116887" y="4131132"/>
+            <a:ext cx="293996" cy="0"/>
+          </a:xfrm>
+          <a:prstGeom prst="straightConnector1">
+            <a:avLst/>
+          </a:prstGeom>
+          <a:ln w="19050">
+            <a:solidFill>
+              <a:schemeClr val="tx1"/>
+            </a:solidFill>
+            <a:tailEnd type="arrow"/>
+          </a:ln>
+        </p:spPr>
+        <p:style>
+          <a:lnRef idx="1">
+            <a:schemeClr val="accent1"/>
+          </a:lnRef>
+          <a:fillRef idx="0">
+            <a:schemeClr val="accent1"/>
+          </a:fillRef>
+          <a:effectRef idx="0">
+            <a:schemeClr val="accent1"/>
+          </a:effectRef>
+          <a:fontRef idx="minor">
+            <a:schemeClr val="tx1"/>
+          </a:fontRef>
+        </p:style>
+      </p:cxnSp>
+      <p:sp>
+        <p:nvSpPr>
+          <p:cNvPr id="23" name="모서리가 둥근 직사각형 13">
+            <a:extLst>
+              <a:ext uri="{FF2B5EF4-FFF2-40B4-BE49-F238E27FC236}">
+                <a16:creationId xmlns:a16="http://schemas.microsoft.com/office/drawing/2014/main" id="{FC74B8FC-B65E-4C28-84D1-87968614B7CD}"/>
+              </a:ext>
+            </a:extLst>
+          </p:cNvPr>
+          <p:cNvSpPr/>
+          <p:nvPr/>
+        </p:nvSpPr>
+        <p:spPr>
+          <a:xfrm>
+            <a:off x="539551" y="807643"/>
+            <a:ext cx="1577335" cy="359364"/>
+          </a:xfrm>
+          <a:prstGeom prst="roundRect">
+            <a:avLst>
+              <a:gd name="adj" fmla="val 10708"/>
+            </a:avLst>
+          </a:prstGeom>
+        </p:spPr>
+        <p:style>
+          <a:lnRef idx="2">
+            <a:schemeClr val="dk1"/>
+          </a:lnRef>
+          <a:fillRef idx="1">
+            <a:schemeClr val="lt1"/>
+          </a:fillRef>
+          <a:effectRef idx="0">
+            <a:schemeClr val="dk1"/>
+          </a:effectRef>
+          <a:fontRef idx="minor">
+            <a:schemeClr val="dk1"/>
+          </a:fontRef>
+        </p:style>
+        <p:txBody>
+          <a:bodyPr rtlCol="0" anchor="ctr"/>
+          <a:lstStyle/>
+          <a:p>
+            <a:pPr algn="ctr"/>
+            <a:r>
+              <a:rPr lang="en-US" altLang="ko-KR" sz="1200" b="1"/>
+              <a:t>Network Interface</a:t>
+            </a:r>
+            <a:endParaRPr lang="ko-KR" altLang="en-US" sz="1200" b="1" dirty="0"/>
+          </a:p>
+        </p:txBody>
+      </p:sp>
+    </p:spTree>
+    <p:extLst>
+      <p:ext uri="{BB962C8B-B14F-4D97-AF65-F5344CB8AC3E}">
+        <p14:creationId xmlns:p14="http://schemas.microsoft.com/office/powerpoint/2010/main" val="754083992"/>
+      </p:ext>
+    </p:extLst>
+  </p:cSld>
+  <p:clrMapOvr>
+    <a:masterClrMapping/>
+  </p:clrMapOvr>
+</p:sld>
+</file>
+
+<file path=ppt/slides/slide2.xml><?xml version="1.0" encoding="utf-8"?>
+<p:sld xmlns:a="http://schemas.openxmlformats.org/drawingml/2006/main" xmlns:r="http://schemas.openxmlformats.org/officeDocument/2006/relationships" xmlns:p="http://schemas.openxmlformats.org/presentationml/2006/main">
+  <p:cSld>
+    <p:spTree>
+      <p:nvGrpSpPr>
+        <p:cNvPr id="1" name=""/>
+        <p:cNvGrpSpPr/>
+        <p:nvPr/>
+      </p:nvGrpSpPr>
+      <p:grpSpPr>
+        <a:xfrm>
+          <a:off x="0" y="0"/>
+          <a:ext cx="0" cy="0"/>
+          <a:chOff x="0" y="0"/>
+          <a:chExt cx="0" cy="0"/>
+        </a:xfrm>
+      </p:grpSpPr>
+    </p:spTree>
+    <p:extLst>
+      <p:ext uri="{BB962C8B-B14F-4D97-AF65-F5344CB8AC3E}">
+        <p14:creationId xmlns:p14="http://schemas.microsoft.com/office/powerpoint/2010/main" val="1629043304"/>
+      </p:ext>
+    </p:extLst>
+  </p:cSld>
+  <p:clrMapOvr>
+    <a:masterClrMapping/>
+  </p:clrMapOvr>
+</p:sld>
+</file>
+
+<file path=ppt/slides/slide3.xml><?xml version="1.0" encoding="utf-8"?>
+<p:sld xmlns:a="http://schemas.openxmlformats.org/drawingml/2006/main" xmlns:r="http://schemas.openxmlformats.org/officeDocument/2006/relationships" xmlns:p="http://schemas.openxmlformats.org/presentationml/2006/main">
+  <p:cSld>
+    <p:spTree>
+      <p:nvGrpSpPr>
+        <p:cNvPr id="1" name=""/>
+        <p:cNvGrpSpPr/>
+        <p:nvPr/>
+      </p:nvGrpSpPr>
+      <p:grpSpPr>
+        <a:xfrm>
+          <a:off x="0" y="0"/>
+          <a:ext cx="0" cy="0"/>
+          <a:chOff x="0" y="0"/>
+          <a:chExt cx="0" cy="0"/>
+        </a:xfrm>
+      </p:grpSpPr>
+      <p:cxnSp>
+        <p:nvCxnSpPr>
+          <p:cNvPr id="65" name="직선 화살표 연결선 64">
+            <a:extLst>
+              <a:ext uri="{FF2B5EF4-FFF2-40B4-BE49-F238E27FC236}">
+                <a16:creationId xmlns:a16="http://schemas.microsoft.com/office/drawing/2014/main" id="{9A31454E-CD9B-4BE3-A0A8-3F2016FE997A}"/>
+              </a:ext>
+            </a:extLst>
+          </p:cNvPr>
+          <p:cNvCxnSpPr>
+            <a:cxnSpLocks/>
+            <a:stCxn id="73" idx="2"/>
+            <a:endCxn id="69" idx="0"/>
+          </p:cNvCxnSpPr>
+          <p:nvPr/>
+        </p:nvCxnSpPr>
+        <p:spPr>
+          <a:xfrm>
+            <a:off x="4389990" y="1167007"/>
+            <a:ext cx="0" cy="427429"/>
+          </a:xfrm>
+          <a:prstGeom prst="straightConnector1">
+            <a:avLst/>
+          </a:prstGeom>
+          <a:ln w="19050">
+            <a:solidFill>
+              <a:schemeClr val="tx1"/>
+            </a:solidFill>
+            <a:tailEnd type="arrow"/>
+          </a:ln>
+        </p:spPr>
+        <p:style>
+          <a:lnRef idx="1">
+            <a:schemeClr val="accent1"/>
+          </a:lnRef>
+          <a:fillRef idx="0">
+            <a:schemeClr val="accent1"/>
+          </a:fillRef>
+          <a:effectRef idx="0">
+            <a:schemeClr val="accent1"/>
+          </a:effectRef>
+          <a:fontRef idx="minor">
+            <a:schemeClr val="tx1"/>
+          </a:fontRef>
+        </p:style>
+      </p:cxnSp>
+      <p:sp>
+        <p:nvSpPr>
+          <p:cNvPr id="66" name="구름 65">
+            <a:extLst>
+              <a:ext uri="{FF2B5EF4-FFF2-40B4-BE49-F238E27FC236}">
+                <a16:creationId xmlns:a16="http://schemas.microsoft.com/office/drawing/2014/main" id="{351A9F8D-662B-423F-B892-238E035AE8AB}"/>
+              </a:ext>
+            </a:extLst>
+          </p:cNvPr>
+          <p:cNvSpPr/>
+          <p:nvPr/>
+        </p:nvSpPr>
+        <p:spPr>
+          <a:xfrm>
+            <a:off x="1547144" y="632631"/>
+            <a:ext cx="1506582" cy="709388"/>
+          </a:xfrm>
+          <a:prstGeom prst="cloud">
+            <a:avLst/>
+          </a:prstGeom>
+        </p:spPr>
+        <p:style>
+          <a:lnRef idx="2">
+            <a:schemeClr val="dk1"/>
+          </a:lnRef>
+          <a:fillRef idx="1">
+            <a:schemeClr val="lt1"/>
+          </a:fillRef>
+          <a:effectRef idx="0">
+            <a:schemeClr val="dk1"/>
+          </a:effectRef>
+          <a:fontRef idx="minor">
+            <a:schemeClr val="dk1"/>
+          </a:fontRef>
+        </p:style>
+        <p:txBody>
+          <a:bodyPr rtlCol="0" anchor="ctr"/>
+          <a:lstStyle/>
+          <a:p>
+            <a:pPr algn="ctr"/>
+            <a:r>
+              <a:rPr lang="en-US" altLang="ko-KR" sz="1200" dirty="0"/>
+              <a:t>Network</a:t>
+            </a:r>
+            <a:endParaRPr lang="ko-KR" altLang="en-US" sz="1200" dirty="0"/>
+          </a:p>
+        </p:txBody>
+      </p:sp>
+      <p:sp>
+        <p:nvSpPr>
+          <p:cNvPr id="69" name="모서리가 둥근 직사각형 18">
+            <a:extLst>
+              <a:ext uri="{FF2B5EF4-FFF2-40B4-BE49-F238E27FC236}">
+                <a16:creationId xmlns:a16="http://schemas.microsoft.com/office/drawing/2014/main" id="{C0A07985-3511-4E28-8174-6D55423DCD73}"/>
+              </a:ext>
+            </a:extLst>
+          </p:cNvPr>
+          <p:cNvSpPr/>
+          <p:nvPr/>
+        </p:nvSpPr>
+        <p:spPr>
+          <a:xfrm>
+            <a:off x="3345212" y="1594436"/>
+            <a:ext cx="2089556" cy="359364"/>
+          </a:xfrm>
+          <a:prstGeom prst="roundRect">
+            <a:avLst>
+              <a:gd name="adj" fmla="val 10708"/>
+            </a:avLst>
+          </a:prstGeom>
+          <a:ln>
+            <a:solidFill>
+              <a:schemeClr val="tx2"/>
+            </a:solidFill>
+          </a:ln>
+        </p:spPr>
+        <p:style>
+          <a:lnRef idx="2">
+            <a:schemeClr val="dk1"/>
+          </a:lnRef>
+          <a:fillRef idx="1">
+            <a:schemeClr val="lt1"/>
+          </a:fillRef>
+          <a:effectRef idx="0">
+            <a:schemeClr val="dk1"/>
+          </a:effectRef>
+          <a:fontRef idx="minor">
+            <a:schemeClr val="dk1"/>
+          </a:fontRef>
+        </p:style>
+        <p:txBody>
+          <a:bodyPr rtlCol="0" anchor="ctr"/>
+          <a:lstStyle/>
+          <a:p>
+            <a:pPr algn="ctr"/>
+            <a:r>
+              <a:rPr lang="en-US" altLang="ko-KR" sz="1200">
+                <a:solidFill>
+                  <a:schemeClr val="tx2"/>
+                </a:solidFill>
+              </a:rPr>
+              <a:t>Rounting - Forwarding</a:t>
+            </a:r>
+            <a:endParaRPr lang="ko-KR" altLang="en-US" sz="1200" dirty="0">
+              <a:solidFill>
+                <a:schemeClr val="tx2"/>
+              </a:solidFill>
+            </a:endParaRPr>
+          </a:p>
+        </p:txBody>
+      </p:sp>
+      <p:sp>
+        <p:nvSpPr>
+          <p:cNvPr id="73" name="모서리가 둥근 직사각형 13">
+            <a:extLst>
+              <a:ext uri="{FF2B5EF4-FFF2-40B4-BE49-F238E27FC236}">
+                <a16:creationId xmlns:a16="http://schemas.microsoft.com/office/drawing/2014/main" id="{0D16AB95-0AF9-40B4-9BD4-9326615CFF08}"/>
+              </a:ext>
+            </a:extLst>
+          </p:cNvPr>
+          <p:cNvSpPr/>
+          <p:nvPr/>
+        </p:nvSpPr>
+        <p:spPr>
+          <a:xfrm>
+            <a:off x="3345212" y="807643"/>
+            <a:ext cx="2089556" cy="359364"/>
+          </a:xfrm>
+          <a:prstGeom prst="roundRect">
+            <a:avLst>
+              <a:gd name="adj" fmla="val 10708"/>
+            </a:avLst>
+          </a:prstGeom>
+        </p:spPr>
+        <p:style>
+          <a:lnRef idx="2">
+            <a:schemeClr val="dk1"/>
+          </a:lnRef>
+          <a:fillRef idx="1">
+            <a:schemeClr val="lt1"/>
+          </a:fillRef>
+          <a:effectRef idx="0">
+            <a:schemeClr val="dk1"/>
+          </a:effectRef>
+          <a:fontRef idx="minor">
+            <a:schemeClr val="dk1"/>
+          </a:fontRef>
+        </p:style>
+        <p:txBody>
+          <a:bodyPr rtlCol="0" anchor="ctr"/>
+          <a:lstStyle/>
+          <a:p>
+            <a:pPr algn="ctr"/>
+            <a:r>
+              <a:rPr lang="en-US" altLang="ko-KR" sz="1200" b="1"/>
+              <a:t>NF_IP_PRE_ROUTING </a:t>
+            </a:r>
+            <a:endParaRPr lang="ko-KR" altLang="en-US" sz="1200" b="1" dirty="0"/>
+          </a:p>
+        </p:txBody>
+      </p:sp>
+      <p:cxnSp>
+        <p:nvCxnSpPr>
+          <p:cNvPr id="77" name="직선 화살표 연결선 76">
+            <a:extLst>
+              <a:ext uri="{FF2B5EF4-FFF2-40B4-BE49-F238E27FC236}">
+                <a16:creationId xmlns:a16="http://schemas.microsoft.com/office/drawing/2014/main" id="{3335E67A-5548-4CC7-89F0-D5E60241254D}"/>
+              </a:ext>
+            </a:extLst>
+          </p:cNvPr>
+          <p:cNvCxnSpPr>
+            <a:cxnSpLocks/>
+            <a:stCxn id="66" idx="0"/>
+            <a:endCxn id="73" idx="1"/>
+          </p:cNvCxnSpPr>
+          <p:nvPr/>
+        </p:nvCxnSpPr>
+        <p:spPr>
+          <a:xfrm>
+            <a:off x="3052471" y="987325"/>
+            <a:ext cx="292741" cy="0"/>
+          </a:xfrm>
+          <a:prstGeom prst="straightConnector1">
+            <a:avLst/>
+          </a:prstGeom>
+          <a:ln w="19050">
+            <a:solidFill>
+              <a:schemeClr val="tx1"/>
+            </a:solidFill>
+            <a:tailEnd type="arrow"/>
+          </a:ln>
+        </p:spPr>
+        <p:style>
+          <a:lnRef idx="1">
+            <a:schemeClr val="accent1"/>
+          </a:lnRef>
+          <a:fillRef idx="0">
+            <a:schemeClr val="accent1"/>
+          </a:fillRef>
+          <a:effectRef idx="0">
+            <a:schemeClr val="accent1"/>
+          </a:effectRef>
+          <a:fontRef idx="minor">
+            <a:schemeClr val="tx1"/>
+          </a:fontRef>
+        </p:style>
+      </p:cxnSp>
+      <p:sp>
+        <p:nvSpPr>
+          <p:cNvPr id="90" name="모서리가 둥근 직사각형 13">
+            <a:extLst>
+              <a:ext uri="{FF2B5EF4-FFF2-40B4-BE49-F238E27FC236}">
+                <a16:creationId xmlns:a16="http://schemas.microsoft.com/office/drawing/2014/main" id="{D52B370A-D30E-422C-BECD-9E205354C0D5}"/>
+              </a:ext>
+            </a:extLst>
+          </p:cNvPr>
+          <p:cNvSpPr/>
+          <p:nvPr/>
+        </p:nvSpPr>
+        <p:spPr>
+          <a:xfrm>
+            <a:off x="3345212" y="2381229"/>
+            <a:ext cx="2089556" cy="359364"/>
+          </a:xfrm>
+          <a:prstGeom prst="roundRect">
+            <a:avLst>
+              <a:gd name="adj" fmla="val 10708"/>
+            </a:avLst>
+          </a:prstGeom>
+        </p:spPr>
+        <p:style>
+          <a:lnRef idx="2">
+            <a:schemeClr val="dk1"/>
+          </a:lnRef>
+          <a:fillRef idx="1">
+            <a:schemeClr val="lt1"/>
+          </a:fillRef>
+          <a:effectRef idx="0">
+            <a:schemeClr val="dk1"/>
+          </a:effectRef>
+          <a:fontRef idx="minor">
+            <a:schemeClr val="dk1"/>
+          </a:fontRef>
+        </p:style>
+        <p:txBody>
+          <a:bodyPr rtlCol="0" anchor="ctr"/>
+          <a:lstStyle/>
+          <a:p>
+            <a:pPr algn="ctr"/>
+            <a:r>
+              <a:rPr lang="en-US" altLang="ko-KR" sz="1200" b="1"/>
+              <a:t>NF_IP_FORWARD </a:t>
+            </a:r>
+            <a:endParaRPr lang="ko-KR" altLang="en-US" sz="1200" b="1" dirty="0"/>
+          </a:p>
+        </p:txBody>
+      </p:sp>
+      <p:sp>
+        <p:nvSpPr>
+          <p:cNvPr id="91" name="모서리가 둥근 직사각형 18">
+            <a:extLst>
+              <a:ext uri="{FF2B5EF4-FFF2-40B4-BE49-F238E27FC236}">
+                <a16:creationId xmlns:a16="http://schemas.microsoft.com/office/drawing/2014/main" id="{EF98D81D-8DB4-43C9-AE61-994B77C79C51}"/>
+              </a:ext>
+            </a:extLst>
+          </p:cNvPr>
+          <p:cNvSpPr/>
+          <p:nvPr/>
+        </p:nvSpPr>
+        <p:spPr>
+          <a:xfrm>
+            <a:off x="3345212" y="3168022"/>
+            <a:ext cx="2089556" cy="359364"/>
+          </a:xfrm>
+          <a:prstGeom prst="roundRect">
+            <a:avLst>
+              <a:gd name="adj" fmla="val 10708"/>
+            </a:avLst>
+          </a:prstGeom>
+          <a:ln>
+            <a:solidFill>
+              <a:schemeClr val="tx2"/>
+            </a:solidFill>
+          </a:ln>
+        </p:spPr>
+        <p:style>
+          <a:lnRef idx="2">
+            <a:schemeClr val="dk1"/>
+          </a:lnRef>
+          <a:fillRef idx="1">
+            <a:schemeClr val="lt1"/>
+          </a:fillRef>
+          <a:effectRef idx="0">
+            <a:schemeClr val="dk1"/>
+          </a:effectRef>
+          <a:fontRef idx="minor">
+            <a:schemeClr val="dk1"/>
+          </a:fontRef>
+        </p:style>
+        <p:txBody>
+          <a:bodyPr rtlCol="0" anchor="ctr"/>
+          <a:lstStyle/>
+          <a:p>
+            <a:pPr algn="ctr"/>
+            <a:r>
+              <a:rPr lang="en-US" altLang="ko-KR" sz="1200">
+                <a:solidFill>
+                  <a:schemeClr val="tx2"/>
+                </a:solidFill>
+              </a:rPr>
+              <a:t>Rounting - Interface</a:t>
+            </a:r>
+            <a:endParaRPr lang="ko-KR" altLang="en-US" sz="1200" dirty="0">
+              <a:solidFill>
+                <a:schemeClr val="tx2"/>
+              </a:solidFill>
+            </a:endParaRPr>
+          </a:p>
+        </p:txBody>
+      </p:sp>
+      <p:sp>
+        <p:nvSpPr>
+          <p:cNvPr id="93" name="구름 92">
+            <a:extLst>
+              <a:ext uri="{FF2B5EF4-FFF2-40B4-BE49-F238E27FC236}">
+                <a16:creationId xmlns:a16="http://schemas.microsoft.com/office/drawing/2014/main" id="{6C041A3F-A351-4FA5-BE08-F31D0D253275}"/>
+              </a:ext>
+            </a:extLst>
+          </p:cNvPr>
+          <p:cNvSpPr/>
+          <p:nvPr/>
+        </p:nvSpPr>
+        <p:spPr>
+          <a:xfrm>
+            <a:off x="1545889" y="3776438"/>
+            <a:ext cx="1506582" cy="709388"/>
+          </a:xfrm>
+          <a:prstGeom prst="cloud">
+            <a:avLst/>
+          </a:prstGeom>
+        </p:spPr>
+        <p:style>
+          <a:lnRef idx="2">
+            <a:schemeClr val="dk1"/>
+          </a:lnRef>
+          <a:fillRef idx="1">
+            <a:schemeClr val="lt1"/>
+          </a:fillRef>
+          <a:effectRef idx="0">
+            <a:schemeClr val="dk1"/>
+          </a:effectRef>
+          <a:fontRef idx="minor">
+            <a:schemeClr val="dk1"/>
+          </a:fontRef>
+        </p:style>
+        <p:txBody>
+          <a:bodyPr rtlCol="0" anchor="ctr"/>
+          <a:lstStyle/>
+          <a:p>
+            <a:pPr algn="ctr"/>
+            <a:r>
+              <a:rPr lang="en-US" altLang="ko-KR" sz="1200" dirty="0"/>
+              <a:t>Network</a:t>
+            </a:r>
+            <a:endParaRPr lang="ko-KR" altLang="en-US" sz="1200" dirty="0"/>
+          </a:p>
+        </p:txBody>
+      </p:sp>
+      <p:cxnSp>
+        <p:nvCxnSpPr>
+          <p:cNvPr id="94" name="직선 화살표 연결선 93">
+            <a:extLst>
+              <a:ext uri="{FF2B5EF4-FFF2-40B4-BE49-F238E27FC236}">
+                <a16:creationId xmlns:a16="http://schemas.microsoft.com/office/drawing/2014/main" id="{78744B08-1586-4200-BC13-2E2BF5708FFC}"/>
+              </a:ext>
+            </a:extLst>
+          </p:cNvPr>
+          <p:cNvCxnSpPr>
+            <a:cxnSpLocks/>
+            <a:stCxn id="69" idx="2"/>
+            <a:endCxn id="90" idx="0"/>
+          </p:cNvCxnSpPr>
+          <p:nvPr/>
+        </p:nvCxnSpPr>
+        <p:spPr>
+          <a:xfrm>
+            <a:off x="4389990" y="1953800"/>
+            <a:ext cx="0" cy="427429"/>
+          </a:xfrm>
+          <a:prstGeom prst="straightConnector1">
+            <a:avLst/>
+          </a:prstGeom>
+          <a:ln w="19050">
+            <a:solidFill>
+              <a:schemeClr val="tx1"/>
+            </a:solidFill>
+            <a:tailEnd type="arrow"/>
+          </a:ln>
+        </p:spPr>
+        <p:style>
+          <a:lnRef idx="1">
+            <a:schemeClr val="accent1"/>
+          </a:lnRef>
+          <a:fillRef idx="0">
+            <a:schemeClr val="accent1"/>
+          </a:fillRef>
+          <a:effectRef idx="0">
+            <a:schemeClr val="accent1"/>
+          </a:effectRef>
+          <a:fontRef idx="minor">
+            <a:schemeClr val="tx1"/>
+          </a:fontRef>
+        </p:style>
+      </p:cxnSp>
+      <p:cxnSp>
+        <p:nvCxnSpPr>
+          <p:cNvPr id="98" name="직선 화살표 연결선 97">
+            <a:extLst>
+              <a:ext uri="{FF2B5EF4-FFF2-40B4-BE49-F238E27FC236}">
+                <a16:creationId xmlns:a16="http://schemas.microsoft.com/office/drawing/2014/main" id="{1188BDA8-B886-4638-9AFD-2D46CC81AD5F}"/>
+              </a:ext>
+            </a:extLst>
+          </p:cNvPr>
+          <p:cNvCxnSpPr>
+            <a:cxnSpLocks/>
+            <a:stCxn id="90" idx="2"/>
+            <a:endCxn id="91" idx="0"/>
+          </p:cNvCxnSpPr>
+          <p:nvPr/>
+        </p:nvCxnSpPr>
+        <p:spPr>
+          <a:xfrm>
+            <a:off x="4389990" y="2740593"/>
+            <a:ext cx="0" cy="427429"/>
+          </a:xfrm>
+          <a:prstGeom prst="straightConnector1">
+            <a:avLst/>
+          </a:prstGeom>
+          <a:ln w="19050">
+            <a:solidFill>
+              <a:schemeClr val="tx1"/>
+            </a:solidFill>
+            <a:tailEnd type="arrow"/>
+          </a:ln>
+        </p:spPr>
+        <p:style>
+          <a:lnRef idx="1">
+            <a:schemeClr val="accent1"/>
+          </a:lnRef>
+          <a:fillRef idx="0">
+            <a:schemeClr val="accent1"/>
+          </a:fillRef>
+          <a:effectRef idx="0">
+            <a:schemeClr val="accent1"/>
+          </a:effectRef>
+          <a:fontRef idx="minor">
+            <a:schemeClr val="tx1"/>
+          </a:fontRef>
+        </p:style>
+      </p:cxnSp>
+      <p:cxnSp>
+        <p:nvCxnSpPr>
+          <p:cNvPr id="101" name="직선 화살표 연결선 100">
+            <a:extLst>
+              <a:ext uri="{FF2B5EF4-FFF2-40B4-BE49-F238E27FC236}">
+                <a16:creationId xmlns:a16="http://schemas.microsoft.com/office/drawing/2014/main" id="{8E30B772-3C10-4BFA-B670-9DE3481E2572}"/>
+              </a:ext>
+            </a:extLst>
+          </p:cNvPr>
+          <p:cNvCxnSpPr>
+            <a:cxnSpLocks/>
+            <a:stCxn id="91" idx="2"/>
+            <a:endCxn id="133" idx="0"/>
+          </p:cNvCxnSpPr>
+          <p:nvPr/>
+        </p:nvCxnSpPr>
+        <p:spPr>
+          <a:xfrm>
+            <a:off x="4389990" y="3527386"/>
+            <a:ext cx="0" cy="424064"/>
+          </a:xfrm>
+          <a:prstGeom prst="straightConnector1">
+            <a:avLst/>
+          </a:prstGeom>
+          <a:ln w="19050">
+            <a:solidFill>
+              <a:schemeClr val="tx1"/>
+            </a:solidFill>
+            <a:tailEnd type="arrow"/>
+          </a:ln>
+        </p:spPr>
+        <p:style>
+          <a:lnRef idx="1">
+            <a:schemeClr val="accent1"/>
+          </a:lnRef>
+          <a:fillRef idx="0">
+            <a:schemeClr val="accent1"/>
+          </a:fillRef>
+          <a:effectRef idx="0">
+            <a:schemeClr val="accent1"/>
+          </a:effectRef>
+          <a:fontRef idx="minor">
+            <a:schemeClr val="tx1"/>
+          </a:fontRef>
+        </p:style>
+      </p:cxnSp>
+      <p:sp>
+        <p:nvSpPr>
+          <p:cNvPr id="106" name="모서리가 둥근 직사각형 13">
+            <a:extLst>
+              <a:ext uri="{FF2B5EF4-FFF2-40B4-BE49-F238E27FC236}">
+                <a16:creationId xmlns:a16="http://schemas.microsoft.com/office/drawing/2014/main" id="{5FD8FD3B-01CC-42C8-A249-FDB9DED4AE85}"/>
+              </a:ext>
+            </a:extLst>
+          </p:cNvPr>
+          <p:cNvSpPr/>
+          <p:nvPr/>
+        </p:nvSpPr>
+        <p:spPr>
+          <a:xfrm>
+            <a:off x="6082844" y="1594436"/>
+            <a:ext cx="2089556" cy="359364"/>
+          </a:xfrm>
+          <a:prstGeom prst="roundRect">
+            <a:avLst>
+              <a:gd name="adj" fmla="val 10708"/>
+            </a:avLst>
+          </a:prstGeom>
+        </p:spPr>
+        <p:style>
+          <a:lnRef idx="2">
+            <a:schemeClr val="dk1"/>
+          </a:lnRef>
+          <a:fillRef idx="1">
+            <a:schemeClr val="lt1"/>
+          </a:fillRef>
+          <a:effectRef idx="0">
+            <a:schemeClr val="dk1"/>
+          </a:effectRef>
+          <a:fontRef idx="minor">
+            <a:schemeClr val="dk1"/>
+          </a:fontRef>
+        </p:style>
+        <p:txBody>
+          <a:bodyPr rtlCol="0" anchor="ctr"/>
+          <a:lstStyle/>
+          <a:p>
+            <a:pPr algn="ctr"/>
+            <a:r>
+              <a:rPr lang="en-US" altLang="ko-KR" sz="1200" b="1"/>
+              <a:t>NF_IP_LOCAL_IN </a:t>
+            </a:r>
+            <a:endParaRPr lang="ko-KR" altLang="en-US" sz="1200" b="1" dirty="0"/>
+          </a:p>
+        </p:txBody>
+      </p:sp>
+      <p:sp>
+        <p:nvSpPr>
+          <p:cNvPr id="107" name="모서리가 둥근 직사각형 13">
+            <a:extLst>
+              <a:ext uri="{FF2B5EF4-FFF2-40B4-BE49-F238E27FC236}">
+                <a16:creationId xmlns:a16="http://schemas.microsoft.com/office/drawing/2014/main" id="{AE4C0016-6E49-41D0-A0C7-AC4BAC9E411F}"/>
+              </a:ext>
+            </a:extLst>
+          </p:cNvPr>
+          <p:cNvSpPr/>
+          <p:nvPr/>
+        </p:nvSpPr>
+        <p:spPr>
+          <a:xfrm>
+            <a:off x="6082844" y="3168022"/>
+            <a:ext cx="2089556" cy="359364"/>
+          </a:xfrm>
+          <a:prstGeom prst="roundRect">
+            <a:avLst>
+              <a:gd name="adj" fmla="val 10708"/>
+            </a:avLst>
+          </a:prstGeom>
+        </p:spPr>
+        <p:style>
+          <a:lnRef idx="2">
+            <a:schemeClr val="dk1"/>
+          </a:lnRef>
+          <a:fillRef idx="1">
+            <a:schemeClr val="lt1"/>
+          </a:fillRef>
+          <a:effectRef idx="0">
+            <a:schemeClr val="dk1"/>
+          </a:effectRef>
+          <a:fontRef idx="minor">
+            <a:schemeClr val="dk1"/>
+          </a:fontRef>
+        </p:style>
+        <p:txBody>
+          <a:bodyPr rtlCol="0" anchor="ctr"/>
+          <a:lstStyle/>
+          <a:p>
+            <a:pPr algn="ctr"/>
+            <a:r>
+              <a:rPr lang="en-US" altLang="ko-KR" sz="1200" b="1"/>
+              <a:t>NF_IP_LOCAL_OUT</a:t>
+            </a:r>
+            <a:endParaRPr lang="ko-KR" altLang="en-US" sz="1200" b="1" dirty="0"/>
+          </a:p>
+        </p:txBody>
+      </p:sp>
+      <p:cxnSp>
+        <p:nvCxnSpPr>
+          <p:cNvPr id="108" name="직선 화살표 연결선 107">
+            <a:extLst>
+              <a:ext uri="{FF2B5EF4-FFF2-40B4-BE49-F238E27FC236}">
+                <a16:creationId xmlns:a16="http://schemas.microsoft.com/office/drawing/2014/main" id="{9571CEB9-B092-48AF-9F94-5DA7BF4DA059}"/>
+              </a:ext>
+            </a:extLst>
+          </p:cNvPr>
+          <p:cNvCxnSpPr>
+            <a:cxnSpLocks/>
+            <a:stCxn id="69" idx="3"/>
+            <a:endCxn id="106" idx="1"/>
+          </p:cNvCxnSpPr>
+          <p:nvPr/>
+        </p:nvCxnSpPr>
+        <p:spPr>
+          <a:xfrm>
+            <a:off x="5434768" y="1774118"/>
+            <a:ext cx="648076" cy="0"/>
+          </a:xfrm>
+          <a:prstGeom prst="straightConnector1">
+            <a:avLst/>
+          </a:prstGeom>
+          <a:ln w="19050">
+            <a:solidFill>
+              <a:schemeClr val="tx1"/>
+            </a:solidFill>
+            <a:tailEnd type="arrow"/>
+          </a:ln>
+        </p:spPr>
+        <p:style>
+          <a:lnRef idx="1">
+            <a:schemeClr val="accent1"/>
+          </a:lnRef>
+          <a:fillRef idx="0">
+            <a:schemeClr val="accent1"/>
+          </a:fillRef>
+          <a:effectRef idx="0">
+            <a:schemeClr val="accent1"/>
+          </a:effectRef>
+          <a:fontRef idx="minor">
+            <a:schemeClr val="tx1"/>
+          </a:fontRef>
+        </p:style>
+      </p:cxnSp>
+      <p:cxnSp>
+        <p:nvCxnSpPr>
+          <p:cNvPr id="111" name="직선 화살표 연결선 110">
+            <a:extLst>
+              <a:ext uri="{FF2B5EF4-FFF2-40B4-BE49-F238E27FC236}">
+                <a16:creationId xmlns:a16="http://schemas.microsoft.com/office/drawing/2014/main" id="{B684A8F4-A928-4E05-8076-6FA95E232649}"/>
+              </a:ext>
+            </a:extLst>
+          </p:cNvPr>
+          <p:cNvCxnSpPr>
+            <a:cxnSpLocks/>
+            <a:stCxn id="107" idx="1"/>
+            <a:endCxn id="91" idx="3"/>
+          </p:cNvCxnSpPr>
+          <p:nvPr/>
+        </p:nvCxnSpPr>
+        <p:spPr>
+          <a:xfrm flipH="1">
+            <a:off x="5434768" y="3347704"/>
+            <a:ext cx="648076" cy="0"/>
+          </a:xfrm>
+          <a:prstGeom prst="straightConnector1">
+            <a:avLst/>
+          </a:prstGeom>
+          <a:ln w="19050">
+            <a:solidFill>
+              <a:schemeClr val="tx1"/>
+            </a:solidFill>
+            <a:tailEnd type="arrow"/>
+          </a:ln>
+        </p:spPr>
+        <p:style>
+          <a:lnRef idx="1">
+            <a:schemeClr val="accent1"/>
+          </a:lnRef>
+          <a:fillRef idx="0">
+            <a:schemeClr val="accent1"/>
+          </a:fillRef>
+          <a:effectRef idx="0">
+            <a:schemeClr val="accent1"/>
+          </a:effectRef>
+          <a:fontRef idx="minor">
+            <a:schemeClr val="tx1"/>
+          </a:fontRef>
+        </p:style>
+      </p:cxnSp>
+      <p:sp>
+        <p:nvSpPr>
+          <p:cNvPr id="119" name="모서리가 둥근 직사각형 18">
+            <a:extLst>
+              <a:ext uri="{FF2B5EF4-FFF2-40B4-BE49-F238E27FC236}">
+                <a16:creationId xmlns:a16="http://schemas.microsoft.com/office/drawing/2014/main" id="{5B28BA25-9598-45B5-A38C-E695902C3ECC}"/>
+              </a:ext>
+            </a:extLst>
+          </p:cNvPr>
+          <p:cNvSpPr/>
+          <p:nvPr/>
+        </p:nvSpPr>
+        <p:spPr>
+          <a:xfrm>
+            <a:off x="6082844" y="2381229"/>
+            <a:ext cx="2089556" cy="359364"/>
+          </a:xfrm>
+          <a:prstGeom prst="roundRect">
+            <a:avLst>
+              <a:gd name="adj" fmla="val 10708"/>
+            </a:avLst>
+          </a:prstGeom>
+          <a:ln>
+            <a:solidFill>
+              <a:schemeClr val="tx2"/>
+            </a:solidFill>
+          </a:ln>
+        </p:spPr>
+        <p:style>
+          <a:lnRef idx="2">
+            <a:schemeClr val="dk1"/>
+          </a:lnRef>
+          <a:fillRef idx="1">
+            <a:schemeClr val="lt1"/>
+          </a:fillRef>
+          <a:effectRef idx="0">
+            <a:schemeClr val="dk1"/>
+          </a:effectRef>
+          <a:fontRef idx="minor">
+            <a:schemeClr val="dk1"/>
+          </a:fontRef>
+        </p:style>
+        <p:txBody>
+          <a:bodyPr rtlCol="0" anchor="ctr"/>
+          <a:lstStyle/>
+          <a:p>
+            <a:pPr algn="ctr"/>
+            <a:r>
+              <a:rPr lang="en-US" altLang="ko-KR" sz="1200">
+                <a:solidFill>
+                  <a:schemeClr val="tx2"/>
+                </a:solidFill>
+              </a:rPr>
+              <a:t>Process (Application)</a:t>
+            </a:r>
+            <a:endParaRPr lang="ko-KR" altLang="en-US" sz="1200" dirty="0">
+              <a:solidFill>
+                <a:schemeClr val="tx2"/>
+              </a:solidFill>
+            </a:endParaRPr>
+          </a:p>
+        </p:txBody>
+      </p:sp>
+      <p:cxnSp>
+        <p:nvCxnSpPr>
+          <p:cNvPr id="120" name="직선 화살표 연결선 119">
+            <a:extLst>
+              <a:ext uri="{FF2B5EF4-FFF2-40B4-BE49-F238E27FC236}">
+                <a16:creationId xmlns:a16="http://schemas.microsoft.com/office/drawing/2014/main" id="{8B1A0D3E-5BBF-4EFD-8D58-A7F1D7265A2E}"/>
+              </a:ext>
+            </a:extLst>
+          </p:cNvPr>
+          <p:cNvCxnSpPr>
+            <a:cxnSpLocks/>
+            <a:stCxn id="106" idx="2"/>
+            <a:endCxn id="119" idx="0"/>
+          </p:cNvCxnSpPr>
+          <p:nvPr/>
+        </p:nvCxnSpPr>
+        <p:spPr>
+          <a:xfrm>
+            <a:off x="7127622" y="1953800"/>
+            <a:ext cx="0" cy="427429"/>
+          </a:xfrm>
+          <a:prstGeom prst="straightConnector1">
+            <a:avLst/>
+          </a:prstGeom>
+          <a:ln w="19050">
+            <a:solidFill>
+              <a:schemeClr val="tx1"/>
+            </a:solidFill>
+            <a:tailEnd type="arrow"/>
+          </a:ln>
+        </p:spPr>
+        <p:style>
+          <a:lnRef idx="1">
+            <a:schemeClr val="accent1"/>
+          </a:lnRef>
+          <a:fillRef idx="0">
+            <a:schemeClr val="accent1"/>
+          </a:fillRef>
+          <a:effectRef idx="0">
+            <a:schemeClr val="accent1"/>
+          </a:effectRef>
+          <a:fontRef idx="minor">
+            <a:schemeClr val="tx1"/>
+          </a:fontRef>
+        </p:style>
+      </p:cxnSp>
+      <p:cxnSp>
+        <p:nvCxnSpPr>
+          <p:cNvPr id="122" name="직선 화살표 연결선 121">
+            <a:extLst>
+              <a:ext uri="{FF2B5EF4-FFF2-40B4-BE49-F238E27FC236}">
+                <a16:creationId xmlns:a16="http://schemas.microsoft.com/office/drawing/2014/main" id="{ADA39DF8-0021-47C9-9A44-5AD566A18DC2}"/>
+              </a:ext>
+            </a:extLst>
+          </p:cNvPr>
+          <p:cNvCxnSpPr>
+            <a:cxnSpLocks/>
+            <a:stCxn id="119" idx="2"/>
+            <a:endCxn id="107" idx="0"/>
+          </p:cNvCxnSpPr>
+          <p:nvPr/>
+        </p:nvCxnSpPr>
+        <p:spPr>
+          <a:xfrm>
             <a:off x="7127622" y="2740593"/>
             <a:ext cx="0" cy="427429"/>
           </a:xfrm>
@@ -4564,7 +5741,7 @@
 </p:sld>
 </file>
 
-<file path=ppt/slides/slide2.xml><?xml version="1.0" encoding="utf-8"?>
+<file path=ppt/slides/slide4.xml><?xml version="1.0" encoding="utf-8"?>
 <p:sld xmlns:a="http://schemas.openxmlformats.org/drawingml/2006/main" xmlns:r="http://schemas.openxmlformats.org/officeDocument/2006/relationships" xmlns:p="http://schemas.openxmlformats.org/presentationml/2006/main">
   <p:cSld>
     <p:spTree>

--- a/images/theory_analysis/Kubernetes_Service_Network/Kubernetes_Service_Network.pptx
+++ b/images/theory_analysis/Kubernetes_Service_Network/Kubernetes_Service_Network.pptx
@@ -5,10 +5,11 @@
     <p:sldMasterId id="2147483648" r:id="rId1"/>
   </p:sldMasterIdLst>
   <p:notesMasterIdLst>
-    <p:notesMasterId r:id="rId3"/>
+    <p:notesMasterId r:id="rId4"/>
   </p:notesMasterIdLst>
   <p:sldIdLst>
     <p:sldId id="362" r:id="rId2"/>
+    <p:sldId id="363" r:id="rId3"/>
   </p:sldIdLst>
   <p:sldSz cx="9144000" cy="5143500" type="screen16x9"/>
   <p:notesSz cx="6858000" cy="9144000"/>
@@ -213,7 +214,7 @@
           <a:p>
             <a:fld id="{6CD5550B-26C4-49A9-A5BA-636EF7BE6CE9}" type="datetimeFigureOut">
               <a:rPr lang="ko-KR" altLang="en-US" smtClean="0"/>
-              <a:t>2019-05-09</a:t>
+              <a:t>2019-05-11</a:t>
             </a:fld>
             <a:endParaRPr lang="ko-KR" altLang="en-US"/>
           </a:p>
@@ -743,7 +744,7 @@
           <a:p>
             <a:fld id="{FB30EDBD-1C2D-4C1E-B459-B60219FAB484}" type="datetimeFigureOut">
               <a:rPr lang="ko-KR" altLang="en-US" smtClean="0"/>
-              <a:t>2019-05-09</a:t>
+              <a:t>2019-05-11</a:t>
             </a:fld>
             <a:endParaRPr lang="ko-KR" altLang="en-US"/>
           </a:p>
@@ -906,7 +907,7 @@
           <a:p>
             <a:fld id="{FB30EDBD-1C2D-4C1E-B459-B60219FAB484}" type="datetimeFigureOut">
               <a:rPr lang="ko-KR" altLang="en-US" smtClean="0"/>
-              <a:t>2019-05-09</a:t>
+              <a:t>2019-05-11</a:t>
             </a:fld>
             <a:endParaRPr lang="ko-KR" altLang="en-US"/>
           </a:p>
@@ -1079,7 +1080,7 @@
           <a:p>
             <a:fld id="{FB30EDBD-1C2D-4C1E-B459-B60219FAB484}" type="datetimeFigureOut">
               <a:rPr lang="ko-KR" altLang="en-US" smtClean="0"/>
-              <a:t>2019-05-09</a:t>
+              <a:t>2019-05-11</a:t>
             </a:fld>
             <a:endParaRPr lang="ko-KR" altLang="en-US"/>
           </a:p>
@@ -1242,7 +1243,7 @@
           <a:p>
             <a:fld id="{FB30EDBD-1C2D-4C1E-B459-B60219FAB484}" type="datetimeFigureOut">
               <a:rPr lang="ko-KR" altLang="en-US" smtClean="0"/>
-              <a:t>2019-05-09</a:t>
+              <a:t>2019-05-11</a:t>
             </a:fld>
             <a:endParaRPr lang="ko-KR" altLang="en-US"/>
           </a:p>
@@ -1482,7 +1483,7 @@
           <a:p>
             <a:fld id="{FB30EDBD-1C2D-4C1E-B459-B60219FAB484}" type="datetimeFigureOut">
               <a:rPr lang="ko-KR" altLang="en-US" smtClean="0"/>
-              <a:t>2019-05-09</a:t>
+              <a:t>2019-05-11</a:t>
             </a:fld>
             <a:endParaRPr lang="ko-KR" altLang="en-US"/>
           </a:p>
@@ -1762,7 +1763,7 @@
           <a:p>
             <a:fld id="{FB30EDBD-1C2D-4C1E-B459-B60219FAB484}" type="datetimeFigureOut">
               <a:rPr lang="ko-KR" altLang="en-US" smtClean="0"/>
-              <a:t>2019-05-09</a:t>
+              <a:t>2019-05-11</a:t>
             </a:fld>
             <a:endParaRPr lang="ko-KR" altLang="en-US"/>
           </a:p>
@@ -2176,7 +2177,7 @@
           <a:p>
             <a:fld id="{FB30EDBD-1C2D-4C1E-B459-B60219FAB484}" type="datetimeFigureOut">
               <a:rPr lang="ko-KR" altLang="en-US" smtClean="0"/>
-              <a:t>2019-05-09</a:t>
+              <a:t>2019-05-11</a:t>
             </a:fld>
             <a:endParaRPr lang="ko-KR" altLang="en-US"/>
           </a:p>
@@ -2288,7 +2289,7 @@
           <a:p>
             <a:fld id="{FB30EDBD-1C2D-4C1E-B459-B60219FAB484}" type="datetimeFigureOut">
               <a:rPr lang="ko-KR" altLang="en-US" smtClean="0"/>
-              <a:t>2019-05-09</a:t>
+              <a:t>2019-05-11</a:t>
             </a:fld>
             <a:endParaRPr lang="ko-KR" altLang="en-US"/>
           </a:p>
@@ -2378,7 +2379,7 @@
           <a:p>
             <a:fld id="{FB30EDBD-1C2D-4C1E-B459-B60219FAB484}" type="datetimeFigureOut">
               <a:rPr lang="ko-KR" altLang="en-US" smtClean="0"/>
-              <a:t>2019-05-09</a:t>
+              <a:t>2019-05-11</a:t>
             </a:fld>
             <a:endParaRPr lang="ko-KR" altLang="en-US"/>
           </a:p>
@@ -2648,7 +2649,7 @@
           <a:p>
             <a:fld id="{FB30EDBD-1C2D-4C1E-B459-B60219FAB484}" type="datetimeFigureOut">
               <a:rPr lang="ko-KR" altLang="en-US" smtClean="0"/>
-              <a:t>2019-05-09</a:t>
+              <a:t>2019-05-11</a:t>
             </a:fld>
             <a:endParaRPr lang="ko-KR" altLang="en-US"/>
           </a:p>
@@ -2895,7 +2896,7 @@
           <a:p>
             <a:fld id="{FB30EDBD-1C2D-4C1E-B459-B60219FAB484}" type="datetimeFigureOut">
               <a:rPr lang="ko-KR" altLang="en-US" smtClean="0"/>
-              <a:t>2019-05-09</a:t>
+              <a:t>2019-05-11</a:t>
             </a:fld>
             <a:endParaRPr lang="ko-KR" altLang="en-US"/>
           </a:p>
@@ -3101,7 +3102,7 @@
           <a:p>
             <a:fld id="{FB30EDBD-1C2D-4C1E-B459-B60219FAB484}" type="datetimeFigureOut">
               <a:rPr lang="ko-KR" altLang="en-US" smtClean="0"/>
-              <a:t>2019-05-09</a:t>
+              <a:t>2019-05-11</a:t>
             </a:fld>
             <a:endParaRPr lang="ko-KR" altLang="en-US"/>
           </a:p>
@@ -4643,6 +4644,3618 @@
     <p:extLst>
       <p:ext uri="{BB962C8B-B14F-4D97-AF65-F5344CB8AC3E}">
         <p14:creationId xmlns:p14="http://schemas.microsoft.com/office/powerpoint/2010/main" val="754083992"/>
+      </p:ext>
+    </p:extLst>
+  </p:cSld>
+  <p:clrMapOvr>
+    <a:masterClrMapping/>
+  </p:clrMapOvr>
+</p:sld>
+</file>
+
+<file path=ppt/slides/slide2.xml><?xml version="1.0" encoding="utf-8"?>
+<p:sld xmlns:a="http://schemas.openxmlformats.org/drawingml/2006/main" xmlns:r="http://schemas.openxmlformats.org/officeDocument/2006/relationships" xmlns:p="http://schemas.openxmlformats.org/presentationml/2006/main">
+  <p:cSld>
+    <p:spTree>
+      <p:nvGrpSpPr>
+        <p:cNvPr id="1" name=""/>
+        <p:cNvGrpSpPr/>
+        <p:nvPr/>
+      </p:nvGrpSpPr>
+      <p:grpSpPr>
+        <a:xfrm>
+          <a:off x="0" y="0"/>
+          <a:ext cx="0" cy="0"/>
+          <a:chOff x="0" y="0"/>
+          <a:chExt cx="0" cy="0"/>
+        </a:xfrm>
+      </p:grpSpPr>
+      <p:sp>
+        <p:nvSpPr>
+          <p:cNvPr id="4" name="사각형: 둥근 모서리 3">
+            <a:extLst>
+              <a:ext uri="{FF2B5EF4-FFF2-40B4-BE49-F238E27FC236}">
+                <a16:creationId xmlns:a16="http://schemas.microsoft.com/office/drawing/2014/main" id="{6F913F76-8C4C-4D6F-8C81-73A5EC23370E}"/>
+              </a:ext>
+            </a:extLst>
+          </p:cNvPr>
+          <p:cNvSpPr/>
+          <p:nvPr/>
+        </p:nvSpPr>
+        <p:spPr>
+          <a:xfrm>
+            <a:off x="1973061" y="699542"/>
+            <a:ext cx="1368150" cy="1008112"/>
+          </a:xfrm>
+          <a:prstGeom prst="roundRect">
+            <a:avLst>
+              <a:gd name="adj" fmla="val 6633"/>
+            </a:avLst>
+          </a:prstGeom>
+        </p:spPr>
+        <p:style>
+          <a:lnRef idx="2">
+            <a:schemeClr val="dk1"/>
+          </a:lnRef>
+          <a:fillRef idx="1">
+            <a:schemeClr val="lt1"/>
+          </a:fillRef>
+          <a:effectRef idx="0">
+            <a:schemeClr val="dk1"/>
+          </a:effectRef>
+          <a:fontRef idx="minor">
+            <a:schemeClr val="dk1"/>
+          </a:fontRef>
+        </p:style>
+        <p:txBody>
+          <a:bodyPr rtlCol="0" anchor="t"/>
+          <a:lstStyle/>
+          <a:p>
+            <a:pPr algn="ctr"/>
+            <a:r>
+              <a:rPr lang="en-US" altLang="ko-KR" sz="1400"/>
+              <a:t>Pod A</a:t>
+            </a:r>
+            <a:endParaRPr lang="ko-KR" altLang="en-US" sz="1400"/>
+          </a:p>
+        </p:txBody>
+      </p:sp>
+      <p:sp>
+        <p:nvSpPr>
+          <p:cNvPr id="5" name="사각형: 둥근 모서리 4">
+            <a:extLst>
+              <a:ext uri="{FF2B5EF4-FFF2-40B4-BE49-F238E27FC236}">
+                <a16:creationId xmlns:a16="http://schemas.microsoft.com/office/drawing/2014/main" id="{35E42A86-CFED-4D70-9EB6-92F28CD0729B}"/>
+              </a:ext>
+            </a:extLst>
+          </p:cNvPr>
+          <p:cNvSpPr/>
+          <p:nvPr/>
+        </p:nvSpPr>
+        <p:spPr>
+          <a:xfrm>
+            <a:off x="1637949" y="2355726"/>
+            <a:ext cx="2074378" cy="1944216"/>
+          </a:xfrm>
+          <a:prstGeom prst="roundRect">
+            <a:avLst>
+              <a:gd name="adj" fmla="val 6681"/>
+            </a:avLst>
+          </a:prstGeom>
+        </p:spPr>
+        <p:style>
+          <a:lnRef idx="2">
+            <a:schemeClr val="dk1"/>
+          </a:lnRef>
+          <a:fillRef idx="1">
+            <a:schemeClr val="lt1"/>
+          </a:fillRef>
+          <a:effectRef idx="0">
+            <a:schemeClr val="dk1"/>
+          </a:effectRef>
+          <a:fontRef idx="minor">
+            <a:schemeClr val="dk1"/>
+          </a:fontRef>
+        </p:style>
+        <p:txBody>
+          <a:bodyPr rtlCol="0" anchor="b"/>
+          <a:lstStyle/>
+          <a:p>
+            <a:pPr algn="ctr"/>
+            <a:r>
+              <a:rPr lang="en-US" altLang="ko-KR" sz="1400"/>
+              <a:t>Host</a:t>
+            </a:r>
+            <a:endParaRPr lang="ko-KR" altLang="en-US" sz="1400"/>
+          </a:p>
+        </p:txBody>
+      </p:sp>
+      <p:sp>
+        <p:nvSpPr>
+          <p:cNvPr id="6" name="사각형: 둥근 모서리 5">
+            <a:extLst>
+              <a:ext uri="{FF2B5EF4-FFF2-40B4-BE49-F238E27FC236}">
+                <a16:creationId xmlns:a16="http://schemas.microsoft.com/office/drawing/2014/main" id="{D5B8B068-D430-4131-833A-5D5DCAE46D86}"/>
+              </a:ext>
+            </a:extLst>
+          </p:cNvPr>
+          <p:cNvSpPr/>
+          <p:nvPr/>
+        </p:nvSpPr>
+        <p:spPr>
+          <a:xfrm>
+            <a:off x="2189084" y="1275606"/>
+            <a:ext cx="936104" cy="432048"/>
+          </a:xfrm>
+          <a:prstGeom prst="roundRect">
+            <a:avLst>
+              <a:gd name="adj" fmla="val 15087"/>
+            </a:avLst>
+          </a:prstGeom>
+        </p:spPr>
+        <p:style>
+          <a:lnRef idx="2">
+            <a:schemeClr val="dk1"/>
+          </a:lnRef>
+          <a:fillRef idx="1">
+            <a:schemeClr val="lt1"/>
+          </a:fillRef>
+          <a:effectRef idx="0">
+            <a:schemeClr val="dk1"/>
+          </a:effectRef>
+          <a:fontRef idx="minor">
+            <a:schemeClr val="dk1"/>
+          </a:fontRef>
+        </p:style>
+        <p:txBody>
+          <a:bodyPr rtlCol="0" anchor="ctr"/>
+          <a:lstStyle/>
+          <a:p>
+            <a:pPr algn="ctr"/>
+            <a:r>
+              <a:rPr lang="en-US" altLang="ko-KR" sz="1200"/>
+              <a:t>veth</a:t>
+            </a:r>
+          </a:p>
+          <a:p>
+            <a:pPr algn="ctr"/>
+            <a:r>
+              <a:rPr lang="en-US" altLang="ko-KR" sz="1200"/>
+              <a:t>10.0.0.10 </a:t>
+            </a:r>
+            <a:endParaRPr lang="ko-KR" altLang="en-US" sz="1200"/>
+          </a:p>
+        </p:txBody>
+      </p:sp>
+      <p:sp>
+        <p:nvSpPr>
+          <p:cNvPr id="7" name="사각형: 둥근 모서리 6">
+            <a:extLst>
+              <a:ext uri="{FF2B5EF4-FFF2-40B4-BE49-F238E27FC236}">
+                <a16:creationId xmlns:a16="http://schemas.microsoft.com/office/drawing/2014/main" id="{91CD2F9D-2BD4-40F1-B6CE-12C0283BE546}"/>
+              </a:ext>
+            </a:extLst>
+          </p:cNvPr>
+          <p:cNvSpPr/>
+          <p:nvPr/>
+        </p:nvSpPr>
+        <p:spPr>
+          <a:xfrm>
+            <a:off x="2371728" y="2355726"/>
+            <a:ext cx="570815" cy="288032"/>
+          </a:xfrm>
+          <a:prstGeom prst="roundRect">
+            <a:avLst/>
+          </a:prstGeom>
+        </p:spPr>
+        <p:style>
+          <a:lnRef idx="2">
+            <a:schemeClr val="dk1"/>
+          </a:lnRef>
+          <a:fillRef idx="1">
+            <a:schemeClr val="lt1"/>
+          </a:fillRef>
+          <a:effectRef idx="0">
+            <a:schemeClr val="dk1"/>
+          </a:effectRef>
+          <a:fontRef idx="minor">
+            <a:schemeClr val="dk1"/>
+          </a:fontRef>
+        </p:style>
+        <p:txBody>
+          <a:bodyPr rtlCol="0" anchor="ctr"/>
+          <a:lstStyle/>
+          <a:p>
+            <a:pPr algn="ctr"/>
+            <a:r>
+              <a:rPr lang="en-US" altLang="ko-KR" sz="1200"/>
+              <a:t>veth</a:t>
+            </a:r>
+            <a:endParaRPr lang="ko-KR" altLang="en-US" sz="1200"/>
+          </a:p>
+        </p:txBody>
+      </p:sp>
+      <p:sp>
+        <p:nvSpPr>
+          <p:cNvPr id="8" name="사각형: 둥근 모서리 7">
+            <a:extLst>
+              <a:ext uri="{FF2B5EF4-FFF2-40B4-BE49-F238E27FC236}">
+                <a16:creationId xmlns:a16="http://schemas.microsoft.com/office/drawing/2014/main" id="{08874ED4-0745-4DB5-B67B-8DBCE96E39B9}"/>
+              </a:ext>
+            </a:extLst>
+          </p:cNvPr>
+          <p:cNvSpPr/>
+          <p:nvPr/>
+        </p:nvSpPr>
+        <p:spPr>
+          <a:xfrm>
+            <a:off x="1973061" y="2760814"/>
+            <a:ext cx="1368150" cy="459008"/>
+          </a:xfrm>
+          <a:prstGeom prst="roundRect">
+            <a:avLst/>
+          </a:prstGeom>
+        </p:spPr>
+        <p:style>
+          <a:lnRef idx="2">
+            <a:schemeClr val="dk1"/>
+          </a:lnRef>
+          <a:fillRef idx="1">
+            <a:schemeClr val="lt1"/>
+          </a:fillRef>
+          <a:effectRef idx="0">
+            <a:schemeClr val="dk1"/>
+          </a:effectRef>
+          <a:fontRef idx="minor">
+            <a:schemeClr val="dk1"/>
+          </a:fontRef>
+        </p:style>
+        <p:txBody>
+          <a:bodyPr rtlCol="0" anchor="ctr"/>
+          <a:lstStyle/>
+          <a:p>
+            <a:pPr algn="ctr"/>
+            <a:r>
+              <a:rPr lang="en-US" altLang="ko-KR" sz="1200"/>
+              <a:t>Bridge</a:t>
+            </a:r>
+          </a:p>
+          <a:p>
+            <a:pPr algn="ctr"/>
+            <a:r>
+              <a:rPr lang="en-US" altLang="ko-KR" sz="1200"/>
+              <a:t>10.0.0.1</a:t>
+            </a:r>
+            <a:endParaRPr lang="ko-KR" altLang="en-US" sz="1200"/>
+          </a:p>
+        </p:txBody>
+      </p:sp>
+      <p:cxnSp>
+        <p:nvCxnSpPr>
+          <p:cNvPr id="10" name="직선 연결선 9">
+            <a:extLst>
+              <a:ext uri="{FF2B5EF4-FFF2-40B4-BE49-F238E27FC236}">
+                <a16:creationId xmlns:a16="http://schemas.microsoft.com/office/drawing/2014/main" id="{0AA88E66-4A71-41B7-9847-387279E1B374}"/>
+              </a:ext>
+            </a:extLst>
+          </p:cNvPr>
+          <p:cNvCxnSpPr>
+            <a:stCxn id="7" idx="2"/>
+            <a:endCxn id="8" idx="0"/>
+          </p:cNvCxnSpPr>
+          <p:nvPr/>
+        </p:nvCxnSpPr>
+        <p:spPr>
+          <a:xfrm>
+            <a:off x="2657136" y="2643758"/>
+            <a:ext cx="0" cy="117056"/>
+          </a:xfrm>
+          <a:prstGeom prst="line">
+            <a:avLst/>
+          </a:prstGeom>
+          <a:ln w="28575">
+            <a:solidFill>
+              <a:schemeClr val="tx1"/>
+            </a:solidFill>
+          </a:ln>
+        </p:spPr>
+        <p:style>
+          <a:lnRef idx="1">
+            <a:schemeClr val="accent1"/>
+          </a:lnRef>
+          <a:fillRef idx="0">
+            <a:schemeClr val="accent1"/>
+          </a:fillRef>
+          <a:effectRef idx="0">
+            <a:schemeClr val="accent1"/>
+          </a:effectRef>
+          <a:fontRef idx="minor">
+            <a:schemeClr val="tx1"/>
+          </a:fontRef>
+        </p:style>
+      </p:cxnSp>
+      <p:cxnSp>
+        <p:nvCxnSpPr>
+          <p:cNvPr id="11" name="직선 연결선 10">
+            <a:extLst>
+              <a:ext uri="{FF2B5EF4-FFF2-40B4-BE49-F238E27FC236}">
+                <a16:creationId xmlns:a16="http://schemas.microsoft.com/office/drawing/2014/main" id="{8F803265-78DC-470C-8650-3711ED6878EF}"/>
+              </a:ext>
+            </a:extLst>
+          </p:cNvPr>
+          <p:cNvCxnSpPr>
+            <a:cxnSpLocks/>
+            <a:stCxn id="6" idx="2"/>
+            <a:endCxn id="7" idx="0"/>
+          </p:cNvCxnSpPr>
+          <p:nvPr/>
+        </p:nvCxnSpPr>
+        <p:spPr>
+          <a:xfrm>
+            <a:off x="2657136" y="1707654"/>
+            <a:ext cx="0" cy="648072"/>
+          </a:xfrm>
+          <a:prstGeom prst="line">
+            <a:avLst/>
+          </a:prstGeom>
+          <a:ln w="28575">
+            <a:solidFill>
+              <a:schemeClr val="tx1"/>
+            </a:solidFill>
+          </a:ln>
+        </p:spPr>
+        <p:style>
+          <a:lnRef idx="1">
+            <a:schemeClr val="accent1"/>
+          </a:lnRef>
+          <a:fillRef idx="0">
+            <a:schemeClr val="accent1"/>
+          </a:fillRef>
+          <a:effectRef idx="0">
+            <a:schemeClr val="accent1"/>
+          </a:effectRef>
+          <a:fontRef idx="minor">
+            <a:schemeClr val="tx1"/>
+          </a:fontRef>
+        </p:style>
+      </p:cxnSp>
+      <p:sp>
+        <p:nvSpPr>
+          <p:cNvPr id="15" name="사각형: 둥근 모서리 14">
+            <a:extLst>
+              <a:ext uri="{FF2B5EF4-FFF2-40B4-BE49-F238E27FC236}">
+                <a16:creationId xmlns:a16="http://schemas.microsoft.com/office/drawing/2014/main" id="{85FF093F-925E-4DE6-BDE2-719E1582D911}"/>
+              </a:ext>
+            </a:extLst>
+          </p:cNvPr>
+          <p:cNvSpPr/>
+          <p:nvPr/>
+        </p:nvSpPr>
+        <p:spPr>
+          <a:xfrm>
+            <a:off x="1973061" y="3651870"/>
+            <a:ext cx="1368150" cy="314992"/>
+          </a:xfrm>
+          <a:prstGeom prst="roundRect">
+            <a:avLst/>
+          </a:prstGeom>
+        </p:spPr>
+        <p:style>
+          <a:lnRef idx="2">
+            <a:schemeClr val="dk1"/>
+          </a:lnRef>
+          <a:fillRef idx="1">
+            <a:schemeClr val="lt1"/>
+          </a:fillRef>
+          <a:effectRef idx="0">
+            <a:schemeClr val="dk1"/>
+          </a:effectRef>
+          <a:fontRef idx="minor">
+            <a:schemeClr val="dk1"/>
+          </a:fontRef>
+        </p:style>
+        <p:txBody>
+          <a:bodyPr rtlCol="0" anchor="ctr"/>
+          <a:lstStyle/>
+          <a:p>
+            <a:pPr algn="ctr"/>
+            <a:r>
+              <a:rPr lang="en-US" altLang="ko-KR" sz="1200"/>
+              <a:t>NAT Table</a:t>
+            </a:r>
+          </a:p>
+        </p:txBody>
+      </p:sp>
+      <p:grpSp>
+        <p:nvGrpSpPr>
+          <p:cNvPr id="22" name="그룹 21">
+            <a:extLst>
+              <a:ext uri="{FF2B5EF4-FFF2-40B4-BE49-F238E27FC236}">
+                <a16:creationId xmlns:a16="http://schemas.microsoft.com/office/drawing/2014/main" id="{C040FC0B-AD6B-465F-B3BC-0F4BBF7BC590}"/>
+              </a:ext>
+            </a:extLst>
+          </p:cNvPr>
+          <p:cNvGrpSpPr/>
+          <p:nvPr/>
+        </p:nvGrpSpPr>
+        <p:grpSpPr>
+          <a:xfrm>
+            <a:off x="1218536" y="1779662"/>
+            <a:ext cx="1145242" cy="504056"/>
+            <a:chOff x="3434430" y="1563638"/>
+            <a:chExt cx="1137570" cy="576064"/>
+          </a:xfrm>
+        </p:grpSpPr>
+        <p:sp>
+          <p:nvSpPr>
+            <p:cNvPr id="20" name="직사각형 19">
+              <a:extLst>
+                <a:ext uri="{FF2B5EF4-FFF2-40B4-BE49-F238E27FC236}">
+                  <a16:creationId xmlns:a16="http://schemas.microsoft.com/office/drawing/2014/main" id="{4A4ED275-5548-4AE4-A9B1-986F42479660}"/>
+                </a:ext>
+              </a:extLst>
+            </p:cNvPr>
+            <p:cNvSpPr/>
+            <p:nvPr/>
+          </p:nvSpPr>
+          <p:spPr>
+            <a:xfrm>
+              <a:off x="3434430" y="1563638"/>
+              <a:ext cx="1137570" cy="288032"/>
+            </a:xfrm>
+            <a:prstGeom prst="rect">
+              <a:avLst/>
+            </a:prstGeom>
+          </p:spPr>
+          <p:style>
+            <a:lnRef idx="2">
+              <a:schemeClr val="dk1"/>
+            </a:lnRef>
+            <a:fillRef idx="1">
+              <a:schemeClr val="lt1"/>
+            </a:fillRef>
+            <a:effectRef idx="0">
+              <a:schemeClr val="dk1"/>
+            </a:effectRef>
+            <a:fontRef idx="minor">
+              <a:schemeClr val="dk1"/>
+            </a:fontRef>
+          </p:style>
+          <p:txBody>
+            <a:bodyPr rtlCol="0" anchor="ctr"/>
+            <a:lstStyle/>
+            <a:p>
+              <a:pPr algn="ctr"/>
+              <a:r>
+                <a:rPr lang="en-US" altLang="ko-KR" sz="1000"/>
+                <a:t>Src - 10.0.0.10</a:t>
+              </a:r>
+              <a:endParaRPr lang="ko-KR" altLang="en-US" sz="1000"/>
+            </a:p>
+          </p:txBody>
+        </p:sp>
+        <p:sp>
+          <p:nvSpPr>
+            <p:cNvPr id="21" name="직사각형 20">
+              <a:extLst>
+                <a:ext uri="{FF2B5EF4-FFF2-40B4-BE49-F238E27FC236}">
+                  <a16:creationId xmlns:a16="http://schemas.microsoft.com/office/drawing/2014/main" id="{84FB96AE-9070-4738-99A2-A7AF997680DC}"/>
+                </a:ext>
+              </a:extLst>
+            </p:cNvPr>
+            <p:cNvSpPr/>
+            <p:nvPr/>
+          </p:nvSpPr>
+          <p:spPr>
+            <a:xfrm>
+              <a:off x="3434430" y="1851670"/>
+              <a:ext cx="1137570" cy="288032"/>
+            </a:xfrm>
+            <a:prstGeom prst="rect">
+              <a:avLst/>
+            </a:prstGeom>
+          </p:spPr>
+          <p:style>
+            <a:lnRef idx="2">
+              <a:schemeClr val="dk1"/>
+            </a:lnRef>
+            <a:fillRef idx="1">
+              <a:schemeClr val="lt1"/>
+            </a:fillRef>
+            <a:effectRef idx="0">
+              <a:schemeClr val="dk1"/>
+            </a:effectRef>
+            <a:fontRef idx="minor">
+              <a:schemeClr val="dk1"/>
+            </a:fontRef>
+          </p:style>
+          <p:txBody>
+            <a:bodyPr rtlCol="0" anchor="ctr"/>
+            <a:lstStyle/>
+            <a:p>
+              <a:pPr algn="ctr"/>
+              <a:r>
+                <a:rPr lang="en-US" altLang="ko-KR" sz="1000"/>
+                <a:t>Dest - 20.0.0.2 </a:t>
+              </a:r>
+              <a:endParaRPr lang="ko-KR" altLang="en-US" sz="1000"/>
+            </a:p>
+          </p:txBody>
+        </p:sp>
+      </p:grpSp>
+      <p:grpSp>
+        <p:nvGrpSpPr>
+          <p:cNvPr id="23" name="그룹 22">
+            <a:extLst>
+              <a:ext uri="{FF2B5EF4-FFF2-40B4-BE49-F238E27FC236}">
+                <a16:creationId xmlns:a16="http://schemas.microsoft.com/office/drawing/2014/main" id="{978300B5-6584-4F3C-B6A5-FC9BF37033EF}"/>
+              </a:ext>
+            </a:extLst>
+          </p:cNvPr>
+          <p:cNvGrpSpPr/>
+          <p:nvPr/>
+        </p:nvGrpSpPr>
+        <p:grpSpPr>
+          <a:xfrm>
+            <a:off x="2948886" y="1779662"/>
+            <a:ext cx="1145242" cy="504056"/>
+            <a:chOff x="3434430" y="1563638"/>
+            <a:chExt cx="1137570" cy="576064"/>
+          </a:xfrm>
+        </p:grpSpPr>
+        <p:sp>
+          <p:nvSpPr>
+            <p:cNvPr id="24" name="직사각형 23">
+              <a:extLst>
+                <a:ext uri="{FF2B5EF4-FFF2-40B4-BE49-F238E27FC236}">
+                  <a16:creationId xmlns:a16="http://schemas.microsoft.com/office/drawing/2014/main" id="{AFFEDEBF-12B9-4B56-88BB-46A2FB83FD4A}"/>
+                </a:ext>
+              </a:extLst>
+            </p:cNvPr>
+            <p:cNvSpPr/>
+            <p:nvPr/>
+          </p:nvSpPr>
+          <p:spPr>
+            <a:xfrm>
+              <a:off x="3434430" y="1563638"/>
+              <a:ext cx="1137570" cy="288032"/>
+            </a:xfrm>
+            <a:prstGeom prst="rect">
+              <a:avLst/>
+            </a:prstGeom>
+          </p:spPr>
+          <p:style>
+            <a:lnRef idx="2">
+              <a:schemeClr val="dk1"/>
+            </a:lnRef>
+            <a:fillRef idx="1">
+              <a:schemeClr val="lt1"/>
+            </a:fillRef>
+            <a:effectRef idx="0">
+              <a:schemeClr val="dk1"/>
+            </a:effectRef>
+            <a:fontRef idx="minor">
+              <a:schemeClr val="dk1"/>
+            </a:fontRef>
+          </p:style>
+          <p:txBody>
+            <a:bodyPr rtlCol="0" anchor="ctr"/>
+            <a:lstStyle/>
+            <a:p>
+              <a:pPr algn="ctr"/>
+              <a:r>
+                <a:rPr lang="en-US" altLang="ko-KR" sz="1000" b="1"/>
+                <a:t>Src - 10.0.0.10</a:t>
+              </a:r>
+              <a:endParaRPr lang="ko-KR" altLang="en-US" sz="1000" b="1"/>
+            </a:p>
+          </p:txBody>
+        </p:sp>
+        <p:sp>
+          <p:nvSpPr>
+            <p:cNvPr id="25" name="직사각형 24">
+              <a:extLst>
+                <a:ext uri="{FF2B5EF4-FFF2-40B4-BE49-F238E27FC236}">
+                  <a16:creationId xmlns:a16="http://schemas.microsoft.com/office/drawing/2014/main" id="{D4FE8805-40F5-4504-AD2F-88EE050866B1}"/>
+                </a:ext>
+              </a:extLst>
+            </p:cNvPr>
+            <p:cNvSpPr/>
+            <p:nvPr/>
+          </p:nvSpPr>
+          <p:spPr>
+            <a:xfrm>
+              <a:off x="3434430" y="1851670"/>
+              <a:ext cx="1137570" cy="288032"/>
+            </a:xfrm>
+            <a:prstGeom prst="rect">
+              <a:avLst/>
+            </a:prstGeom>
+          </p:spPr>
+          <p:style>
+            <a:lnRef idx="2">
+              <a:schemeClr val="dk1"/>
+            </a:lnRef>
+            <a:fillRef idx="1">
+              <a:schemeClr val="lt1"/>
+            </a:fillRef>
+            <a:effectRef idx="0">
+              <a:schemeClr val="dk1"/>
+            </a:effectRef>
+            <a:fontRef idx="minor">
+              <a:schemeClr val="dk1"/>
+            </a:fontRef>
+          </p:style>
+          <p:txBody>
+            <a:bodyPr rtlCol="0" anchor="ctr"/>
+            <a:lstStyle/>
+            <a:p>
+              <a:pPr algn="ctr"/>
+              <a:r>
+                <a:rPr lang="en-US" altLang="ko-KR" sz="1000"/>
+                <a:t>Dest - 10.0.0.10 </a:t>
+              </a:r>
+              <a:endParaRPr lang="ko-KR" altLang="en-US" sz="1000"/>
+            </a:p>
+          </p:txBody>
+        </p:sp>
+      </p:grpSp>
+      <p:cxnSp>
+        <p:nvCxnSpPr>
+          <p:cNvPr id="28" name="직선 화살표 연결선 27">
+            <a:extLst>
+              <a:ext uri="{FF2B5EF4-FFF2-40B4-BE49-F238E27FC236}">
+                <a16:creationId xmlns:a16="http://schemas.microsoft.com/office/drawing/2014/main" id="{7F6431EC-279C-4B83-8982-50F8795F0C87}"/>
+              </a:ext>
+            </a:extLst>
+          </p:cNvPr>
+          <p:cNvCxnSpPr>
+            <a:cxnSpLocks/>
+          </p:cNvCxnSpPr>
+          <p:nvPr/>
+        </p:nvCxnSpPr>
+        <p:spPr>
+          <a:xfrm>
+            <a:off x="2549124" y="1707654"/>
+            <a:ext cx="0" cy="648072"/>
+          </a:xfrm>
+          <a:prstGeom prst="straightConnector1">
+            <a:avLst/>
+          </a:prstGeom>
+          <a:ln w="28575">
+            <a:solidFill>
+              <a:srgbClr val="C00000"/>
+            </a:solidFill>
+            <a:headEnd type="none" w="med" len="med"/>
+            <a:tailEnd type="arrow" w="med" len="med"/>
+          </a:ln>
+        </p:spPr>
+        <p:style>
+          <a:lnRef idx="1">
+            <a:schemeClr val="accent1"/>
+          </a:lnRef>
+          <a:fillRef idx="0">
+            <a:schemeClr val="accent1"/>
+          </a:fillRef>
+          <a:effectRef idx="0">
+            <a:schemeClr val="accent1"/>
+          </a:effectRef>
+          <a:fontRef idx="minor">
+            <a:schemeClr val="tx1"/>
+          </a:fontRef>
+        </p:style>
+      </p:cxnSp>
+      <p:cxnSp>
+        <p:nvCxnSpPr>
+          <p:cNvPr id="30" name="직선 화살표 연결선 29">
+            <a:extLst>
+              <a:ext uri="{FF2B5EF4-FFF2-40B4-BE49-F238E27FC236}">
+                <a16:creationId xmlns:a16="http://schemas.microsoft.com/office/drawing/2014/main" id="{168699D9-86F3-4B52-84E4-E2093460A857}"/>
+              </a:ext>
+            </a:extLst>
+          </p:cNvPr>
+          <p:cNvCxnSpPr>
+            <a:cxnSpLocks/>
+          </p:cNvCxnSpPr>
+          <p:nvPr/>
+        </p:nvCxnSpPr>
+        <p:spPr>
+          <a:xfrm>
+            <a:off x="2765148" y="1707654"/>
+            <a:ext cx="0" cy="648072"/>
+          </a:xfrm>
+          <a:prstGeom prst="straightConnector1">
+            <a:avLst/>
+          </a:prstGeom>
+          <a:ln w="28575">
+            <a:solidFill>
+              <a:srgbClr val="C00000"/>
+            </a:solidFill>
+            <a:headEnd type="arrow" w="med" len="med"/>
+            <a:tailEnd type="none" w="med" len="med"/>
+          </a:ln>
+        </p:spPr>
+        <p:style>
+          <a:lnRef idx="1">
+            <a:schemeClr val="accent1"/>
+          </a:lnRef>
+          <a:fillRef idx="0">
+            <a:schemeClr val="accent1"/>
+          </a:fillRef>
+          <a:effectRef idx="0">
+            <a:schemeClr val="accent1"/>
+          </a:effectRef>
+          <a:fontRef idx="minor">
+            <a:schemeClr val="tx1"/>
+          </a:fontRef>
+        </p:style>
+      </p:cxnSp>
+      <p:sp>
+        <p:nvSpPr>
+          <p:cNvPr id="31" name="자유형: 도형 30">
+            <a:extLst>
+              <a:ext uri="{FF2B5EF4-FFF2-40B4-BE49-F238E27FC236}">
+                <a16:creationId xmlns:a16="http://schemas.microsoft.com/office/drawing/2014/main" id="{E8EEBD7F-64A5-4D85-B334-E13EE64409C3}"/>
+              </a:ext>
+            </a:extLst>
+          </p:cNvPr>
+          <p:cNvSpPr/>
+          <p:nvPr/>
+        </p:nvSpPr>
+        <p:spPr>
+          <a:xfrm>
+            <a:off x="2582430" y="3174773"/>
+            <a:ext cx="182640" cy="506277"/>
+          </a:xfrm>
+          <a:custGeom>
+            <a:avLst/>
+            <a:gdLst>
+              <a:gd name="connsiteX0" fmla="*/ 0 w 511791"/>
+              <a:gd name="connsiteY0" fmla="*/ 0 h 225188"/>
+              <a:gd name="connsiteX1" fmla="*/ 0 w 511791"/>
+              <a:gd name="connsiteY1" fmla="*/ 225188 h 225188"/>
+              <a:gd name="connsiteX2" fmla="*/ 511791 w 511791"/>
+              <a:gd name="connsiteY2" fmla="*/ 225188 h 225188"/>
+              <a:gd name="connsiteX3" fmla="*/ 511791 w 511791"/>
+              <a:gd name="connsiteY3" fmla="*/ 0 h 225188"/>
+            </a:gdLst>
+            <a:ahLst/>
+            <a:cxnLst>
+              <a:cxn ang="0">
+                <a:pos x="connsiteX0" y="connsiteY0"/>
+              </a:cxn>
+              <a:cxn ang="0">
+                <a:pos x="connsiteX1" y="connsiteY1"/>
+              </a:cxn>
+              <a:cxn ang="0">
+                <a:pos x="connsiteX2" y="connsiteY2"/>
+              </a:cxn>
+              <a:cxn ang="0">
+                <a:pos x="connsiteX3" y="connsiteY3"/>
+              </a:cxn>
+            </a:cxnLst>
+            <a:rect l="l" t="t" r="r" b="b"/>
+            <a:pathLst>
+              <a:path w="511791" h="225188">
+                <a:moveTo>
+                  <a:pt x="0" y="0"/>
+                </a:moveTo>
+                <a:lnTo>
+                  <a:pt x="0" y="225188"/>
+                </a:lnTo>
+                <a:lnTo>
+                  <a:pt x="511791" y="225188"/>
+                </a:lnTo>
+                <a:lnTo>
+                  <a:pt x="511791" y="0"/>
+                </a:lnTo>
+              </a:path>
+            </a:pathLst>
+          </a:custGeom>
+          <a:noFill/>
+          <a:ln w="28575">
+            <a:solidFill>
+              <a:srgbClr val="C00000"/>
+            </a:solidFill>
+            <a:headEnd type="none" w="med" len="med"/>
+            <a:tailEnd type="arrow" w="med" len="med"/>
+          </a:ln>
+        </p:spPr>
+        <p:style>
+          <a:lnRef idx="2">
+            <a:schemeClr val="accent1">
+              <a:shade val="50000"/>
+            </a:schemeClr>
+          </a:lnRef>
+          <a:fillRef idx="1">
+            <a:schemeClr val="accent1"/>
+          </a:fillRef>
+          <a:effectRef idx="0">
+            <a:schemeClr val="accent1"/>
+          </a:effectRef>
+          <a:fontRef idx="minor">
+            <a:schemeClr val="lt1"/>
+          </a:fontRef>
+        </p:style>
+        <p:txBody>
+          <a:bodyPr rtlCol="0" anchor="ctr"/>
+          <a:lstStyle/>
+          <a:p>
+            <a:pPr algn="ctr"/>
+            <a:endParaRPr lang="ko-KR" altLang="en-US"/>
+          </a:p>
+        </p:txBody>
+      </p:sp>
+      <p:cxnSp>
+        <p:nvCxnSpPr>
+          <p:cNvPr id="32" name="직선 화살표 연결선 31">
+            <a:extLst>
+              <a:ext uri="{FF2B5EF4-FFF2-40B4-BE49-F238E27FC236}">
+                <a16:creationId xmlns:a16="http://schemas.microsoft.com/office/drawing/2014/main" id="{507CEBC8-9869-4A85-9915-AC9C545F98E3}"/>
+              </a:ext>
+            </a:extLst>
+          </p:cNvPr>
+          <p:cNvCxnSpPr>
+            <a:cxnSpLocks/>
+          </p:cNvCxnSpPr>
+          <p:nvPr/>
+        </p:nvCxnSpPr>
+        <p:spPr>
+          <a:xfrm>
+            <a:off x="2463468" y="1117942"/>
+            <a:ext cx="348517" cy="0"/>
+          </a:xfrm>
+          <a:prstGeom prst="straightConnector1">
+            <a:avLst/>
+          </a:prstGeom>
+          <a:ln w="28575">
+            <a:solidFill>
+              <a:schemeClr val="tx2"/>
+            </a:solidFill>
+            <a:headEnd type="arrow" w="med" len="med"/>
+            <a:tailEnd type="none" w="med" len="med"/>
+          </a:ln>
+        </p:spPr>
+        <p:style>
+          <a:lnRef idx="1">
+            <a:schemeClr val="accent1"/>
+          </a:lnRef>
+          <a:fillRef idx="0">
+            <a:schemeClr val="accent1"/>
+          </a:fillRef>
+          <a:effectRef idx="0">
+            <a:schemeClr val="accent1"/>
+          </a:effectRef>
+          <a:fontRef idx="minor">
+            <a:schemeClr val="tx1"/>
+          </a:fontRef>
+        </p:style>
+      </p:cxnSp>
+      <p:sp>
+        <p:nvSpPr>
+          <p:cNvPr id="35" name="타원 34">
+            <a:extLst>
+              <a:ext uri="{FF2B5EF4-FFF2-40B4-BE49-F238E27FC236}">
+                <a16:creationId xmlns:a16="http://schemas.microsoft.com/office/drawing/2014/main" id="{0F540C92-1AB9-47C5-BBBA-62C1A26E0004}"/>
+              </a:ext>
+            </a:extLst>
+          </p:cNvPr>
+          <p:cNvSpPr/>
+          <p:nvPr/>
+        </p:nvSpPr>
+        <p:spPr>
+          <a:xfrm>
+            <a:off x="2705792" y="1018638"/>
+            <a:ext cx="216024" cy="216024"/>
+          </a:xfrm>
+          <a:prstGeom prst="ellipse">
+            <a:avLst/>
+          </a:prstGeom>
+          <a:solidFill>
+            <a:schemeClr val="bg1"/>
+          </a:solidFill>
+          <a:ln>
+            <a:solidFill>
+              <a:schemeClr val="tx2"/>
+            </a:solidFill>
+          </a:ln>
+        </p:spPr>
+        <p:style>
+          <a:lnRef idx="2">
+            <a:schemeClr val="accent1">
+              <a:shade val="50000"/>
+            </a:schemeClr>
+          </a:lnRef>
+          <a:fillRef idx="1">
+            <a:schemeClr val="accent1"/>
+          </a:fillRef>
+          <a:effectRef idx="0">
+            <a:schemeClr val="accent1"/>
+          </a:effectRef>
+          <a:fontRef idx="minor">
+            <a:schemeClr val="lt1"/>
+          </a:fontRef>
+        </p:style>
+        <p:txBody>
+          <a:bodyPr rtlCol="0" anchor="ctr"/>
+          <a:lstStyle/>
+          <a:p>
+            <a:pPr algn="ctr"/>
+            <a:r>
+              <a:rPr lang="en-US" altLang="ko-KR" sz="1000">
+                <a:solidFill>
+                  <a:schemeClr val="tx1"/>
+                </a:solidFill>
+              </a:rPr>
+              <a:t>4</a:t>
+            </a:r>
+            <a:endParaRPr lang="ko-KR" altLang="en-US" sz="1000">
+              <a:solidFill>
+                <a:schemeClr val="tx1"/>
+              </a:solidFill>
+            </a:endParaRPr>
+          </a:p>
+        </p:txBody>
+      </p:sp>
+      <p:sp>
+        <p:nvSpPr>
+          <p:cNvPr id="36" name="타원 35">
+            <a:extLst>
+              <a:ext uri="{FF2B5EF4-FFF2-40B4-BE49-F238E27FC236}">
+                <a16:creationId xmlns:a16="http://schemas.microsoft.com/office/drawing/2014/main" id="{2993231A-283D-400D-9070-B8D4B681027E}"/>
+              </a:ext>
+            </a:extLst>
+          </p:cNvPr>
+          <p:cNvSpPr/>
+          <p:nvPr/>
+        </p:nvSpPr>
+        <p:spPr>
+          <a:xfrm>
+            <a:off x="2470230" y="3175110"/>
+            <a:ext cx="216024" cy="216024"/>
+          </a:xfrm>
+          <a:prstGeom prst="ellipse">
+            <a:avLst/>
+          </a:prstGeom>
+          <a:solidFill>
+            <a:schemeClr val="bg1"/>
+          </a:solidFill>
+          <a:ln>
+            <a:solidFill>
+              <a:srgbClr val="C00000"/>
+            </a:solidFill>
+          </a:ln>
+        </p:spPr>
+        <p:style>
+          <a:lnRef idx="2">
+            <a:schemeClr val="accent1">
+              <a:shade val="50000"/>
+            </a:schemeClr>
+          </a:lnRef>
+          <a:fillRef idx="1">
+            <a:schemeClr val="accent1"/>
+          </a:fillRef>
+          <a:effectRef idx="0">
+            <a:schemeClr val="accent1"/>
+          </a:effectRef>
+          <a:fontRef idx="minor">
+            <a:schemeClr val="lt1"/>
+          </a:fontRef>
+        </p:style>
+        <p:txBody>
+          <a:bodyPr rtlCol="0" anchor="ctr"/>
+          <a:lstStyle/>
+          <a:p>
+            <a:pPr algn="ctr"/>
+            <a:r>
+              <a:rPr lang="en-US" altLang="ko-KR" sz="1000">
+                <a:solidFill>
+                  <a:schemeClr val="tx1"/>
+                </a:solidFill>
+              </a:rPr>
+              <a:t>2</a:t>
+            </a:r>
+            <a:endParaRPr lang="ko-KR" altLang="en-US" sz="1000">
+              <a:solidFill>
+                <a:schemeClr val="tx1"/>
+              </a:solidFill>
+            </a:endParaRPr>
+          </a:p>
+        </p:txBody>
+      </p:sp>
+      <p:sp>
+        <p:nvSpPr>
+          <p:cNvPr id="39" name="TextBox 38">
+            <a:extLst>
+              <a:ext uri="{FF2B5EF4-FFF2-40B4-BE49-F238E27FC236}">
+                <a16:creationId xmlns:a16="http://schemas.microsoft.com/office/drawing/2014/main" id="{2BD26225-5355-464B-9B0A-45925DEBDDDF}"/>
+              </a:ext>
+            </a:extLst>
+          </p:cNvPr>
+          <p:cNvSpPr txBox="1"/>
+          <p:nvPr/>
+        </p:nvSpPr>
+        <p:spPr>
+          <a:xfrm>
+            <a:off x="1894166" y="3320941"/>
+            <a:ext cx="548548" cy="246221"/>
+          </a:xfrm>
+          <a:prstGeom prst="rect">
+            <a:avLst/>
+          </a:prstGeom>
+          <a:noFill/>
+        </p:spPr>
+        <p:txBody>
+          <a:bodyPr wrap="none" rtlCol="0">
+            <a:spAutoFit/>
+          </a:bodyPr>
+          <a:lstStyle/>
+          <a:p>
+            <a:r>
+              <a:rPr lang="en-US" altLang="ko-KR" sz="1000" b="1"/>
+              <a:t>DNAT</a:t>
+            </a:r>
+            <a:endParaRPr lang="ko-KR" altLang="en-US" sz="1000" b="1"/>
+          </a:p>
+        </p:txBody>
+      </p:sp>
+      <p:sp>
+        <p:nvSpPr>
+          <p:cNvPr id="75" name="TextBox 74">
+            <a:extLst>
+              <a:ext uri="{FF2B5EF4-FFF2-40B4-BE49-F238E27FC236}">
+                <a16:creationId xmlns:a16="http://schemas.microsoft.com/office/drawing/2014/main" id="{5496BB66-25A9-4265-BFB9-4B658DEF617D}"/>
+              </a:ext>
+            </a:extLst>
+          </p:cNvPr>
+          <p:cNvSpPr txBox="1"/>
+          <p:nvPr/>
+        </p:nvSpPr>
+        <p:spPr>
+          <a:xfrm>
+            <a:off x="3557234" y="483518"/>
+            <a:ext cx="1642416" cy="738664"/>
+          </a:xfrm>
+          <a:prstGeom prst="rect">
+            <a:avLst/>
+          </a:prstGeom>
+          <a:noFill/>
+        </p:spPr>
+        <p:txBody>
+          <a:bodyPr wrap="square" rtlCol="0" anchor="ctr">
+            <a:spAutoFit/>
+          </a:bodyPr>
+          <a:lstStyle/>
+          <a:p>
+            <a:pPr algn="ctr"/>
+            <a:r>
+              <a:rPr lang="en-US" altLang="ko-KR" sz="1400" b="1"/>
+              <a:t>Service A</a:t>
+            </a:r>
+          </a:p>
+          <a:p>
+            <a:pPr algn="ctr"/>
+            <a:r>
+              <a:rPr lang="en-US" altLang="ko-KR" sz="1400"/>
+              <a:t>IP - 20.0.0.2</a:t>
+            </a:r>
+          </a:p>
+          <a:p>
+            <a:pPr algn="ctr"/>
+            <a:r>
+              <a:rPr lang="en-US" altLang="ko-KR" sz="1400"/>
+              <a:t>Pod - Pod A</a:t>
+            </a:r>
+            <a:endParaRPr lang="en-US" altLang="ko-KR" sz="1600"/>
+          </a:p>
+        </p:txBody>
+      </p:sp>
+      <p:sp>
+        <p:nvSpPr>
+          <p:cNvPr id="76" name="사각형: 둥근 모서리 75">
+            <a:extLst>
+              <a:ext uri="{FF2B5EF4-FFF2-40B4-BE49-F238E27FC236}">
+                <a16:creationId xmlns:a16="http://schemas.microsoft.com/office/drawing/2014/main" id="{C5670091-F6F3-4C5B-B757-12E83789837C}"/>
+              </a:ext>
+            </a:extLst>
+          </p:cNvPr>
+          <p:cNvSpPr/>
+          <p:nvPr/>
+        </p:nvSpPr>
+        <p:spPr>
+          <a:xfrm>
+            <a:off x="5397628" y="699542"/>
+            <a:ext cx="1368150" cy="1008112"/>
+          </a:xfrm>
+          <a:prstGeom prst="roundRect">
+            <a:avLst>
+              <a:gd name="adj" fmla="val 6633"/>
+            </a:avLst>
+          </a:prstGeom>
+        </p:spPr>
+        <p:style>
+          <a:lnRef idx="2">
+            <a:schemeClr val="dk1"/>
+          </a:lnRef>
+          <a:fillRef idx="1">
+            <a:schemeClr val="lt1"/>
+          </a:fillRef>
+          <a:effectRef idx="0">
+            <a:schemeClr val="dk1"/>
+          </a:effectRef>
+          <a:fontRef idx="minor">
+            <a:schemeClr val="dk1"/>
+          </a:fontRef>
+        </p:style>
+        <p:txBody>
+          <a:bodyPr rtlCol="0" anchor="t"/>
+          <a:lstStyle/>
+          <a:p>
+            <a:pPr algn="ctr"/>
+            <a:r>
+              <a:rPr lang="en-US" altLang="ko-KR" sz="1400"/>
+              <a:t>Pod A</a:t>
+            </a:r>
+            <a:endParaRPr lang="ko-KR" altLang="en-US" sz="1400"/>
+          </a:p>
+        </p:txBody>
+      </p:sp>
+      <p:sp>
+        <p:nvSpPr>
+          <p:cNvPr id="77" name="사각형: 둥근 모서리 76">
+            <a:extLst>
+              <a:ext uri="{FF2B5EF4-FFF2-40B4-BE49-F238E27FC236}">
+                <a16:creationId xmlns:a16="http://schemas.microsoft.com/office/drawing/2014/main" id="{1061D6AC-29D9-484C-A586-D329BF16AC53}"/>
+              </a:ext>
+            </a:extLst>
+          </p:cNvPr>
+          <p:cNvSpPr/>
+          <p:nvPr/>
+        </p:nvSpPr>
+        <p:spPr>
+          <a:xfrm>
+            <a:off x="5062516" y="2355726"/>
+            <a:ext cx="2074378" cy="1944216"/>
+          </a:xfrm>
+          <a:prstGeom prst="roundRect">
+            <a:avLst>
+              <a:gd name="adj" fmla="val 6681"/>
+            </a:avLst>
+          </a:prstGeom>
+        </p:spPr>
+        <p:style>
+          <a:lnRef idx="2">
+            <a:schemeClr val="dk1"/>
+          </a:lnRef>
+          <a:fillRef idx="1">
+            <a:schemeClr val="lt1"/>
+          </a:fillRef>
+          <a:effectRef idx="0">
+            <a:schemeClr val="dk1"/>
+          </a:effectRef>
+          <a:fontRef idx="minor">
+            <a:schemeClr val="dk1"/>
+          </a:fontRef>
+        </p:style>
+        <p:txBody>
+          <a:bodyPr rtlCol="0" anchor="b"/>
+          <a:lstStyle/>
+          <a:p>
+            <a:pPr algn="ctr"/>
+            <a:r>
+              <a:rPr lang="en-US" altLang="ko-KR" sz="1400"/>
+              <a:t>Host</a:t>
+            </a:r>
+            <a:endParaRPr lang="ko-KR" altLang="en-US" sz="1400"/>
+          </a:p>
+        </p:txBody>
+      </p:sp>
+      <p:sp>
+        <p:nvSpPr>
+          <p:cNvPr id="78" name="사각형: 둥근 모서리 77">
+            <a:extLst>
+              <a:ext uri="{FF2B5EF4-FFF2-40B4-BE49-F238E27FC236}">
+                <a16:creationId xmlns:a16="http://schemas.microsoft.com/office/drawing/2014/main" id="{5B6829EF-9ACF-4038-B200-366CC5050FEC}"/>
+              </a:ext>
+            </a:extLst>
+          </p:cNvPr>
+          <p:cNvSpPr/>
+          <p:nvPr/>
+        </p:nvSpPr>
+        <p:spPr>
+          <a:xfrm>
+            <a:off x="5613651" y="1275606"/>
+            <a:ext cx="936104" cy="432048"/>
+          </a:xfrm>
+          <a:prstGeom prst="roundRect">
+            <a:avLst>
+              <a:gd name="adj" fmla="val 15087"/>
+            </a:avLst>
+          </a:prstGeom>
+        </p:spPr>
+        <p:style>
+          <a:lnRef idx="2">
+            <a:schemeClr val="dk1"/>
+          </a:lnRef>
+          <a:fillRef idx="1">
+            <a:schemeClr val="lt1"/>
+          </a:fillRef>
+          <a:effectRef idx="0">
+            <a:schemeClr val="dk1"/>
+          </a:effectRef>
+          <a:fontRef idx="minor">
+            <a:schemeClr val="dk1"/>
+          </a:fontRef>
+        </p:style>
+        <p:txBody>
+          <a:bodyPr rtlCol="0" anchor="ctr"/>
+          <a:lstStyle/>
+          <a:p>
+            <a:pPr algn="ctr"/>
+            <a:r>
+              <a:rPr lang="en-US" altLang="ko-KR" sz="1200"/>
+              <a:t>veth</a:t>
+            </a:r>
+          </a:p>
+          <a:p>
+            <a:pPr algn="ctr"/>
+            <a:r>
+              <a:rPr lang="en-US" altLang="ko-KR" sz="1200"/>
+              <a:t>10.0.0.10 </a:t>
+            </a:r>
+            <a:endParaRPr lang="ko-KR" altLang="en-US" sz="1200"/>
+          </a:p>
+        </p:txBody>
+      </p:sp>
+      <p:sp>
+        <p:nvSpPr>
+          <p:cNvPr id="79" name="사각형: 둥근 모서리 78">
+            <a:extLst>
+              <a:ext uri="{FF2B5EF4-FFF2-40B4-BE49-F238E27FC236}">
+                <a16:creationId xmlns:a16="http://schemas.microsoft.com/office/drawing/2014/main" id="{9C0F93C7-6C09-4BA8-807E-D73DBABFCEB1}"/>
+              </a:ext>
+            </a:extLst>
+          </p:cNvPr>
+          <p:cNvSpPr/>
+          <p:nvPr/>
+        </p:nvSpPr>
+        <p:spPr>
+          <a:xfrm>
+            <a:off x="5796295" y="2355726"/>
+            <a:ext cx="570815" cy="288032"/>
+          </a:xfrm>
+          <a:prstGeom prst="roundRect">
+            <a:avLst/>
+          </a:prstGeom>
+        </p:spPr>
+        <p:style>
+          <a:lnRef idx="2">
+            <a:schemeClr val="dk1"/>
+          </a:lnRef>
+          <a:fillRef idx="1">
+            <a:schemeClr val="lt1"/>
+          </a:fillRef>
+          <a:effectRef idx="0">
+            <a:schemeClr val="dk1"/>
+          </a:effectRef>
+          <a:fontRef idx="minor">
+            <a:schemeClr val="dk1"/>
+          </a:fontRef>
+        </p:style>
+        <p:txBody>
+          <a:bodyPr rtlCol="0" anchor="ctr"/>
+          <a:lstStyle/>
+          <a:p>
+            <a:pPr algn="ctr"/>
+            <a:r>
+              <a:rPr lang="en-US" altLang="ko-KR" sz="1200"/>
+              <a:t>veth</a:t>
+            </a:r>
+            <a:endParaRPr lang="ko-KR" altLang="en-US" sz="1200"/>
+          </a:p>
+        </p:txBody>
+      </p:sp>
+      <p:sp>
+        <p:nvSpPr>
+          <p:cNvPr id="80" name="사각형: 둥근 모서리 79">
+            <a:extLst>
+              <a:ext uri="{FF2B5EF4-FFF2-40B4-BE49-F238E27FC236}">
+                <a16:creationId xmlns:a16="http://schemas.microsoft.com/office/drawing/2014/main" id="{72EFC70B-4EFB-4F0C-8275-9D82E43C1963}"/>
+              </a:ext>
+            </a:extLst>
+          </p:cNvPr>
+          <p:cNvSpPr/>
+          <p:nvPr/>
+        </p:nvSpPr>
+        <p:spPr>
+          <a:xfrm>
+            <a:off x="5397628" y="2760814"/>
+            <a:ext cx="1368150" cy="459008"/>
+          </a:xfrm>
+          <a:prstGeom prst="roundRect">
+            <a:avLst/>
+          </a:prstGeom>
+        </p:spPr>
+        <p:style>
+          <a:lnRef idx="2">
+            <a:schemeClr val="dk1"/>
+          </a:lnRef>
+          <a:fillRef idx="1">
+            <a:schemeClr val="lt1"/>
+          </a:fillRef>
+          <a:effectRef idx="0">
+            <a:schemeClr val="dk1"/>
+          </a:effectRef>
+          <a:fontRef idx="minor">
+            <a:schemeClr val="dk1"/>
+          </a:fontRef>
+        </p:style>
+        <p:txBody>
+          <a:bodyPr rtlCol="0" anchor="ctr"/>
+          <a:lstStyle/>
+          <a:p>
+            <a:pPr algn="ctr"/>
+            <a:r>
+              <a:rPr lang="en-US" altLang="ko-KR" sz="1200"/>
+              <a:t>Bridge</a:t>
+            </a:r>
+          </a:p>
+          <a:p>
+            <a:pPr algn="ctr"/>
+            <a:r>
+              <a:rPr lang="en-US" altLang="ko-KR" sz="1200"/>
+              <a:t>10.0.0.1</a:t>
+            </a:r>
+            <a:endParaRPr lang="ko-KR" altLang="en-US" sz="1200"/>
+          </a:p>
+        </p:txBody>
+      </p:sp>
+      <p:cxnSp>
+        <p:nvCxnSpPr>
+          <p:cNvPr id="81" name="직선 연결선 80">
+            <a:extLst>
+              <a:ext uri="{FF2B5EF4-FFF2-40B4-BE49-F238E27FC236}">
+                <a16:creationId xmlns:a16="http://schemas.microsoft.com/office/drawing/2014/main" id="{6CC03851-5C12-4ADC-B2B5-916D576A2FD7}"/>
+              </a:ext>
+            </a:extLst>
+          </p:cNvPr>
+          <p:cNvCxnSpPr>
+            <a:stCxn id="79" idx="2"/>
+            <a:endCxn id="80" idx="0"/>
+          </p:cNvCxnSpPr>
+          <p:nvPr/>
+        </p:nvCxnSpPr>
+        <p:spPr>
+          <a:xfrm>
+            <a:off x="6081703" y="2643758"/>
+            <a:ext cx="0" cy="117056"/>
+          </a:xfrm>
+          <a:prstGeom prst="line">
+            <a:avLst/>
+          </a:prstGeom>
+          <a:ln w="28575">
+            <a:solidFill>
+              <a:schemeClr val="tx1"/>
+            </a:solidFill>
+          </a:ln>
+        </p:spPr>
+        <p:style>
+          <a:lnRef idx="1">
+            <a:schemeClr val="accent1"/>
+          </a:lnRef>
+          <a:fillRef idx="0">
+            <a:schemeClr val="accent1"/>
+          </a:fillRef>
+          <a:effectRef idx="0">
+            <a:schemeClr val="accent1"/>
+          </a:effectRef>
+          <a:fontRef idx="minor">
+            <a:schemeClr val="tx1"/>
+          </a:fontRef>
+        </p:style>
+      </p:cxnSp>
+      <p:cxnSp>
+        <p:nvCxnSpPr>
+          <p:cNvPr id="82" name="직선 연결선 81">
+            <a:extLst>
+              <a:ext uri="{FF2B5EF4-FFF2-40B4-BE49-F238E27FC236}">
+                <a16:creationId xmlns:a16="http://schemas.microsoft.com/office/drawing/2014/main" id="{012327C3-2A1C-40C7-A299-8A3F73131157}"/>
+              </a:ext>
+            </a:extLst>
+          </p:cNvPr>
+          <p:cNvCxnSpPr>
+            <a:cxnSpLocks/>
+            <a:stCxn id="78" idx="2"/>
+            <a:endCxn id="79" idx="0"/>
+          </p:cNvCxnSpPr>
+          <p:nvPr/>
+        </p:nvCxnSpPr>
+        <p:spPr>
+          <a:xfrm>
+            <a:off x="6081703" y="1707654"/>
+            <a:ext cx="0" cy="648072"/>
+          </a:xfrm>
+          <a:prstGeom prst="line">
+            <a:avLst/>
+          </a:prstGeom>
+          <a:ln w="28575">
+            <a:solidFill>
+              <a:schemeClr val="tx1"/>
+            </a:solidFill>
+          </a:ln>
+        </p:spPr>
+        <p:style>
+          <a:lnRef idx="1">
+            <a:schemeClr val="accent1"/>
+          </a:lnRef>
+          <a:fillRef idx="0">
+            <a:schemeClr val="accent1"/>
+          </a:fillRef>
+          <a:effectRef idx="0">
+            <a:schemeClr val="accent1"/>
+          </a:effectRef>
+          <a:fontRef idx="minor">
+            <a:schemeClr val="tx1"/>
+          </a:fontRef>
+        </p:style>
+      </p:cxnSp>
+      <p:sp>
+        <p:nvSpPr>
+          <p:cNvPr id="83" name="사각형: 둥근 모서리 82">
+            <a:extLst>
+              <a:ext uri="{FF2B5EF4-FFF2-40B4-BE49-F238E27FC236}">
+                <a16:creationId xmlns:a16="http://schemas.microsoft.com/office/drawing/2014/main" id="{0F7677B3-316A-4FA1-8722-16F2E4F59197}"/>
+              </a:ext>
+            </a:extLst>
+          </p:cNvPr>
+          <p:cNvSpPr/>
+          <p:nvPr/>
+        </p:nvSpPr>
+        <p:spPr>
+          <a:xfrm>
+            <a:off x="5397628" y="3651870"/>
+            <a:ext cx="1368150" cy="314992"/>
+          </a:xfrm>
+          <a:prstGeom prst="roundRect">
+            <a:avLst/>
+          </a:prstGeom>
+        </p:spPr>
+        <p:style>
+          <a:lnRef idx="2">
+            <a:schemeClr val="dk1"/>
+          </a:lnRef>
+          <a:fillRef idx="1">
+            <a:schemeClr val="lt1"/>
+          </a:fillRef>
+          <a:effectRef idx="0">
+            <a:schemeClr val="dk1"/>
+          </a:effectRef>
+          <a:fontRef idx="minor">
+            <a:schemeClr val="dk1"/>
+          </a:fontRef>
+        </p:style>
+        <p:txBody>
+          <a:bodyPr rtlCol="0" anchor="ctr"/>
+          <a:lstStyle/>
+          <a:p>
+            <a:pPr algn="ctr"/>
+            <a:r>
+              <a:rPr lang="en-US" altLang="ko-KR" sz="1200"/>
+              <a:t>NAT Table</a:t>
+            </a:r>
+          </a:p>
+        </p:txBody>
+      </p:sp>
+      <p:grpSp>
+        <p:nvGrpSpPr>
+          <p:cNvPr id="84" name="그룹 83">
+            <a:extLst>
+              <a:ext uri="{FF2B5EF4-FFF2-40B4-BE49-F238E27FC236}">
+                <a16:creationId xmlns:a16="http://schemas.microsoft.com/office/drawing/2014/main" id="{D9C05A48-37E3-4191-9DC4-E35FD1D9F89B}"/>
+              </a:ext>
+            </a:extLst>
+          </p:cNvPr>
+          <p:cNvGrpSpPr/>
+          <p:nvPr/>
+        </p:nvGrpSpPr>
+        <p:grpSpPr>
+          <a:xfrm>
+            <a:off x="4349324" y="2139702"/>
+            <a:ext cx="1145242" cy="504056"/>
+            <a:chOff x="3434430" y="1563638"/>
+            <a:chExt cx="1137570" cy="576064"/>
+          </a:xfrm>
+        </p:grpSpPr>
+        <p:sp>
+          <p:nvSpPr>
+            <p:cNvPr id="85" name="직사각형 84">
+              <a:extLst>
+                <a:ext uri="{FF2B5EF4-FFF2-40B4-BE49-F238E27FC236}">
+                  <a16:creationId xmlns:a16="http://schemas.microsoft.com/office/drawing/2014/main" id="{39FF8533-398E-43B7-B320-12F24CAC536A}"/>
+                </a:ext>
+              </a:extLst>
+            </p:cNvPr>
+            <p:cNvSpPr/>
+            <p:nvPr/>
+          </p:nvSpPr>
+          <p:spPr>
+            <a:xfrm>
+              <a:off x="3434430" y="1563638"/>
+              <a:ext cx="1137570" cy="288032"/>
+            </a:xfrm>
+            <a:prstGeom prst="rect">
+              <a:avLst/>
+            </a:prstGeom>
+          </p:spPr>
+          <p:style>
+            <a:lnRef idx="2">
+              <a:schemeClr val="dk1"/>
+            </a:lnRef>
+            <a:fillRef idx="1">
+              <a:schemeClr val="lt1"/>
+            </a:fillRef>
+            <a:effectRef idx="0">
+              <a:schemeClr val="dk1"/>
+            </a:effectRef>
+            <a:fontRef idx="minor">
+              <a:schemeClr val="dk1"/>
+            </a:fontRef>
+          </p:style>
+          <p:txBody>
+            <a:bodyPr rtlCol="0" anchor="ctr"/>
+            <a:lstStyle/>
+            <a:p>
+              <a:pPr algn="ctr"/>
+              <a:r>
+                <a:rPr lang="en-US" altLang="ko-KR" sz="1000"/>
+                <a:t>Src - 20.0.0.2 </a:t>
+              </a:r>
+              <a:endParaRPr lang="ko-KR" altLang="en-US" sz="1000"/>
+            </a:p>
+          </p:txBody>
+        </p:sp>
+        <p:sp>
+          <p:nvSpPr>
+            <p:cNvPr id="86" name="직사각형 85">
+              <a:extLst>
+                <a:ext uri="{FF2B5EF4-FFF2-40B4-BE49-F238E27FC236}">
+                  <a16:creationId xmlns:a16="http://schemas.microsoft.com/office/drawing/2014/main" id="{7F08C84B-89D5-48B8-AF54-CE81CD91F500}"/>
+                </a:ext>
+              </a:extLst>
+            </p:cNvPr>
+            <p:cNvSpPr/>
+            <p:nvPr/>
+          </p:nvSpPr>
+          <p:spPr>
+            <a:xfrm>
+              <a:off x="3434430" y="1851670"/>
+              <a:ext cx="1137570" cy="288032"/>
+            </a:xfrm>
+            <a:prstGeom prst="rect">
+              <a:avLst/>
+            </a:prstGeom>
+          </p:spPr>
+          <p:style>
+            <a:lnRef idx="2">
+              <a:schemeClr val="dk1"/>
+            </a:lnRef>
+            <a:fillRef idx="1">
+              <a:schemeClr val="lt1"/>
+            </a:fillRef>
+            <a:effectRef idx="0">
+              <a:schemeClr val="dk1"/>
+            </a:effectRef>
+            <a:fontRef idx="minor">
+              <a:schemeClr val="dk1"/>
+            </a:fontRef>
+          </p:style>
+          <p:txBody>
+            <a:bodyPr rtlCol="0" anchor="ctr"/>
+            <a:lstStyle/>
+            <a:p>
+              <a:pPr algn="ctr"/>
+              <a:r>
+                <a:rPr lang="en-US" altLang="ko-KR" sz="1000"/>
+                <a:t>Dest - 10.0.0.10</a:t>
+              </a:r>
+              <a:endParaRPr lang="ko-KR" altLang="en-US" sz="1000"/>
+            </a:p>
+          </p:txBody>
+        </p:sp>
+      </p:grpSp>
+      <p:grpSp>
+        <p:nvGrpSpPr>
+          <p:cNvPr id="87" name="그룹 86">
+            <a:extLst>
+              <a:ext uri="{FF2B5EF4-FFF2-40B4-BE49-F238E27FC236}">
+                <a16:creationId xmlns:a16="http://schemas.microsoft.com/office/drawing/2014/main" id="{D5A9201C-06F2-49B2-A3A6-E87096922CCF}"/>
+              </a:ext>
+            </a:extLst>
+          </p:cNvPr>
+          <p:cNvGrpSpPr/>
+          <p:nvPr/>
+        </p:nvGrpSpPr>
+        <p:grpSpPr>
+          <a:xfrm>
+            <a:off x="6653579" y="2139702"/>
+            <a:ext cx="1145243" cy="504056"/>
+            <a:chOff x="3434430" y="1563638"/>
+            <a:chExt cx="1137571" cy="576064"/>
+          </a:xfrm>
+        </p:grpSpPr>
+        <p:sp>
+          <p:nvSpPr>
+            <p:cNvPr id="88" name="직사각형 87">
+              <a:extLst>
+                <a:ext uri="{FF2B5EF4-FFF2-40B4-BE49-F238E27FC236}">
+                  <a16:creationId xmlns:a16="http://schemas.microsoft.com/office/drawing/2014/main" id="{419B70B4-1C31-4EF1-B1DA-C7FCD34B5C67}"/>
+                </a:ext>
+              </a:extLst>
+            </p:cNvPr>
+            <p:cNvSpPr/>
+            <p:nvPr/>
+          </p:nvSpPr>
+          <p:spPr>
+            <a:xfrm>
+              <a:off x="3434430" y="1563638"/>
+              <a:ext cx="1137570" cy="288032"/>
+            </a:xfrm>
+            <a:prstGeom prst="rect">
+              <a:avLst/>
+            </a:prstGeom>
+          </p:spPr>
+          <p:style>
+            <a:lnRef idx="2">
+              <a:schemeClr val="dk1"/>
+            </a:lnRef>
+            <a:fillRef idx="1">
+              <a:schemeClr val="lt1"/>
+            </a:fillRef>
+            <a:effectRef idx="0">
+              <a:schemeClr val="dk1"/>
+            </a:effectRef>
+            <a:fontRef idx="minor">
+              <a:schemeClr val="dk1"/>
+            </a:fontRef>
+          </p:style>
+          <p:txBody>
+            <a:bodyPr rtlCol="0" anchor="ctr"/>
+            <a:lstStyle/>
+            <a:p>
+              <a:pPr algn="ctr"/>
+              <a:r>
+                <a:rPr lang="en-US" altLang="ko-KR" sz="1000"/>
+                <a:t>Src - 10.0.0.10 </a:t>
+              </a:r>
+              <a:endParaRPr lang="ko-KR" altLang="en-US" sz="1000"/>
+            </a:p>
+          </p:txBody>
+        </p:sp>
+        <p:sp>
+          <p:nvSpPr>
+            <p:cNvPr id="89" name="직사각형 88">
+              <a:extLst>
+                <a:ext uri="{FF2B5EF4-FFF2-40B4-BE49-F238E27FC236}">
+                  <a16:creationId xmlns:a16="http://schemas.microsoft.com/office/drawing/2014/main" id="{287F8B52-DA06-4683-9909-624D5FAF33B0}"/>
+                </a:ext>
+              </a:extLst>
+            </p:cNvPr>
+            <p:cNvSpPr/>
+            <p:nvPr/>
+          </p:nvSpPr>
+          <p:spPr>
+            <a:xfrm>
+              <a:off x="3434431" y="1851670"/>
+              <a:ext cx="1137570" cy="288032"/>
+            </a:xfrm>
+            <a:prstGeom prst="rect">
+              <a:avLst/>
+            </a:prstGeom>
+          </p:spPr>
+          <p:style>
+            <a:lnRef idx="2">
+              <a:schemeClr val="dk1"/>
+            </a:lnRef>
+            <a:fillRef idx="1">
+              <a:schemeClr val="lt1"/>
+            </a:fillRef>
+            <a:effectRef idx="0">
+              <a:schemeClr val="dk1"/>
+            </a:effectRef>
+            <a:fontRef idx="minor">
+              <a:schemeClr val="dk1"/>
+            </a:fontRef>
+          </p:style>
+          <p:txBody>
+            <a:bodyPr rtlCol="0" anchor="ctr"/>
+            <a:lstStyle/>
+            <a:p>
+              <a:pPr algn="ctr"/>
+              <a:r>
+                <a:rPr lang="en-US" altLang="ko-KR" sz="1000"/>
+                <a:t>Dest - 10.0.0.1 </a:t>
+              </a:r>
+              <a:endParaRPr lang="ko-KR" altLang="en-US" sz="1000"/>
+            </a:p>
+          </p:txBody>
+        </p:sp>
+      </p:grpSp>
+      <p:cxnSp>
+        <p:nvCxnSpPr>
+          <p:cNvPr id="90" name="직선 화살표 연결선 89">
+            <a:extLst>
+              <a:ext uri="{FF2B5EF4-FFF2-40B4-BE49-F238E27FC236}">
+                <a16:creationId xmlns:a16="http://schemas.microsoft.com/office/drawing/2014/main" id="{E23269B0-BD4D-4E54-B334-FB4F7EACCC1C}"/>
+              </a:ext>
+            </a:extLst>
+          </p:cNvPr>
+          <p:cNvCxnSpPr>
+            <a:cxnSpLocks/>
+          </p:cNvCxnSpPr>
+          <p:nvPr/>
+        </p:nvCxnSpPr>
+        <p:spPr>
+          <a:xfrm>
+            <a:off x="5973691" y="1707654"/>
+            <a:ext cx="0" cy="648072"/>
+          </a:xfrm>
+          <a:prstGeom prst="straightConnector1">
+            <a:avLst/>
+          </a:prstGeom>
+          <a:ln w="28575">
+            <a:solidFill>
+              <a:srgbClr val="C00000"/>
+            </a:solidFill>
+            <a:headEnd type="none" w="med" len="med"/>
+            <a:tailEnd type="arrow" w="med" len="med"/>
+          </a:ln>
+        </p:spPr>
+        <p:style>
+          <a:lnRef idx="1">
+            <a:schemeClr val="accent1"/>
+          </a:lnRef>
+          <a:fillRef idx="0">
+            <a:schemeClr val="accent1"/>
+          </a:fillRef>
+          <a:effectRef idx="0">
+            <a:schemeClr val="accent1"/>
+          </a:effectRef>
+          <a:fontRef idx="minor">
+            <a:schemeClr val="tx1"/>
+          </a:fontRef>
+        </p:style>
+      </p:cxnSp>
+      <p:cxnSp>
+        <p:nvCxnSpPr>
+          <p:cNvPr id="91" name="직선 화살표 연결선 90">
+            <a:extLst>
+              <a:ext uri="{FF2B5EF4-FFF2-40B4-BE49-F238E27FC236}">
+                <a16:creationId xmlns:a16="http://schemas.microsoft.com/office/drawing/2014/main" id="{A7A07A6A-BF31-4057-944B-4DFC076C333A}"/>
+              </a:ext>
+            </a:extLst>
+          </p:cNvPr>
+          <p:cNvCxnSpPr>
+            <a:cxnSpLocks/>
+          </p:cNvCxnSpPr>
+          <p:nvPr/>
+        </p:nvCxnSpPr>
+        <p:spPr>
+          <a:xfrm>
+            <a:off x="6189715" y="1707654"/>
+            <a:ext cx="0" cy="648072"/>
+          </a:xfrm>
+          <a:prstGeom prst="straightConnector1">
+            <a:avLst/>
+          </a:prstGeom>
+          <a:ln w="28575">
+            <a:solidFill>
+              <a:srgbClr val="C00000"/>
+            </a:solidFill>
+            <a:headEnd type="arrow" w="med" len="med"/>
+            <a:tailEnd type="none" w="med" len="med"/>
+          </a:ln>
+        </p:spPr>
+        <p:style>
+          <a:lnRef idx="1">
+            <a:schemeClr val="accent1"/>
+          </a:lnRef>
+          <a:fillRef idx="0">
+            <a:schemeClr val="accent1"/>
+          </a:fillRef>
+          <a:effectRef idx="0">
+            <a:schemeClr val="accent1"/>
+          </a:effectRef>
+          <a:fontRef idx="minor">
+            <a:schemeClr val="tx1"/>
+          </a:fontRef>
+        </p:style>
+      </p:cxnSp>
+      <p:sp>
+        <p:nvSpPr>
+          <p:cNvPr id="92" name="자유형: 도형 91">
+            <a:extLst>
+              <a:ext uri="{FF2B5EF4-FFF2-40B4-BE49-F238E27FC236}">
+                <a16:creationId xmlns:a16="http://schemas.microsoft.com/office/drawing/2014/main" id="{EA219AD2-2A8E-42BC-A502-99D1FEFE05E8}"/>
+              </a:ext>
+            </a:extLst>
+          </p:cNvPr>
+          <p:cNvSpPr/>
+          <p:nvPr/>
+        </p:nvSpPr>
+        <p:spPr>
+          <a:xfrm>
+            <a:off x="6006997" y="3174773"/>
+            <a:ext cx="182640" cy="506277"/>
+          </a:xfrm>
+          <a:custGeom>
+            <a:avLst/>
+            <a:gdLst>
+              <a:gd name="connsiteX0" fmla="*/ 0 w 511791"/>
+              <a:gd name="connsiteY0" fmla="*/ 0 h 225188"/>
+              <a:gd name="connsiteX1" fmla="*/ 0 w 511791"/>
+              <a:gd name="connsiteY1" fmla="*/ 225188 h 225188"/>
+              <a:gd name="connsiteX2" fmla="*/ 511791 w 511791"/>
+              <a:gd name="connsiteY2" fmla="*/ 225188 h 225188"/>
+              <a:gd name="connsiteX3" fmla="*/ 511791 w 511791"/>
+              <a:gd name="connsiteY3" fmla="*/ 0 h 225188"/>
+            </a:gdLst>
+            <a:ahLst/>
+            <a:cxnLst>
+              <a:cxn ang="0">
+                <a:pos x="connsiteX0" y="connsiteY0"/>
+              </a:cxn>
+              <a:cxn ang="0">
+                <a:pos x="connsiteX1" y="connsiteY1"/>
+              </a:cxn>
+              <a:cxn ang="0">
+                <a:pos x="connsiteX2" y="connsiteY2"/>
+              </a:cxn>
+              <a:cxn ang="0">
+                <a:pos x="connsiteX3" y="connsiteY3"/>
+              </a:cxn>
+            </a:cxnLst>
+            <a:rect l="l" t="t" r="r" b="b"/>
+            <a:pathLst>
+              <a:path w="511791" h="225188">
+                <a:moveTo>
+                  <a:pt x="0" y="0"/>
+                </a:moveTo>
+                <a:lnTo>
+                  <a:pt x="0" y="225188"/>
+                </a:lnTo>
+                <a:lnTo>
+                  <a:pt x="511791" y="225188"/>
+                </a:lnTo>
+                <a:lnTo>
+                  <a:pt x="511791" y="0"/>
+                </a:lnTo>
+              </a:path>
+            </a:pathLst>
+          </a:custGeom>
+          <a:noFill/>
+          <a:ln w="28575">
+            <a:solidFill>
+              <a:srgbClr val="C00000"/>
+            </a:solidFill>
+            <a:headEnd type="none" w="med" len="med"/>
+            <a:tailEnd type="arrow" w="med" len="med"/>
+          </a:ln>
+        </p:spPr>
+        <p:style>
+          <a:lnRef idx="2">
+            <a:schemeClr val="accent1">
+              <a:shade val="50000"/>
+            </a:schemeClr>
+          </a:lnRef>
+          <a:fillRef idx="1">
+            <a:schemeClr val="accent1"/>
+          </a:fillRef>
+          <a:effectRef idx="0">
+            <a:schemeClr val="accent1"/>
+          </a:effectRef>
+          <a:fontRef idx="minor">
+            <a:schemeClr val="lt1"/>
+          </a:fontRef>
+        </p:style>
+        <p:txBody>
+          <a:bodyPr rtlCol="0" anchor="ctr"/>
+          <a:lstStyle/>
+          <a:p>
+            <a:pPr algn="ctr"/>
+            <a:endParaRPr lang="ko-KR" altLang="en-US"/>
+          </a:p>
+        </p:txBody>
+      </p:sp>
+      <p:sp>
+        <p:nvSpPr>
+          <p:cNvPr id="95" name="타원 94">
+            <a:extLst>
+              <a:ext uri="{FF2B5EF4-FFF2-40B4-BE49-F238E27FC236}">
+                <a16:creationId xmlns:a16="http://schemas.microsoft.com/office/drawing/2014/main" id="{E67F02EB-B5C4-4AB4-A886-D21823CC6E9A}"/>
+              </a:ext>
+            </a:extLst>
+          </p:cNvPr>
+          <p:cNvSpPr/>
+          <p:nvPr/>
+        </p:nvSpPr>
+        <p:spPr>
+          <a:xfrm>
+            <a:off x="5894797" y="3175110"/>
+            <a:ext cx="216024" cy="216024"/>
+          </a:xfrm>
+          <a:prstGeom prst="ellipse">
+            <a:avLst/>
+          </a:prstGeom>
+          <a:solidFill>
+            <a:schemeClr val="bg1"/>
+          </a:solidFill>
+          <a:ln>
+            <a:solidFill>
+              <a:srgbClr val="C00000"/>
+            </a:solidFill>
+          </a:ln>
+        </p:spPr>
+        <p:style>
+          <a:lnRef idx="2">
+            <a:schemeClr val="accent1">
+              <a:shade val="50000"/>
+            </a:schemeClr>
+          </a:lnRef>
+          <a:fillRef idx="1">
+            <a:schemeClr val="accent1"/>
+          </a:fillRef>
+          <a:effectRef idx="0">
+            <a:schemeClr val="accent1"/>
+          </a:effectRef>
+          <a:fontRef idx="minor">
+            <a:schemeClr val="lt1"/>
+          </a:fontRef>
+        </p:style>
+        <p:txBody>
+          <a:bodyPr rtlCol="0" anchor="ctr"/>
+          <a:lstStyle/>
+          <a:p>
+            <a:pPr algn="ctr"/>
+            <a:r>
+              <a:rPr lang="en-US" altLang="ko-KR" sz="1000">
+                <a:solidFill>
+                  <a:schemeClr val="tx1"/>
+                </a:solidFill>
+              </a:rPr>
+              <a:t>2</a:t>
+            </a:r>
+            <a:endParaRPr lang="ko-KR" altLang="en-US" sz="1000">
+              <a:solidFill>
+                <a:schemeClr val="tx1"/>
+              </a:solidFill>
+            </a:endParaRPr>
+          </a:p>
+        </p:txBody>
+      </p:sp>
+      <p:sp>
+        <p:nvSpPr>
+          <p:cNvPr id="98" name="TextBox 97">
+            <a:extLst>
+              <a:ext uri="{FF2B5EF4-FFF2-40B4-BE49-F238E27FC236}">
+                <a16:creationId xmlns:a16="http://schemas.microsoft.com/office/drawing/2014/main" id="{3FE1E1AB-100F-4512-9F64-155F04A229DE}"/>
+              </a:ext>
+            </a:extLst>
+          </p:cNvPr>
+          <p:cNvSpPr txBox="1"/>
+          <p:nvPr/>
+        </p:nvSpPr>
+        <p:spPr>
+          <a:xfrm>
+            <a:off x="4990510" y="3251760"/>
+            <a:ext cx="934871" cy="400110"/>
+          </a:xfrm>
+          <a:prstGeom prst="rect">
+            <a:avLst/>
+          </a:prstGeom>
+          <a:noFill/>
+        </p:spPr>
+        <p:txBody>
+          <a:bodyPr wrap="square" rtlCol="0">
+            <a:spAutoFit/>
+          </a:bodyPr>
+          <a:lstStyle/>
+          <a:p>
+            <a:r>
+              <a:rPr lang="en-US" altLang="ko-KR" sz="1000" b="1"/>
+              <a:t>DNAT,</a:t>
+            </a:r>
+          </a:p>
+          <a:p>
+            <a:r>
+              <a:rPr lang="en-US" altLang="ko-KR" sz="1000" b="1"/>
+              <a:t>Masquerade</a:t>
+            </a:r>
+            <a:endParaRPr lang="ko-KR" altLang="en-US" sz="1000" b="1"/>
+          </a:p>
+        </p:txBody>
+      </p:sp>
+      <p:cxnSp>
+        <p:nvCxnSpPr>
+          <p:cNvPr id="99" name="직선 화살표 연결선 98">
+            <a:extLst>
+              <a:ext uri="{FF2B5EF4-FFF2-40B4-BE49-F238E27FC236}">
+                <a16:creationId xmlns:a16="http://schemas.microsoft.com/office/drawing/2014/main" id="{70A4184A-BCB1-4019-9D6D-EBF1E129F14D}"/>
+              </a:ext>
+            </a:extLst>
+          </p:cNvPr>
+          <p:cNvCxnSpPr>
+            <a:cxnSpLocks/>
+          </p:cNvCxnSpPr>
+          <p:nvPr/>
+        </p:nvCxnSpPr>
+        <p:spPr>
+          <a:xfrm>
+            <a:off x="6382809" y="1707654"/>
+            <a:ext cx="0" cy="648072"/>
+          </a:xfrm>
+          <a:prstGeom prst="straightConnector1">
+            <a:avLst/>
+          </a:prstGeom>
+          <a:ln w="28575">
+            <a:solidFill>
+              <a:schemeClr val="tx2"/>
+            </a:solidFill>
+            <a:headEnd type="none" w="med" len="med"/>
+            <a:tailEnd type="arrow" w="med" len="med"/>
+          </a:ln>
+        </p:spPr>
+        <p:style>
+          <a:lnRef idx="1">
+            <a:schemeClr val="accent1"/>
+          </a:lnRef>
+          <a:fillRef idx="0">
+            <a:schemeClr val="accent1"/>
+          </a:fillRef>
+          <a:effectRef idx="0">
+            <a:schemeClr val="accent1"/>
+          </a:effectRef>
+          <a:fontRef idx="minor">
+            <a:schemeClr val="tx1"/>
+          </a:fontRef>
+        </p:style>
+      </p:cxnSp>
+      <p:sp>
+        <p:nvSpPr>
+          <p:cNvPr id="100" name="타원 99">
+            <a:extLst>
+              <a:ext uri="{FF2B5EF4-FFF2-40B4-BE49-F238E27FC236}">
+                <a16:creationId xmlns:a16="http://schemas.microsoft.com/office/drawing/2014/main" id="{756B7F13-D1AA-48E0-AE8C-59BD3BDCED3E}"/>
+              </a:ext>
+            </a:extLst>
+          </p:cNvPr>
+          <p:cNvSpPr/>
+          <p:nvPr/>
+        </p:nvSpPr>
+        <p:spPr>
+          <a:xfrm>
+            <a:off x="7690809" y="2031690"/>
+            <a:ext cx="216024" cy="216024"/>
+          </a:xfrm>
+          <a:prstGeom prst="ellipse">
+            <a:avLst/>
+          </a:prstGeom>
+          <a:solidFill>
+            <a:schemeClr val="bg1"/>
+          </a:solidFill>
+          <a:ln>
+            <a:solidFill>
+              <a:schemeClr val="tx2"/>
+            </a:solidFill>
+          </a:ln>
+        </p:spPr>
+        <p:style>
+          <a:lnRef idx="2">
+            <a:schemeClr val="accent1">
+              <a:shade val="50000"/>
+            </a:schemeClr>
+          </a:lnRef>
+          <a:fillRef idx="1">
+            <a:schemeClr val="accent1"/>
+          </a:fillRef>
+          <a:effectRef idx="0">
+            <a:schemeClr val="accent1"/>
+          </a:effectRef>
+          <a:fontRef idx="minor">
+            <a:schemeClr val="lt1"/>
+          </a:fontRef>
+        </p:style>
+        <p:txBody>
+          <a:bodyPr rtlCol="0" anchor="ctr"/>
+          <a:lstStyle/>
+          <a:p>
+            <a:pPr algn="ctr"/>
+            <a:r>
+              <a:rPr lang="en-US" altLang="ko-KR" sz="1000">
+                <a:solidFill>
+                  <a:schemeClr val="tx1"/>
+                </a:solidFill>
+              </a:rPr>
+              <a:t>4</a:t>
+            </a:r>
+            <a:endParaRPr lang="ko-KR" altLang="en-US" sz="1000">
+              <a:solidFill>
+                <a:schemeClr val="tx1"/>
+              </a:solidFill>
+            </a:endParaRPr>
+          </a:p>
+        </p:txBody>
+      </p:sp>
+      <p:sp>
+        <p:nvSpPr>
+          <p:cNvPr id="101" name="자유형: 도형 100">
+            <a:extLst>
+              <a:ext uri="{FF2B5EF4-FFF2-40B4-BE49-F238E27FC236}">
+                <a16:creationId xmlns:a16="http://schemas.microsoft.com/office/drawing/2014/main" id="{5D1A732B-1D03-4796-A83F-A1F53CC4F0F0}"/>
+              </a:ext>
+            </a:extLst>
+          </p:cNvPr>
+          <p:cNvSpPr/>
+          <p:nvPr/>
+        </p:nvSpPr>
+        <p:spPr>
+          <a:xfrm>
+            <a:off x="5830904" y="3174773"/>
+            <a:ext cx="536199" cy="549105"/>
+          </a:xfrm>
+          <a:custGeom>
+            <a:avLst/>
+            <a:gdLst>
+              <a:gd name="connsiteX0" fmla="*/ 0 w 511791"/>
+              <a:gd name="connsiteY0" fmla="*/ 0 h 225188"/>
+              <a:gd name="connsiteX1" fmla="*/ 0 w 511791"/>
+              <a:gd name="connsiteY1" fmla="*/ 225188 h 225188"/>
+              <a:gd name="connsiteX2" fmla="*/ 511791 w 511791"/>
+              <a:gd name="connsiteY2" fmla="*/ 225188 h 225188"/>
+              <a:gd name="connsiteX3" fmla="*/ 511791 w 511791"/>
+              <a:gd name="connsiteY3" fmla="*/ 0 h 225188"/>
+            </a:gdLst>
+            <a:ahLst/>
+            <a:cxnLst>
+              <a:cxn ang="0">
+                <a:pos x="connsiteX0" y="connsiteY0"/>
+              </a:cxn>
+              <a:cxn ang="0">
+                <a:pos x="connsiteX1" y="connsiteY1"/>
+              </a:cxn>
+              <a:cxn ang="0">
+                <a:pos x="connsiteX2" y="connsiteY2"/>
+              </a:cxn>
+              <a:cxn ang="0">
+                <a:pos x="connsiteX3" y="connsiteY3"/>
+              </a:cxn>
+            </a:cxnLst>
+            <a:rect l="l" t="t" r="r" b="b"/>
+            <a:pathLst>
+              <a:path w="511791" h="225188">
+                <a:moveTo>
+                  <a:pt x="0" y="0"/>
+                </a:moveTo>
+                <a:lnTo>
+                  <a:pt x="0" y="225188"/>
+                </a:lnTo>
+                <a:lnTo>
+                  <a:pt x="511791" y="225188"/>
+                </a:lnTo>
+                <a:lnTo>
+                  <a:pt x="511791" y="0"/>
+                </a:lnTo>
+              </a:path>
+            </a:pathLst>
+          </a:custGeom>
+          <a:noFill/>
+          <a:ln w="28575">
+            <a:solidFill>
+              <a:schemeClr val="tx2"/>
+            </a:solidFill>
+            <a:headEnd type="arrow" w="med" len="med"/>
+            <a:tailEnd type="none" w="med" len="med"/>
+          </a:ln>
+        </p:spPr>
+        <p:style>
+          <a:lnRef idx="2">
+            <a:schemeClr val="accent1">
+              <a:shade val="50000"/>
+            </a:schemeClr>
+          </a:lnRef>
+          <a:fillRef idx="1">
+            <a:schemeClr val="accent1"/>
+          </a:fillRef>
+          <a:effectRef idx="0">
+            <a:schemeClr val="accent1"/>
+          </a:effectRef>
+          <a:fontRef idx="minor">
+            <a:schemeClr val="lt1"/>
+          </a:fontRef>
+        </p:style>
+        <p:txBody>
+          <a:bodyPr rtlCol="0" anchor="ctr"/>
+          <a:lstStyle/>
+          <a:p>
+            <a:pPr algn="ctr"/>
+            <a:endParaRPr lang="ko-KR" altLang="en-US"/>
+          </a:p>
+        </p:txBody>
+      </p:sp>
+      <p:sp>
+        <p:nvSpPr>
+          <p:cNvPr id="102" name="타원 101">
+            <a:extLst>
+              <a:ext uri="{FF2B5EF4-FFF2-40B4-BE49-F238E27FC236}">
+                <a16:creationId xmlns:a16="http://schemas.microsoft.com/office/drawing/2014/main" id="{2DAA6C55-14BA-4571-9793-5DC61744D104}"/>
+              </a:ext>
+            </a:extLst>
+          </p:cNvPr>
+          <p:cNvSpPr/>
+          <p:nvPr/>
+        </p:nvSpPr>
+        <p:spPr>
+          <a:xfrm>
+            <a:off x="6263279" y="3175110"/>
+            <a:ext cx="216024" cy="216024"/>
+          </a:xfrm>
+          <a:prstGeom prst="ellipse">
+            <a:avLst/>
+          </a:prstGeom>
+          <a:solidFill>
+            <a:schemeClr val="bg1"/>
+          </a:solidFill>
+          <a:ln>
+            <a:solidFill>
+              <a:schemeClr val="tx2"/>
+            </a:solidFill>
+          </a:ln>
+        </p:spPr>
+        <p:style>
+          <a:lnRef idx="2">
+            <a:schemeClr val="accent1">
+              <a:shade val="50000"/>
+            </a:schemeClr>
+          </a:lnRef>
+          <a:fillRef idx="1">
+            <a:schemeClr val="accent1"/>
+          </a:fillRef>
+          <a:effectRef idx="0">
+            <a:schemeClr val="accent1"/>
+          </a:effectRef>
+          <a:fontRef idx="minor">
+            <a:schemeClr val="lt1"/>
+          </a:fontRef>
+        </p:style>
+        <p:txBody>
+          <a:bodyPr rtlCol="0" anchor="ctr"/>
+          <a:lstStyle/>
+          <a:p>
+            <a:pPr algn="ctr"/>
+            <a:r>
+              <a:rPr lang="en-US" altLang="ko-KR" sz="1000">
+                <a:solidFill>
+                  <a:schemeClr val="tx1"/>
+                </a:solidFill>
+              </a:rPr>
+              <a:t>5</a:t>
+            </a:r>
+            <a:endParaRPr lang="ko-KR" altLang="en-US" sz="1000">
+              <a:solidFill>
+                <a:schemeClr val="tx1"/>
+              </a:solidFill>
+            </a:endParaRPr>
+          </a:p>
+        </p:txBody>
+      </p:sp>
+      <p:cxnSp>
+        <p:nvCxnSpPr>
+          <p:cNvPr id="103" name="직선 화살표 연결선 102">
+            <a:extLst>
+              <a:ext uri="{FF2B5EF4-FFF2-40B4-BE49-F238E27FC236}">
+                <a16:creationId xmlns:a16="http://schemas.microsoft.com/office/drawing/2014/main" id="{365848AC-F6B3-4FBA-8D37-1F81E2713D98}"/>
+              </a:ext>
+            </a:extLst>
+          </p:cNvPr>
+          <p:cNvCxnSpPr>
+            <a:cxnSpLocks/>
+          </p:cNvCxnSpPr>
+          <p:nvPr/>
+        </p:nvCxnSpPr>
+        <p:spPr>
+          <a:xfrm>
+            <a:off x="5764545" y="1707654"/>
+            <a:ext cx="0" cy="648072"/>
+          </a:xfrm>
+          <a:prstGeom prst="straightConnector1">
+            <a:avLst/>
+          </a:prstGeom>
+          <a:ln w="28575">
+            <a:solidFill>
+              <a:schemeClr val="tx2"/>
+            </a:solidFill>
+            <a:headEnd type="arrow" w="med" len="med"/>
+            <a:tailEnd type="none" w="med" len="med"/>
+          </a:ln>
+        </p:spPr>
+        <p:style>
+          <a:lnRef idx="1">
+            <a:schemeClr val="accent1"/>
+          </a:lnRef>
+          <a:fillRef idx="0">
+            <a:schemeClr val="accent1"/>
+          </a:fillRef>
+          <a:effectRef idx="0">
+            <a:schemeClr val="accent1"/>
+          </a:effectRef>
+          <a:fontRef idx="minor">
+            <a:schemeClr val="tx1"/>
+          </a:fontRef>
+        </p:style>
+      </p:cxnSp>
+      <p:sp>
+        <p:nvSpPr>
+          <p:cNvPr id="104" name="타원 103">
+            <a:extLst>
+              <a:ext uri="{FF2B5EF4-FFF2-40B4-BE49-F238E27FC236}">
+                <a16:creationId xmlns:a16="http://schemas.microsoft.com/office/drawing/2014/main" id="{A3C01D25-4F0C-4E99-AA0F-A73733FB0F02}"/>
+              </a:ext>
+            </a:extLst>
+          </p:cNvPr>
+          <p:cNvSpPr/>
+          <p:nvPr/>
+        </p:nvSpPr>
+        <p:spPr>
+          <a:xfrm>
+            <a:off x="4228657" y="2047659"/>
+            <a:ext cx="216024" cy="216024"/>
+          </a:xfrm>
+          <a:prstGeom prst="ellipse">
+            <a:avLst/>
+          </a:prstGeom>
+          <a:solidFill>
+            <a:schemeClr val="bg1"/>
+          </a:solidFill>
+          <a:ln>
+            <a:solidFill>
+              <a:schemeClr val="tx2"/>
+            </a:solidFill>
+          </a:ln>
+        </p:spPr>
+        <p:style>
+          <a:lnRef idx="2">
+            <a:schemeClr val="accent1">
+              <a:shade val="50000"/>
+            </a:schemeClr>
+          </a:lnRef>
+          <a:fillRef idx="1">
+            <a:schemeClr val="accent1"/>
+          </a:fillRef>
+          <a:effectRef idx="0">
+            <a:schemeClr val="accent1"/>
+          </a:effectRef>
+          <a:fontRef idx="minor">
+            <a:schemeClr val="lt1"/>
+          </a:fontRef>
+        </p:style>
+        <p:txBody>
+          <a:bodyPr rtlCol="0" anchor="ctr"/>
+          <a:lstStyle/>
+          <a:p>
+            <a:pPr algn="ctr"/>
+            <a:r>
+              <a:rPr lang="en-US" altLang="ko-KR" sz="1000">
+                <a:solidFill>
+                  <a:schemeClr val="tx1"/>
+                </a:solidFill>
+              </a:rPr>
+              <a:t>6</a:t>
+            </a:r>
+            <a:endParaRPr lang="ko-KR" altLang="en-US" sz="1000">
+              <a:solidFill>
+                <a:schemeClr val="tx1"/>
+              </a:solidFill>
+            </a:endParaRPr>
+          </a:p>
+        </p:txBody>
+      </p:sp>
+      <p:sp>
+        <p:nvSpPr>
+          <p:cNvPr id="105" name="타원 104">
+            <a:extLst>
+              <a:ext uri="{FF2B5EF4-FFF2-40B4-BE49-F238E27FC236}">
+                <a16:creationId xmlns:a16="http://schemas.microsoft.com/office/drawing/2014/main" id="{498BE016-4202-4033-BF28-D9F103DC90D2}"/>
+              </a:ext>
+            </a:extLst>
+          </p:cNvPr>
+          <p:cNvSpPr/>
+          <p:nvPr/>
+        </p:nvSpPr>
+        <p:spPr>
+          <a:xfrm>
+            <a:off x="1115616" y="1671650"/>
+            <a:ext cx="216024" cy="216024"/>
+          </a:xfrm>
+          <a:prstGeom prst="ellipse">
+            <a:avLst/>
+          </a:prstGeom>
+          <a:solidFill>
+            <a:schemeClr val="bg1"/>
+          </a:solidFill>
+          <a:ln>
+            <a:solidFill>
+              <a:srgbClr val="C00000"/>
+            </a:solidFill>
+          </a:ln>
+        </p:spPr>
+        <p:style>
+          <a:lnRef idx="2">
+            <a:schemeClr val="accent1">
+              <a:shade val="50000"/>
+            </a:schemeClr>
+          </a:lnRef>
+          <a:fillRef idx="1">
+            <a:schemeClr val="accent1"/>
+          </a:fillRef>
+          <a:effectRef idx="0">
+            <a:schemeClr val="accent1"/>
+          </a:effectRef>
+          <a:fontRef idx="minor">
+            <a:schemeClr val="lt1"/>
+          </a:fontRef>
+        </p:style>
+        <p:txBody>
+          <a:bodyPr rtlCol="0" anchor="ctr"/>
+          <a:lstStyle/>
+          <a:p>
+            <a:pPr algn="ctr"/>
+            <a:r>
+              <a:rPr lang="en-US" altLang="ko-KR" sz="1000">
+                <a:solidFill>
+                  <a:schemeClr val="tx1"/>
+                </a:solidFill>
+              </a:rPr>
+              <a:t>1</a:t>
+            </a:r>
+            <a:endParaRPr lang="ko-KR" altLang="en-US" sz="1000">
+              <a:solidFill>
+                <a:schemeClr val="tx1"/>
+              </a:solidFill>
+            </a:endParaRPr>
+          </a:p>
+        </p:txBody>
+      </p:sp>
+      <p:sp>
+        <p:nvSpPr>
+          <p:cNvPr id="106" name="타원 105">
+            <a:extLst>
+              <a:ext uri="{FF2B5EF4-FFF2-40B4-BE49-F238E27FC236}">
+                <a16:creationId xmlns:a16="http://schemas.microsoft.com/office/drawing/2014/main" id="{61D795DD-D17D-4FF8-A128-B778BA730F2F}"/>
+              </a:ext>
+            </a:extLst>
+          </p:cNvPr>
+          <p:cNvSpPr/>
+          <p:nvPr/>
+        </p:nvSpPr>
+        <p:spPr>
+          <a:xfrm>
+            <a:off x="2842970" y="1671650"/>
+            <a:ext cx="216024" cy="216024"/>
+          </a:xfrm>
+          <a:prstGeom prst="ellipse">
+            <a:avLst/>
+          </a:prstGeom>
+          <a:solidFill>
+            <a:schemeClr val="bg1"/>
+          </a:solidFill>
+          <a:ln>
+            <a:solidFill>
+              <a:srgbClr val="C00000"/>
+            </a:solidFill>
+          </a:ln>
+        </p:spPr>
+        <p:style>
+          <a:lnRef idx="2">
+            <a:schemeClr val="accent1">
+              <a:shade val="50000"/>
+            </a:schemeClr>
+          </a:lnRef>
+          <a:fillRef idx="1">
+            <a:schemeClr val="accent1"/>
+          </a:fillRef>
+          <a:effectRef idx="0">
+            <a:schemeClr val="accent1"/>
+          </a:effectRef>
+          <a:fontRef idx="minor">
+            <a:schemeClr val="lt1"/>
+          </a:fontRef>
+        </p:style>
+        <p:txBody>
+          <a:bodyPr rtlCol="0" anchor="ctr"/>
+          <a:lstStyle/>
+          <a:p>
+            <a:pPr algn="ctr"/>
+            <a:r>
+              <a:rPr lang="en-US" altLang="ko-KR" sz="1000">
+                <a:solidFill>
+                  <a:schemeClr val="tx1"/>
+                </a:solidFill>
+              </a:rPr>
+              <a:t>3</a:t>
+            </a:r>
+            <a:endParaRPr lang="ko-KR" altLang="en-US" sz="1000">
+              <a:solidFill>
+                <a:schemeClr val="tx1"/>
+              </a:solidFill>
+            </a:endParaRPr>
+          </a:p>
+        </p:txBody>
+      </p:sp>
+      <p:cxnSp>
+        <p:nvCxnSpPr>
+          <p:cNvPr id="108" name="직선 연결선 107">
+            <a:extLst>
+              <a:ext uri="{FF2B5EF4-FFF2-40B4-BE49-F238E27FC236}">
+                <a16:creationId xmlns:a16="http://schemas.microsoft.com/office/drawing/2014/main" id="{D0C2B2FA-1943-4E6D-9508-81CD431DFA35}"/>
+              </a:ext>
+            </a:extLst>
+          </p:cNvPr>
+          <p:cNvCxnSpPr>
+            <a:cxnSpLocks/>
+          </p:cNvCxnSpPr>
+          <p:nvPr/>
+        </p:nvCxnSpPr>
+        <p:spPr>
+          <a:xfrm>
+            <a:off x="2359092" y="2031690"/>
+            <a:ext cx="190032" cy="0"/>
+          </a:xfrm>
+          <a:prstGeom prst="line">
+            <a:avLst/>
+          </a:prstGeom>
+          <a:ln w="28575">
+            <a:solidFill>
+              <a:srgbClr val="C00000"/>
+            </a:solidFill>
+          </a:ln>
+        </p:spPr>
+        <p:style>
+          <a:lnRef idx="1">
+            <a:schemeClr val="accent1"/>
+          </a:lnRef>
+          <a:fillRef idx="0">
+            <a:schemeClr val="accent1"/>
+          </a:fillRef>
+          <a:effectRef idx="0">
+            <a:schemeClr val="accent1"/>
+          </a:effectRef>
+          <a:fontRef idx="minor">
+            <a:schemeClr val="tx1"/>
+          </a:fontRef>
+        </p:style>
+      </p:cxnSp>
+      <p:cxnSp>
+        <p:nvCxnSpPr>
+          <p:cNvPr id="110" name="직선 연결선 109">
+            <a:extLst>
+              <a:ext uri="{FF2B5EF4-FFF2-40B4-BE49-F238E27FC236}">
+                <a16:creationId xmlns:a16="http://schemas.microsoft.com/office/drawing/2014/main" id="{2CD67C8C-323E-46F9-815F-E890A36AE1BA}"/>
+              </a:ext>
+            </a:extLst>
+          </p:cNvPr>
+          <p:cNvCxnSpPr>
+            <a:cxnSpLocks/>
+          </p:cNvCxnSpPr>
+          <p:nvPr/>
+        </p:nvCxnSpPr>
+        <p:spPr>
+          <a:xfrm>
+            <a:off x="2752511" y="2031690"/>
+            <a:ext cx="190032" cy="0"/>
+          </a:xfrm>
+          <a:prstGeom prst="line">
+            <a:avLst/>
+          </a:prstGeom>
+          <a:ln w="28575">
+            <a:solidFill>
+              <a:srgbClr val="C00000"/>
+            </a:solidFill>
+          </a:ln>
+        </p:spPr>
+        <p:style>
+          <a:lnRef idx="1">
+            <a:schemeClr val="accent1"/>
+          </a:lnRef>
+          <a:fillRef idx="0">
+            <a:schemeClr val="accent1"/>
+          </a:fillRef>
+          <a:effectRef idx="0">
+            <a:schemeClr val="accent1"/>
+          </a:effectRef>
+          <a:fontRef idx="minor">
+            <a:schemeClr val="tx1"/>
+          </a:fontRef>
+        </p:style>
+      </p:cxnSp>
+      <p:grpSp>
+        <p:nvGrpSpPr>
+          <p:cNvPr id="111" name="그룹 110">
+            <a:extLst>
+              <a:ext uri="{FF2B5EF4-FFF2-40B4-BE49-F238E27FC236}">
+                <a16:creationId xmlns:a16="http://schemas.microsoft.com/office/drawing/2014/main" id="{950D4EB2-FBAC-4997-96FA-DF2657D925CF}"/>
+              </a:ext>
+            </a:extLst>
+          </p:cNvPr>
+          <p:cNvGrpSpPr/>
+          <p:nvPr/>
+        </p:nvGrpSpPr>
+        <p:grpSpPr>
+          <a:xfrm>
+            <a:off x="4349324" y="1419622"/>
+            <a:ext cx="1145242" cy="504056"/>
+            <a:chOff x="3434430" y="1563638"/>
+            <a:chExt cx="1137570" cy="576064"/>
+          </a:xfrm>
+        </p:grpSpPr>
+        <p:sp>
+          <p:nvSpPr>
+            <p:cNvPr id="112" name="직사각형 111">
+              <a:extLst>
+                <a:ext uri="{FF2B5EF4-FFF2-40B4-BE49-F238E27FC236}">
+                  <a16:creationId xmlns:a16="http://schemas.microsoft.com/office/drawing/2014/main" id="{3C8F266E-83BD-4435-A591-757CF4C322B1}"/>
+                </a:ext>
+              </a:extLst>
+            </p:cNvPr>
+            <p:cNvSpPr/>
+            <p:nvPr/>
+          </p:nvSpPr>
+          <p:spPr>
+            <a:xfrm>
+              <a:off x="3434430" y="1563638"/>
+              <a:ext cx="1137570" cy="288032"/>
+            </a:xfrm>
+            <a:prstGeom prst="rect">
+              <a:avLst/>
+            </a:prstGeom>
+          </p:spPr>
+          <p:style>
+            <a:lnRef idx="2">
+              <a:schemeClr val="dk1"/>
+            </a:lnRef>
+            <a:fillRef idx="1">
+              <a:schemeClr val="lt1"/>
+            </a:fillRef>
+            <a:effectRef idx="0">
+              <a:schemeClr val="dk1"/>
+            </a:effectRef>
+            <a:fontRef idx="minor">
+              <a:schemeClr val="dk1"/>
+            </a:fontRef>
+          </p:style>
+          <p:txBody>
+            <a:bodyPr rtlCol="0" anchor="ctr"/>
+            <a:lstStyle/>
+            <a:p>
+              <a:pPr algn="ctr"/>
+              <a:r>
+                <a:rPr lang="en-US" altLang="ko-KR" sz="1000"/>
+                <a:t>Src - 10.0.0.10</a:t>
+              </a:r>
+              <a:endParaRPr lang="ko-KR" altLang="en-US" sz="1000"/>
+            </a:p>
+          </p:txBody>
+        </p:sp>
+        <p:sp>
+          <p:nvSpPr>
+            <p:cNvPr id="113" name="직사각형 112">
+              <a:extLst>
+                <a:ext uri="{FF2B5EF4-FFF2-40B4-BE49-F238E27FC236}">
+                  <a16:creationId xmlns:a16="http://schemas.microsoft.com/office/drawing/2014/main" id="{22E18538-E554-4AA3-B28F-55A4698AE5D3}"/>
+                </a:ext>
+              </a:extLst>
+            </p:cNvPr>
+            <p:cNvSpPr/>
+            <p:nvPr/>
+          </p:nvSpPr>
+          <p:spPr>
+            <a:xfrm>
+              <a:off x="3434430" y="1851670"/>
+              <a:ext cx="1137570" cy="288032"/>
+            </a:xfrm>
+            <a:prstGeom prst="rect">
+              <a:avLst/>
+            </a:prstGeom>
+          </p:spPr>
+          <p:style>
+            <a:lnRef idx="2">
+              <a:schemeClr val="dk1"/>
+            </a:lnRef>
+            <a:fillRef idx="1">
+              <a:schemeClr val="lt1"/>
+            </a:fillRef>
+            <a:effectRef idx="0">
+              <a:schemeClr val="dk1"/>
+            </a:effectRef>
+            <a:fontRef idx="minor">
+              <a:schemeClr val="dk1"/>
+            </a:fontRef>
+          </p:style>
+          <p:txBody>
+            <a:bodyPr rtlCol="0" anchor="ctr"/>
+            <a:lstStyle/>
+            <a:p>
+              <a:pPr algn="ctr"/>
+              <a:r>
+                <a:rPr lang="en-US" altLang="ko-KR" sz="1000"/>
+                <a:t>Dest - 20.0.0.2 </a:t>
+              </a:r>
+              <a:endParaRPr lang="ko-KR" altLang="en-US" sz="1000"/>
+            </a:p>
+          </p:txBody>
+        </p:sp>
+      </p:grpSp>
+      <p:grpSp>
+        <p:nvGrpSpPr>
+          <p:cNvPr id="115" name="그룹 114">
+            <a:extLst>
+              <a:ext uri="{FF2B5EF4-FFF2-40B4-BE49-F238E27FC236}">
+                <a16:creationId xmlns:a16="http://schemas.microsoft.com/office/drawing/2014/main" id="{EF0F99B6-457B-48DC-879C-A86FDEF5071C}"/>
+              </a:ext>
+            </a:extLst>
+          </p:cNvPr>
+          <p:cNvGrpSpPr/>
+          <p:nvPr/>
+        </p:nvGrpSpPr>
+        <p:grpSpPr>
+          <a:xfrm>
+            <a:off x="6653579" y="1435154"/>
+            <a:ext cx="1145243" cy="504055"/>
+            <a:chOff x="3434430" y="1563638"/>
+            <a:chExt cx="1137571" cy="576063"/>
+          </a:xfrm>
+        </p:grpSpPr>
+        <p:sp>
+          <p:nvSpPr>
+            <p:cNvPr id="116" name="직사각형 115">
+              <a:extLst>
+                <a:ext uri="{FF2B5EF4-FFF2-40B4-BE49-F238E27FC236}">
+                  <a16:creationId xmlns:a16="http://schemas.microsoft.com/office/drawing/2014/main" id="{7D117163-551E-4665-A55B-0E22C63B3D04}"/>
+                </a:ext>
+              </a:extLst>
+            </p:cNvPr>
+            <p:cNvSpPr/>
+            <p:nvPr/>
+          </p:nvSpPr>
+          <p:spPr>
+            <a:xfrm>
+              <a:off x="3434430" y="1563638"/>
+              <a:ext cx="1137570" cy="288032"/>
+            </a:xfrm>
+            <a:prstGeom prst="rect">
+              <a:avLst/>
+            </a:prstGeom>
+          </p:spPr>
+          <p:style>
+            <a:lnRef idx="2">
+              <a:schemeClr val="dk1"/>
+            </a:lnRef>
+            <a:fillRef idx="1">
+              <a:schemeClr val="lt1"/>
+            </a:fillRef>
+            <a:effectRef idx="0">
+              <a:schemeClr val="dk1"/>
+            </a:effectRef>
+            <a:fontRef idx="minor">
+              <a:schemeClr val="dk1"/>
+            </a:fontRef>
+          </p:style>
+          <p:txBody>
+            <a:bodyPr rtlCol="0" anchor="ctr"/>
+            <a:lstStyle/>
+            <a:p>
+              <a:pPr algn="ctr"/>
+              <a:r>
+                <a:rPr lang="en-US" altLang="ko-KR" sz="1000" b="1"/>
+                <a:t>Src - 10.0.0.1</a:t>
+              </a:r>
+              <a:endParaRPr lang="ko-KR" altLang="en-US" sz="1000" b="1"/>
+            </a:p>
+          </p:txBody>
+        </p:sp>
+        <p:sp>
+          <p:nvSpPr>
+            <p:cNvPr id="117" name="직사각형 116">
+              <a:extLst>
+                <a:ext uri="{FF2B5EF4-FFF2-40B4-BE49-F238E27FC236}">
+                  <a16:creationId xmlns:a16="http://schemas.microsoft.com/office/drawing/2014/main" id="{2C1293F1-BBB6-42C4-89DB-C5CD99D3F510}"/>
+                </a:ext>
+              </a:extLst>
+            </p:cNvPr>
+            <p:cNvSpPr/>
+            <p:nvPr/>
+          </p:nvSpPr>
+          <p:spPr>
+            <a:xfrm>
+              <a:off x="3434431" y="1851669"/>
+              <a:ext cx="1137570" cy="288032"/>
+            </a:xfrm>
+            <a:prstGeom prst="rect">
+              <a:avLst/>
+            </a:prstGeom>
+          </p:spPr>
+          <p:style>
+            <a:lnRef idx="2">
+              <a:schemeClr val="dk1"/>
+            </a:lnRef>
+            <a:fillRef idx="1">
+              <a:schemeClr val="lt1"/>
+            </a:fillRef>
+            <a:effectRef idx="0">
+              <a:schemeClr val="dk1"/>
+            </a:effectRef>
+            <a:fontRef idx="minor">
+              <a:schemeClr val="dk1"/>
+            </a:fontRef>
+          </p:style>
+          <p:txBody>
+            <a:bodyPr rtlCol="0" anchor="ctr"/>
+            <a:lstStyle/>
+            <a:p>
+              <a:pPr algn="ctr"/>
+              <a:r>
+                <a:rPr lang="en-US" altLang="ko-KR" sz="1000"/>
+                <a:t>Dest - 10.0.0.10 </a:t>
+              </a:r>
+              <a:endParaRPr lang="ko-KR" altLang="en-US" sz="1000"/>
+            </a:p>
+          </p:txBody>
+        </p:sp>
+      </p:grpSp>
+      <p:cxnSp>
+        <p:nvCxnSpPr>
+          <p:cNvPr id="118" name="직선 연결선 117">
+            <a:extLst>
+              <a:ext uri="{FF2B5EF4-FFF2-40B4-BE49-F238E27FC236}">
+                <a16:creationId xmlns:a16="http://schemas.microsoft.com/office/drawing/2014/main" id="{3FFFE4D3-DC4B-4B7E-B1F2-3D7CB61047BA}"/>
+              </a:ext>
+            </a:extLst>
+          </p:cNvPr>
+          <p:cNvCxnSpPr>
+            <a:cxnSpLocks/>
+          </p:cNvCxnSpPr>
+          <p:nvPr/>
+        </p:nvCxnSpPr>
+        <p:spPr>
+          <a:xfrm>
+            <a:off x="5478926" y="1661245"/>
+            <a:ext cx="498952" cy="347240"/>
+          </a:xfrm>
+          <a:prstGeom prst="line">
+            <a:avLst/>
+          </a:prstGeom>
+          <a:ln w="28575">
+            <a:solidFill>
+              <a:srgbClr val="C00000"/>
+            </a:solidFill>
+          </a:ln>
+        </p:spPr>
+        <p:style>
+          <a:lnRef idx="1">
+            <a:schemeClr val="accent1"/>
+          </a:lnRef>
+          <a:fillRef idx="0">
+            <a:schemeClr val="accent1"/>
+          </a:fillRef>
+          <a:effectRef idx="0">
+            <a:schemeClr val="accent1"/>
+          </a:effectRef>
+          <a:fontRef idx="minor">
+            <a:schemeClr val="tx1"/>
+          </a:fontRef>
+        </p:style>
+      </p:cxnSp>
+      <p:sp>
+        <p:nvSpPr>
+          <p:cNvPr id="96" name="타원 95">
+            <a:extLst>
+              <a:ext uri="{FF2B5EF4-FFF2-40B4-BE49-F238E27FC236}">
+                <a16:creationId xmlns:a16="http://schemas.microsoft.com/office/drawing/2014/main" id="{65A96D54-A321-4978-848C-D75FD71E94E9}"/>
+              </a:ext>
+            </a:extLst>
+          </p:cNvPr>
+          <p:cNvSpPr/>
+          <p:nvPr/>
+        </p:nvSpPr>
+        <p:spPr>
+          <a:xfrm>
+            <a:off x="4244428" y="1302566"/>
+            <a:ext cx="216024" cy="216024"/>
+          </a:xfrm>
+          <a:prstGeom prst="ellipse">
+            <a:avLst/>
+          </a:prstGeom>
+          <a:solidFill>
+            <a:schemeClr val="bg1"/>
+          </a:solidFill>
+          <a:ln>
+            <a:solidFill>
+              <a:srgbClr val="C00000"/>
+            </a:solidFill>
+          </a:ln>
+        </p:spPr>
+        <p:style>
+          <a:lnRef idx="2">
+            <a:schemeClr val="accent1">
+              <a:shade val="50000"/>
+            </a:schemeClr>
+          </a:lnRef>
+          <a:fillRef idx="1">
+            <a:schemeClr val="accent1"/>
+          </a:fillRef>
+          <a:effectRef idx="0">
+            <a:schemeClr val="accent1"/>
+          </a:effectRef>
+          <a:fontRef idx="minor">
+            <a:schemeClr val="lt1"/>
+          </a:fontRef>
+        </p:style>
+        <p:txBody>
+          <a:bodyPr rtlCol="0" anchor="ctr"/>
+          <a:lstStyle/>
+          <a:p>
+            <a:pPr algn="ctr"/>
+            <a:r>
+              <a:rPr lang="en-US" altLang="ko-KR" sz="1000">
+                <a:solidFill>
+                  <a:schemeClr val="tx1"/>
+                </a:solidFill>
+              </a:rPr>
+              <a:t>1</a:t>
+            </a:r>
+            <a:endParaRPr lang="ko-KR" altLang="en-US" sz="1000">
+              <a:solidFill>
+                <a:schemeClr val="tx1"/>
+              </a:solidFill>
+            </a:endParaRPr>
+          </a:p>
+        </p:txBody>
+      </p:sp>
+      <p:cxnSp>
+        <p:nvCxnSpPr>
+          <p:cNvPr id="122" name="직선 연결선 121">
+            <a:extLst>
+              <a:ext uri="{FF2B5EF4-FFF2-40B4-BE49-F238E27FC236}">
+                <a16:creationId xmlns:a16="http://schemas.microsoft.com/office/drawing/2014/main" id="{2489DE7E-4295-4585-92EC-0CDFBFF9F9E8}"/>
+              </a:ext>
+            </a:extLst>
+          </p:cNvPr>
+          <p:cNvCxnSpPr>
+            <a:cxnSpLocks/>
+          </p:cNvCxnSpPr>
+          <p:nvPr/>
+        </p:nvCxnSpPr>
+        <p:spPr>
+          <a:xfrm flipV="1">
+            <a:off x="5484555" y="2002086"/>
+            <a:ext cx="287414" cy="388253"/>
+          </a:xfrm>
+          <a:prstGeom prst="line">
+            <a:avLst/>
+          </a:prstGeom>
+          <a:ln w="28575">
+            <a:solidFill>
+              <a:schemeClr val="tx2"/>
+            </a:solidFill>
+          </a:ln>
+        </p:spPr>
+        <p:style>
+          <a:lnRef idx="1">
+            <a:schemeClr val="accent1"/>
+          </a:lnRef>
+          <a:fillRef idx="0">
+            <a:schemeClr val="accent1"/>
+          </a:fillRef>
+          <a:effectRef idx="0">
+            <a:schemeClr val="accent1"/>
+          </a:effectRef>
+          <a:fontRef idx="minor">
+            <a:schemeClr val="tx1"/>
+          </a:fontRef>
+        </p:style>
+      </p:cxnSp>
+      <p:sp>
+        <p:nvSpPr>
+          <p:cNvPr id="97" name="타원 96">
+            <a:extLst>
+              <a:ext uri="{FF2B5EF4-FFF2-40B4-BE49-F238E27FC236}">
+                <a16:creationId xmlns:a16="http://schemas.microsoft.com/office/drawing/2014/main" id="{C297AB26-955F-48E9-9CAB-0381AE27A890}"/>
+              </a:ext>
+            </a:extLst>
+          </p:cNvPr>
+          <p:cNvSpPr/>
+          <p:nvPr/>
+        </p:nvSpPr>
+        <p:spPr>
+          <a:xfrm>
+            <a:off x="7686621" y="1318097"/>
+            <a:ext cx="216024" cy="216024"/>
+          </a:xfrm>
+          <a:prstGeom prst="ellipse">
+            <a:avLst/>
+          </a:prstGeom>
+          <a:solidFill>
+            <a:schemeClr val="bg1"/>
+          </a:solidFill>
+          <a:ln>
+            <a:solidFill>
+              <a:srgbClr val="C00000"/>
+            </a:solidFill>
+          </a:ln>
+        </p:spPr>
+        <p:style>
+          <a:lnRef idx="2">
+            <a:schemeClr val="accent1">
+              <a:shade val="50000"/>
+            </a:schemeClr>
+          </a:lnRef>
+          <a:fillRef idx="1">
+            <a:schemeClr val="accent1"/>
+          </a:fillRef>
+          <a:effectRef idx="0">
+            <a:schemeClr val="accent1"/>
+          </a:effectRef>
+          <a:fontRef idx="minor">
+            <a:schemeClr val="lt1"/>
+          </a:fontRef>
+        </p:style>
+        <p:txBody>
+          <a:bodyPr rtlCol="0" anchor="ctr"/>
+          <a:lstStyle/>
+          <a:p>
+            <a:pPr algn="ctr"/>
+            <a:r>
+              <a:rPr lang="en-US" altLang="ko-KR" sz="1000">
+                <a:solidFill>
+                  <a:schemeClr val="tx1"/>
+                </a:solidFill>
+              </a:rPr>
+              <a:t>3</a:t>
+            </a:r>
+            <a:endParaRPr lang="ko-KR" altLang="en-US" sz="1000">
+              <a:solidFill>
+                <a:schemeClr val="tx1"/>
+              </a:solidFill>
+            </a:endParaRPr>
+          </a:p>
+        </p:txBody>
+      </p:sp>
+      <p:cxnSp>
+        <p:nvCxnSpPr>
+          <p:cNvPr id="126" name="직선 연결선 125">
+            <a:extLst>
+              <a:ext uri="{FF2B5EF4-FFF2-40B4-BE49-F238E27FC236}">
+                <a16:creationId xmlns:a16="http://schemas.microsoft.com/office/drawing/2014/main" id="{B74DC97E-8730-48D4-9FEB-1F200892A110}"/>
+              </a:ext>
+            </a:extLst>
+          </p:cNvPr>
+          <p:cNvCxnSpPr>
+            <a:cxnSpLocks/>
+          </p:cNvCxnSpPr>
+          <p:nvPr/>
+        </p:nvCxnSpPr>
+        <p:spPr>
+          <a:xfrm flipV="1">
+            <a:off x="6189637" y="1684449"/>
+            <a:ext cx="463942" cy="347242"/>
+          </a:xfrm>
+          <a:prstGeom prst="line">
+            <a:avLst/>
+          </a:prstGeom>
+          <a:ln w="28575">
+            <a:solidFill>
+              <a:srgbClr val="C00000"/>
+            </a:solidFill>
+          </a:ln>
+        </p:spPr>
+        <p:style>
+          <a:lnRef idx="1">
+            <a:schemeClr val="accent1"/>
+          </a:lnRef>
+          <a:fillRef idx="0">
+            <a:schemeClr val="accent1"/>
+          </a:fillRef>
+          <a:effectRef idx="0">
+            <a:schemeClr val="accent1"/>
+          </a:effectRef>
+          <a:fontRef idx="minor">
+            <a:schemeClr val="tx1"/>
+          </a:fontRef>
+        </p:style>
+      </p:cxnSp>
+      <p:cxnSp>
+        <p:nvCxnSpPr>
+          <p:cNvPr id="129" name="직선 연결선 128">
+            <a:extLst>
+              <a:ext uri="{FF2B5EF4-FFF2-40B4-BE49-F238E27FC236}">
+                <a16:creationId xmlns:a16="http://schemas.microsoft.com/office/drawing/2014/main" id="{C0AD929B-5EAC-4EDD-9623-2AC76F65744E}"/>
+              </a:ext>
+            </a:extLst>
+          </p:cNvPr>
+          <p:cNvCxnSpPr>
+            <a:cxnSpLocks/>
+          </p:cNvCxnSpPr>
+          <p:nvPr/>
+        </p:nvCxnSpPr>
+        <p:spPr>
+          <a:xfrm>
+            <a:off x="6385606" y="2008485"/>
+            <a:ext cx="267973" cy="378653"/>
+          </a:xfrm>
+          <a:prstGeom prst="line">
+            <a:avLst/>
+          </a:prstGeom>
+          <a:ln w="28575">
+            <a:solidFill>
+              <a:schemeClr val="tx2"/>
+            </a:solidFill>
+          </a:ln>
+        </p:spPr>
+        <p:style>
+          <a:lnRef idx="1">
+            <a:schemeClr val="accent1"/>
+          </a:lnRef>
+          <a:fillRef idx="0">
+            <a:schemeClr val="accent1"/>
+          </a:fillRef>
+          <a:effectRef idx="0">
+            <a:schemeClr val="accent1"/>
+          </a:effectRef>
+          <a:fontRef idx="minor">
+            <a:schemeClr val="tx1"/>
+          </a:fontRef>
+        </p:style>
+      </p:cxnSp>
+      <p:sp>
+        <p:nvSpPr>
+          <p:cNvPr id="132" name="TextBox 131">
+            <a:extLst>
+              <a:ext uri="{FF2B5EF4-FFF2-40B4-BE49-F238E27FC236}">
+                <a16:creationId xmlns:a16="http://schemas.microsoft.com/office/drawing/2014/main" id="{7FD8880E-7B17-42EA-A61D-42897157D230}"/>
+              </a:ext>
+            </a:extLst>
+          </p:cNvPr>
+          <p:cNvSpPr txBox="1"/>
+          <p:nvPr/>
+        </p:nvSpPr>
+        <p:spPr>
+          <a:xfrm>
+            <a:off x="6482231" y="3252318"/>
+            <a:ext cx="558166" cy="400110"/>
+          </a:xfrm>
+          <a:prstGeom prst="rect">
+            <a:avLst/>
+          </a:prstGeom>
+          <a:noFill/>
+        </p:spPr>
+        <p:txBody>
+          <a:bodyPr wrap="none" rtlCol="0">
+            <a:spAutoFit/>
+          </a:bodyPr>
+          <a:lstStyle/>
+          <a:p>
+            <a:r>
+              <a:rPr lang="en-US" altLang="ko-KR" sz="1000" b="1"/>
+              <a:t>SNAT,</a:t>
+            </a:r>
+          </a:p>
+          <a:p>
+            <a:r>
+              <a:rPr lang="en-US" altLang="ko-KR" sz="1000" b="1"/>
+              <a:t>DNAT</a:t>
+            </a:r>
+          </a:p>
+        </p:txBody>
+      </p:sp>
+      <p:cxnSp>
+        <p:nvCxnSpPr>
+          <p:cNvPr id="133" name="직선 연결선 132">
+            <a:extLst>
+              <a:ext uri="{FF2B5EF4-FFF2-40B4-BE49-F238E27FC236}">
+                <a16:creationId xmlns:a16="http://schemas.microsoft.com/office/drawing/2014/main" id="{CB1D9AB2-159B-4CCC-AF1A-F422C8055445}"/>
+              </a:ext>
+            </a:extLst>
+          </p:cNvPr>
+          <p:cNvCxnSpPr>
+            <a:cxnSpLocks/>
+          </p:cNvCxnSpPr>
+          <p:nvPr/>
+        </p:nvCxnSpPr>
+        <p:spPr>
+          <a:xfrm>
+            <a:off x="5596225" y="3391134"/>
+            <a:ext cx="424711" cy="115631"/>
+          </a:xfrm>
+          <a:prstGeom prst="line">
+            <a:avLst/>
+          </a:prstGeom>
+          <a:ln w="28575">
+            <a:solidFill>
+              <a:srgbClr val="C00000"/>
+            </a:solidFill>
+          </a:ln>
+        </p:spPr>
+        <p:style>
+          <a:lnRef idx="1">
+            <a:schemeClr val="accent1"/>
+          </a:lnRef>
+          <a:fillRef idx="0">
+            <a:schemeClr val="accent1"/>
+          </a:fillRef>
+          <a:effectRef idx="0">
+            <a:schemeClr val="accent1"/>
+          </a:effectRef>
+          <a:fontRef idx="minor">
+            <a:schemeClr val="tx1"/>
+          </a:fontRef>
+        </p:style>
+      </p:cxnSp>
+      <p:cxnSp>
+        <p:nvCxnSpPr>
+          <p:cNvPr id="139" name="직선 연결선 138">
+            <a:extLst>
+              <a:ext uri="{FF2B5EF4-FFF2-40B4-BE49-F238E27FC236}">
+                <a16:creationId xmlns:a16="http://schemas.microsoft.com/office/drawing/2014/main" id="{87CE3E14-38FD-40BC-AF06-AFB6FD6DCC11}"/>
+              </a:ext>
+            </a:extLst>
+          </p:cNvPr>
+          <p:cNvCxnSpPr>
+            <a:cxnSpLocks/>
+            <a:stCxn id="132" idx="1"/>
+          </p:cNvCxnSpPr>
+          <p:nvPr/>
+        </p:nvCxnSpPr>
+        <p:spPr>
+          <a:xfrm flipH="1">
+            <a:off x="6365730" y="3452373"/>
+            <a:ext cx="116501" cy="0"/>
+          </a:xfrm>
+          <a:prstGeom prst="line">
+            <a:avLst/>
+          </a:prstGeom>
+          <a:ln w="28575">
+            <a:solidFill>
+              <a:schemeClr val="tx2"/>
+            </a:solidFill>
+          </a:ln>
+        </p:spPr>
+        <p:style>
+          <a:lnRef idx="1">
+            <a:schemeClr val="accent1"/>
+          </a:lnRef>
+          <a:fillRef idx="0">
+            <a:schemeClr val="accent1"/>
+          </a:fillRef>
+          <a:effectRef idx="0">
+            <a:schemeClr val="accent1"/>
+          </a:effectRef>
+          <a:fontRef idx="minor">
+            <a:schemeClr val="tx1"/>
+          </a:fontRef>
+        </p:style>
+      </p:cxnSp>
+      <p:cxnSp>
+        <p:nvCxnSpPr>
+          <p:cNvPr id="143" name="직선 연결선 142">
+            <a:extLst>
+              <a:ext uri="{FF2B5EF4-FFF2-40B4-BE49-F238E27FC236}">
+                <a16:creationId xmlns:a16="http://schemas.microsoft.com/office/drawing/2014/main" id="{C1551A41-6037-411D-9EE5-513BD955C8D0}"/>
+              </a:ext>
+            </a:extLst>
+          </p:cNvPr>
+          <p:cNvCxnSpPr>
+            <a:cxnSpLocks/>
+            <a:stCxn id="39" idx="3"/>
+          </p:cNvCxnSpPr>
+          <p:nvPr/>
+        </p:nvCxnSpPr>
+        <p:spPr>
+          <a:xfrm>
+            <a:off x="2442714" y="3444052"/>
+            <a:ext cx="139716" cy="0"/>
+          </a:xfrm>
+          <a:prstGeom prst="line">
+            <a:avLst/>
+          </a:prstGeom>
+          <a:ln w="28575">
+            <a:solidFill>
+              <a:srgbClr val="C00000"/>
+            </a:solidFill>
+          </a:ln>
+        </p:spPr>
+        <p:style>
+          <a:lnRef idx="1">
+            <a:schemeClr val="accent1"/>
+          </a:lnRef>
+          <a:fillRef idx="0">
+            <a:schemeClr val="accent1"/>
+          </a:fillRef>
+          <a:effectRef idx="0">
+            <a:schemeClr val="accent1"/>
+          </a:effectRef>
+          <a:fontRef idx="minor">
+            <a:schemeClr val="tx1"/>
+          </a:fontRef>
+        </p:style>
+      </p:cxnSp>
+      <p:grpSp>
+        <p:nvGrpSpPr>
+          <p:cNvPr id="156" name="그룹 155">
+            <a:extLst>
+              <a:ext uri="{FF2B5EF4-FFF2-40B4-BE49-F238E27FC236}">
+                <a16:creationId xmlns:a16="http://schemas.microsoft.com/office/drawing/2014/main" id="{CDFD543F-E932-45F6-94AA-86C436695927}"/>
+              </a:ext>
+            </a:extLst>
+          </p:cNvPr>
+          <p:cNvGrpSpPr/>
+          <p:nvPr/>
+        </p:nvGrpSpPr>
+        <p:grpSpPr>
+          <a:xfrm>
+            <a:off x="3891340" y="3098788"/>
+            <a:ext cx="1277454" cy="841114"/>
+            <a:chOff x="2968774" y="3003798"/>
+            <a:chExt cx="1277454" cy="841114"/>
+          </a:xfrm>
+        </p:grpSpPr>
+        <p:cxnSp>
+          <p:nvCxnSpPr>
+            <p:cNvPr id="149" name="직선 화살표 연결선 148">
+              <a:extLst>
+                <a:ext uri="{FF2B5EF4-FFF2-40B4-BE49-F238E27FC236}">
+                  <a16:creationId xmlns:a16="http://schemas.microsoft.com/office/drawing/2014/main" id="{25BB678F-D3E4-47F4-AF2C-4C7DC47181CB}"/>
+                </a:ext>
+              </a:extLst>
+            </p:cNvPr>
+            <p:cNvCxnSpPr>
+              <a:cxnSpLocks/>
+            </p:cNvCxnSpPr>
+            <p:nvPr/>
+          </p:nvCxnSpPr>
+          <p:spPr>
+            <a:xfrm>
+              <a:off x="2968774" y="3229526"/>
+              <a:ext cx="300044" cy="0"/>
+            </a:xfrm>
+            <a:prstGeom prst="straightConnector1">
+              <a:avLst/>
+            </a:prstGeom>
+            <a:ln w="28575">
+              <a:solidFill>
+                <a:srgbClr val="C00000"/>
+              </a:solidFill>
+              <a:headEnd type="none" w="med" len="med"/>
+              <a:tailEnd type="arrow" w="med" len="med"/>
+            </a:ln>
+          </p:spPr>
+          <p:style>
+            <a:lnRef idx="1">
+              <a:schemeClr val="accent1"/>
+            </a:lnRef>
+            <a:fillRef idx="0">
+              <a:schemeClr val="accent1"/>
+            </a:fillRef>
+            <a:effectRef idx="0">
+              <a:schemeClr val="accent1"/>
+            </a:effectRef>
+            <a:fontRef idx="minor">
+              <a:schemeClr val="tx1"/>
+            </a:fontRef>
+          </p:style>
+        </p:cxnSp>
+        <p:sp>
+          <p:nvSpPr>
+            <p:cNvPr id="153" name="TextBox 152">
+              <a:extLst>
+                <a:ext uri="{FF2B5EF4-FFF2-40B4-BE49-F238E27FC236}">
+                  <a16:creationId xmlns:a16="http://schemas.microsoft.com/office/drawing/2014/main" id="{1F54650D-265A-4E42-A770-3A9D41F0E910}"/>
+                </a:ext>
+              </a:extLst>
+            </p:cNvPr>
+            <p:cNvSpPr txBox="1"/>
+            <p:nvPr/>
+          </p:nvSpPr>
+          <p:spPr>
+            <a:xfrm>
+              <a:off x="3026277" y="3003798"/>
+              <a:ext cx="1219951" cy="461665"/>
+            </a:xfrm>
+            <a:prstGeom prst="rect">
+              <a:avLst/>
+            </a:prstGeom>
+            <a:noFill/>
+          </p:spPr>
+          <p:txBody>
+            <a:bodyPr wrap="square" rtlCol="0" anchor="ctr">
+              <a:spAutoFit/>
+            </a:bodyPr>
+            <a:lstStyle/>
+            <a:p>
+              <a:pPr algn="ctr"/>
+              <a:r>
+                <a:rPr lang="en-US" altLang="ko-KR" sz="1200"/>
+                <a:t>Request Service</a:t>
+              </a:r>
+              <a:endParaRPr lang="en-US" altLang="ko-KR" sz="1400"/>
+            </a:p>
+          </p:txBody>
+        </p:sp>
+        <p:cxnSp>
+          <p:nvCxnSpPr>
+            <p:cNvPr id="154" name="직선 화살표 연결선 153">
+              <a:extLst>
+                <a:ext uri="{FF2B5EF4-FFF2-40B4-BE49-F238E27FC236}">
+                  <a16:creationId xmlns:a16="http://schemas.microsoft.com/office/drawing/2014/main" id="{7762BA67-C125-4E2F-9152-1E923526EC10}"/>
+                </a:ext>
+              </a:extLst>
+            </p:cNvPr>
+            <p:cNvCxnSpPr>
+              <a:cxnSpLocks/>
+            </p:cNvCxnSpPr>
+            <p:nvPr/>
+          </p:nvCxnSpPr>
+          <p:spPr>
+            <a:xfrm>
+              <a:off x="2968774" y="3608975"/>
+              <a:ext cx="300044" cy="0"/>
+            </a:xfrm>
+            <a:prstGeom prst="straightConnector1">
+              <a:avLst/>
+            </a:prstGeom>
+            <a:ln w="28575">
+              <a:solidFill>
+                <a:schemeClr val="tx2"/>
+              </a:solidFill>
+              <a:headEnd type="none" w="med" len="med"/>
+              <a:tailEnd type="arrow" w="med" len="med"/>
+            </a:ln>
+          </p:spPr>
+          <p:style>
+            <a:lnRef idx="1">
+              <a:schemeClr val="accent1"/>
+            </a:lnRef>
+            <a:fillRef idx="0">
+              <a:schemeClr val="accent1"/>
+            </a:fillRef>
+            <a:effectRef idx="0">
+              <a:schemeClr val="accent1"/>
+            </a:effectRef>
+            <a:fontRef idx="minor">
+              <a:schemeClr val="tx1"/>
+            </a:fontRef>
+          </p:style>
+        </p:cxnSp>
+        <p:sp>
+          <p:nvSpPr>
+            <p:cNvPr id="155" name="TextBox 154">
+              <a:extLst>
+                <a:ext uri="{FF2B5EF4-FFF2-40B4-BE49-F238E27FC236}">
+                  <a16:creationId xmlns:a16="http://schemas.microsoft.com/office/drawing/2014/main" id="{D3BC6D8E-6724-42DB-8EEC-4C93599E347C}"/>
+                </a:ext>
+              </a:extLst>
+            </p:cNvPr>
+            <p:cNvSpPr txBox="1"/>
+            <p:nvPr/>
+          </p:nvSpPr>
+          <p:spPr>
+            <a:xfrm>
+              <a:off x="3026277" y="3383247"/>
+              <a:ext cx="1219951" cy="461665"/>
+            </a:xfrm>
+            <a:prstGeom prst="rect">
+              <a:avLst/>
+            </a:prstGeom>
+            <a:noFill/>
+          </p:spPr>
+          <p:txBody>
+            <a:bodyPr wrap="square" rtlCol="0" anchor="ctr">
+              <a:spAutoFit/>
+            </a:bodyPr>
+            <a:lstStyle/>
+            <a:p>
+              <a:pPr algn="ctr"/>
+              <a:r>
+                <a:rPr lang="en-US" altLang="ko-KR" sz="1200"/>
+                <a:t>Response</a:t>
+              </a:r>
+            </a:p>
+            <a:p>
+              <a:pPr algn="ctr"/>
+              <a:r>
+                <a:rPr lang="en-US" altLang="ko-KR" sz="1200"/>
+                <a:t>Service</a:t>
+              </a:r>
+              <a:endParaRPr lang="en-US" altLang="ko-KR" sz="1400"/>
+            </a:p>
+          </p:txBody>
+        </p:sp>
+      </p:grpSp>
+      <p:sp>
+        <p:nvSpPr>
+          <p:cNvPr id="157" name="TextBox 156">
+            <a:extLst>
+              <a:ext uri="{FF2B5EF4-FFF2-40B4-BE49-F238E27FC236}">
+                <a16:creationId xmlns:a16="http://schemas.microsoft.com/office/drawing/2014/main" id="{70C1F7F9-2EB4-4DEB-BB40-B090C5925149}"/>
+              </a:ext>
+            </a:extLst>
+          </p:cNvPr>
+          <p:cNvSpPr txBox="1"/>
+          <p:nvPr/>
+        </p:nvSpPr>
+        <p:spPr>
+          <a:xfrm>
+            <a:off x="1456479" y="4299942"/>
+            <a:ext cx="2401312" cy="307777"/>
+          </a:xfrm>
+          <a:prstGeom prst="rect">
+            <a:avLst/>
+          </a:prstGeom>
+          <a:noFill/>
+        </p:spPr>
+        <p:txBody>
+          <a:bodyPr wrap="square" rtlCol="0" anchor="ctr">
+            <a:spAutoFit/>
+          </a:bodyPr>
+          <a:lstStyle/>
+          <a:p>
+            <a:pPr algn="ctr"/>
+            <a:r>
+              <a:rPr lang="en-US" altLang="ko-KR" sz="1400" b="1"/>
+              <a:t>Without Masquerade </a:t>
+            </a:r>
+            <a:endParaRPr lang="en-US" altLang="ko-KR" sz="1600"/>
+          </a:p>
+        </p:txBody>
+      </p:sp>
+      <p:sp>
+        <p:nvSpPr>
+          <p:cNvPr id="158" name="TextBox 157">
+            <a:extLst>
+              <a:ext uri="{FF2B5EF4-FFF2-40B4-BE49-F238E27FC236}">
+                <a16:creationId xmlns:a16="http://schemas.microsoft.com/office/drawing/2014/main" id="{1C5B2747-361C-47A9-9AA3-D74EB6B90E60}"/>
+              </a:ext>
+            </a:extLst>
+          </p:cNvPr>
+          <p:cNvSpPr txBox="1"/>
+          <p:nvPr/>
+        </p:nvSpPr>
+        <p:spPr>
+          <a:xfrm>
+            <a:off x="4897661" y="4299942"/>
+            <a:ext cx="2401312" cy="307777"/>
+          </a:xfrm>
+          <a:prstGeom prst="rect">
+            <a:avLst/>
+          </a:prstGeom>
+          <a:noFill/>
+        </p:spPr>
+        <p:txBody>
+          <a:bodyPr wrap="square" rtlCol="0" anchor="ctr">
+            <a:spAutoFit/>
+          </a:bodyPr>
+          <a:lstStyle/>
+          <a:p>
+            <a:pPr algn="ctr"/>
+            <a:r>
+              <a:rPr lang="en-US" altLang="ko-KR" sz="1400" b="1"/>
+              <a:t>With Masquerade </a:t>
+            </a:r>
+            <a:endParaRPr lang="en-US" altLang="ko-KR" sz="1600"/>
+          </a:p>
+        </p:txBody>
+      </p:sp>
+    </p:spTree>
+    <p:extLst>
+      <p:ext uri="{BB962C8B-B14F-4D97-AF65-F5344CB8AC3E}">
+        <p14:creationId xmlns:p14="http://schemas.microsoft.com/office/powerpoint/2010/main" val="2825682873"/>
       </p:ext>
     </p:extLst>
   </p:cSld>
